--- a/presentazione/presentazione.pptx
+++ b/presentazione/presentazione.pptx
@@ -5,15 +5,23 @@
     <p:sldMasterId id="2147483648" r:id="rId1"/>
   </p:sldMasterIdLst>
   <p:notesMasterIdLst>
-    <p:notesMasterId r:id="rId8"/>
+    <p:notesMasterId r:id="rId16"/>
   </p:notesMasterIdLst>
   <p:sldIdLst>
     <p:sldId id="256" r:id="rId2"/>
-    <p:sldId id="257" r:id="rId3"/>
-    <p:sldId id="258" r:id="rId4"/>
-    <p:sldId id="259" r:id="rId5"/>
+    <p:sldId id="259" r:id="rId3"/>
+    <p:sldId id="257" r:id="rId4"/>
+    <p:sldId id="258" r:id="rId5"/>
     <p:sldId id="260" r:id="rId6"/>
     <p:sldId id="261" r:id="rId7"/>
+    <p:sldId id="262" r:id="rId8"/>
+    <p:sldId id="267" r:id="rId9"/>
+    <p:sldId id="266" r:id="rId10"/>
+    <p:sldId id="268" r:id="rId11"/>
+    <p:sldId id="265" r:id="rId12"/>
+    <p:sldId id="264" r:id="rId13"/>
+    <p:sldId id="263" r:id="rId14"/>
+    <p:sldId id="269" r:id="rId15"/>
   </p:sldIdLst>
   <p:sldSz cx="12192000" cy="6858000"/>
   <p:notesSz cx="6858000" cy="9144000"/>
@@ -112,6 +120,11 @@
       </a:defRPr>
     </a:lvl9pPr>
   </p:defaultTextStyle>
+  <p:extLst>
+    <p:ext uri="{EFAFB233-063F-42B5-8137-9DF3F51BA10A}">
+      <p15:sldGuideLst xmlns:p15="http://schemas.microsoft.com/office/powerpoint/2012/main"/>
+    </p:ext>
+  </p:extLst>
 </p:presentation>
 </file>
 
@@ -197,7 +210,7 @@
           <a:p>
             <a:fld id="{B4CDE844-D068-43A3-8982-C1177E12C072}" type="datetimeFigureOut">
               <a:rPr lang="it-IT" smtClean="0"/>
-              <a:t>28/06/2022</a:t>
+              <a:t>29/06/2022</a:t>
             </a:fld>
             <a:endParaRPr lang="it-IT"/>
           </a:p>
@@ -695,7 +708,7 @@
           <a:p>
             <a:fld id="{59A307E6-BDE1-4DBD-811A-37813F4DE3EF}" type="datetimeFigureOut">
               <a:rPr lang="it-IT" smtClean="0"/>
-              <a:t>28/06/2022</a:t>
+              <a:t>29/06/2022</a:t>
             </a:fld>
             <a:endParaRPr lang="it-IT"/>
           </a:p>
@@ -893,7 +906,7 @@
           <a:p>
             <a:fld id="{59A307E6-BDE1-4DBD-811A-37813F4DE3EF}" type="datetimeFigureOut">
               <a:rPr lang="it-IT" smtClean="0"/>
-              <a:t>28/06/2022</a:t>
+              <a:t>29/06/2022</a:t>
             </a:fld>
             <a:endParaRPr lang="it-IT"/>
           </a:p>
@@ -1101,7 +1114,7 @@
           <a:p>
             <a:fld id="{59A307E6-BDE1-4DBD-811A-37813F4DE3EF}" type="datetimeFigureOut">
               <a:rPr lang="it-IT" smtClean="0"/>
-              <a:t>28/06/2022</a:t>
+              <a:t>29/06/2022</a:t>
             </a:fld>
             <a:endParaRPr lang="it-IT"/>
           </a:p>
@@ -1299,7 +1312,7 @@
           <a:p>
             <a:fld id="{59A307E6-BDE1-4DBD-811A-37813F4DE3EF}" type="datetimeFigureOut">
               <a:rPr lang="it-IT" smtClean="0"/>
-              <a:t>28/06/2022</a:t>
+              <a:t>29/06/2022</a:t>
             </a:fld>
             <a:endParaRPr lang="it-IT"/>
           </a:p>
@@ -1574,7 +1587,7 @@
           <a:p>
             <a:fld id="{59A307E6-BDE1-4DBD-811A-37813F4DE3EF}" type="datetimeFigureOut">
               <a:rPr lang="it-IT" smtClean="0"/>
-              <a:t>28/06/2022</a:t>
+              <a:t>29/06/2022</a:t>
             </a:fld>
             <a:endParaRPr lang="it-IT"/>
           </a:p>
@@ -1839,7 +1852,7 @@
           <a:p>
             <a:fld id="{59A307E6-BDE1-4DBD-811A-37813F4DE3EF}" type="datetimeFigureOut">
               <a:rPr lang="it-IT" smtClean="0"/>
-              <a:t>28/06/2022</a:t>
+              <a:t>29/06/2022</a:t>
             </a:fld>
             <a:endParaRPr lang="it-IT"/>
           </a:p>
@@ -2251,7 +2264,7 @@
           <a:p>
             <a:fld id="{59A307E6-BDE1-4DBD-811A-37813F4DE3EF}" type="datetimeFigureOut">
               <a:rPr lang="it-IT" smtClean="0"/>
-              <a:t>28/06/2022</a:t>
+              <a:t>29/06/2022</a:t>
             </a:fld>
             <a:endParaRPr lang="it-IT"/>
           </a:p>
@@ -2392,7 +2405,7 @@
           <a:p>
             <a:fld id="{59A307E6-BDE1-4DBD-811A-37813F4DE3EF}" type="datetimeFigureOut">
               <a:rPr lang="it-IT" smtClean="0"/>
-              <a:t>28/06/2022</a:t>
+              <a:t>29/06/2022</a:t>
             </a:fld>
             <a:endParaRPr lang="it-IT"/>
           </a:p>
@@ -2505,7 +2518,7 @@
           <a:p>
             <a:fld id="{59A307E6-BDE1-4DBD-811A-37813F4DE3EF}" type="datetimeFigureOut">
               <a:rPr lang="it-IT" smtClean="0"/>
-              <a:t>28/06/2022</a:t>
+              <a:t>29/06/2022</a:t>
             </a:fld>
             <a:endParaRPr lang="it-IT"/>
           </a:p>
@@ -2816,7 +2829,7 @@
           <a:p>
             <a:fld id="{59A307E6-BDE1-4DBD-811A-37813F4DE3EF}" type="datetimeFigureOut">
               <a:rPr lang="it-IT" smtClean="0"/>
-              <a:t>28/06/2022</a:t>
+              <a:t>29/06/2022</a:t>
             </a:fld>
             <a:endParaRPr lang="it-IT"/>
           </a:p>
@@ -3104,7 +3117,7 @@
           <a:p>
             <a:fld id="{59A307E6-BDE1-4DBD-811A-37813F4DE3EF}" type="datetimeFigureOut">
               <a:rPr lang="it-IT" smtClean="0"/>
-              <a:t>28/06/2022</a:t>
+              <a:t>29/06/2022</a:t>
             </a:fld>
             <a:endParaRPr lang="it-IT"/>
           </a:p>
@@ -3345,7 +3358,7 @@
           <a:p>
             <a:fld id="{59A307E6-BDE1-4DBD-811A-37813F4DE3EF}" type="datetimeFigureOut">
               <a:rPr lang="it-IT" smtClean="0"/>
-              <a:t>28/06/2022</a:t>
+              <a:t>29/06/2022</a:t>
             </a:fld>
             <a:endParaRPr lang="it-IT"/>
           </a:p>
@@ -4281,6 +4294,3255 @@
 </p:sld>
 </file>
 
+<file path=ppt/slides/slide10.xml><?xml version="1.0" encoding="utf-8"?>
+<p:sld xmlns:a="http://schemas.openxmlformats.org/drawingml/2006/main" xmlns:r="http://schemas.openxmlformats.org/officeDocument/2006/relationships" xmlns:p="http://schemas.openxmlformats.org/presentationml/2006/main">
+  <p:cSld>
+    <p:bg>
+      <p:bgPr>
+        <a:blipFill dpi="0" rotWithShape="1">
+          <a:blip r:embed="rId2">
+            <a:lum/>
+          </a:blip>
+          <a:srcRect/>
+          <a:stretch>
+            <a:fillRect/>
+          </a:stretch>
+        </a:blipFill>
+        <a:effectLst/>
+      </p:bgPr>
+    </p:bg>
+    <p:spTree>
+      <p:nvGrpSpPr>
+        <p:cNvPr id="1" name=""/>
+        <p:cNvGrpSpPr/>
+        <p:nvPr/>
+      </p:nvGrpSpPr>
+      <p:grpSpPr>
+        <a:xfrm>
+          <a:off x="0" y="0"/>
+          <a:ext cx="0" cy="0"/>
+          <a:chOff x="0" y="0"/>
+          <a:chExt cx="0" cy="0"/>
+        </a:xfrm>
+      </p:grpSpPr>
+      <p:sp>
+        <p:nvSpPr>
+          <p:cNvPr id="7" name="Titolo 1">
+            <a:extLst>
+              <a:ext uri="{FF2B5EF4-FFF2-40B4-BE49-F238E27FC236}">
+                <a16:creationId xmlns:a16="http://schemas.microsoft.com/office/drawing/2014/main" id="{17B06C31-F6F6-21E4-30FE-502265A0B9F4}"/>
+              </a:ext>
+            </a:extLst>
+          </p:cNvPr>
+          <p:cNvSpPr>
+            <a:spLocks noGrp="1"/>
+          </p:cNvSpPr>
+          <p:nvPr>
+            <p:ph type="title"/>
+          </p:nvPr>
+        </p:nvSpPr>
+        <p:spPr>
+          <a:xfrm>
+            <a:off x="838200" y="143453"/>
+            <a:ext cx="10515600" cy="835602"/>
+          </a:xfrm>
+        </p:spPr>
+        <p:txBody>
+          <a:bodyPr/>
+          <a:lstStyle/>
+          <a:p>
+            <a:pPr algn="ctr"/>
+            <a:r>
+              <a:rPr lang="it-IT" b="1" dirty="0">
+                <a:solidFill>
+                  <a:srgbClr val="FF0000"/>
+                </a:solidFill>
+                <a:cs typeface="Arial" panose="020B0604020202020204" pitchFamily="34" charset="0"/>
+              </a:rPr>
+              <a:t>GRADO OUT</a:t>
+            </a:r>
+          </a:p>
+        </p:txBody>
+      </p:sp>
+      <p:sp>
+        <p:nvSpPr>
+          <p:cNvPr id="4" name="Segnaposto contenuto 3">
+            <a:extLst>
+              <a:ext uri="{FF2B5EF4-FFF2-40B4-BE49-F238E27FC236}">
+                <a16:creationId xmlns:a16="http://schemas.microsoft.com/office/drawing/2014/main" id="{A67DC563-CECC-151E-8C85-B2C96AD975E4}"/>
+              </a:ext>
+            </a:extLst>
+          </p:cNvPr>
+          <p:cNvSpPr>
+            <a:spLocks noGrp="1"/>
+          </p:cNvSpPr>
+          <p:nvPr>
+            <p:ph idx="1"/>
+          </p:nvPr>
+        </p:nvSpPr>
+        <p:spPr/>
+        <p:txBody>
+          <a:bodyPr/>
+          <a:lstStyle/>
+          <a:p>
+            <a:endParaRPr lang="it-IT"/>
+          </a:p>
+        </p:txBody>
+      </p:sp>
+    </p:spTree>
+    <p:extLst>
+      <p:ext uri="{BB962C8B-B14F-4D97-AF65-F5344CB8AC3E}">
+        <p14:creationId xmlns:p14="http://schemas.microsoft.com/office/powerpoint/2010/main" val="3765876298"/>
+      </p:ext>
+    </p:extLst>
+  </p:cSld>
+  <p:clrMapOvr>
+    <a:masterClrMapping/>
+  </p:clrMapOvr>
+</p:sld>
+</file>
+
+<file path=ppt/slides/slide11.xml><?xml version="1.0" encoding="utf-8"?>
+<p:sld xmlns:a="http://schemas.openxmlformats.org/drawingml/2006/main" xmlns:r="http://schemas.openxmlformats.org/officeDocument/2006/relationships" xmlns:p="http://schemas.openxmlformats.org/presentationml/2006/main">
+  <p:cSld>
+    <p:bg>
+      <p:bgPr>
+        <a:blipFill dpi="0" rotWithShape="1">
+          <a:blip r:embed="rId2">
+            <a:lum/>
+          </a:blip>
+          <a:srcRect/>
+          <a:stretch>
+            <a:fillRect/>
+          </a:stretch>
+        </a:blipFill>
+        <a:effectLst/>
+      </p:bgPr>
+    </p:bg>
+    <p:spTree>
+      <p:nvGrpSpPr>
+        <p:cNvPr id="1" name=""/>
+        <p:cNvGrpSpPr/>
+        <p:nvPr/>
+      </p:nvGrpSpPr>
+      <p:grpSpPr>
+        <a:xfrm>
+          <a:off x="0" y="0"/>
+          <a:ext cx="0" cy="0"/>
+          <a:chOff x="0" y="0"/>
+          <a:chExt cx="0" cy="0"/>
+        </a:xfrm>
+      </p:grpSpPr>
+      <p:sp>
+        <p:nvSpPr>
+          <p:cNvPr id="7" name="Titolo 1">
+            <a:extLst>
+              <a:ext uri="{FF2B5EF4-FFF2-40B4-BE49-F238E27FC236}">
+                <a16:creationId xmlns:a16="http://schemas.microsoft.com/office/drawing/2014/main" id="{17B06C31-F6F6-21E4-30FE-502265A0B9F4}"/>
+              </a:ext>
+            </a:extLst>
+          </p:cNvPr>
+          <p:cNvSpPr>
+            <a:spLocks noGrp="1"/>
+          </p:cNvSpPr>
+          <p:nvPr>
+            <p:ph type="title"/>
+          </p:nvPr>
+        </p:nvSpPr>
+        <p:spPr>
+          <a:xfrm>
+            <a:off x="838200" y="143453"/>
+            <a:ext cx="10515600" cy="835602"/>
+          </a:xfrm>
+        </p:spPr>
+        <p:txBody>
+          <a:bodyPr/>
+          <a:lstStyle/>
+          <a:p>
+            <a:pPr algn="ctr"/>
+            <a:r>
+              <a:rPr lang="it-IT" b="1" dirty="0">
+                <a:solidFill>
+                  <a:srgbClr val="FF0000"/>
+                </a:solidFill>
+                <a:cs typeface="Arial" panose="020B0604020202020204" pitchFamily="34" charset="0"/>
+              </a:rPr>
+              <a:t>BETWEENESS</a:t>
+            </a:r>
+          </a:p>
+        </p:txBody>
+      </p:sp>
+      <p:sp>
+        <p:nvSpPr>
+          <p:cNvPr id="4" name="Segnaposto contenuto 3">
+            <a:extLst>
+              <a:ext uri="{FF2B5EF4-FFF2-40B4-BE49-F238E27FC236}">
+                <a16:creationId xmlns:a16="http://schemas.microsoft.com/office/drawing/2014/main" id="{A67DC563-CECC-151E-8C85-B2C96AD975E4}"/>
+              </a:ext>
+            </a:extLst>
+          </p:cNvPr>
+          <p:cNvSpPr>
+            <a:spLocks noGrp="1"/>
+          </p:cNvSpPr>
+          <p:nvPr>
+            <p:ph idx="1"/>
+          </p:nvPr>
+        </p:nvSpPr>
+        <p:spPr/>
+        <p:txBody>
+          <a:bodyPr/>
+          <a:lstStyle/>
+          <a:p>
+            <a:endParaRPr lang="it-IT"/>
+          </a:p>
+        </p:txBody>
+      </p:sp>
+    </p:spTree>
+    <p:extLst>
+      <p:ext uri="{BB962C8B-B14F-4D97-AF65-F5344CB8AC3E}">
+        <p14:creationId xmlns:p14="http://schemas.microsoft.com/office/powerpoint/2010/main" val="3872600927"/>
+      </p:ext>
+    </p:extLst>
+  </p:cSld>
+  <p:clrMapOvr>
+    <a:masterClrMapping/>
+  </p:clrMapOvr>
+</p:sld>
+</file>
+
+<file path=ppt/slides/slide12.xml><?xml version="1.0" encoding="utf-8"?>
+<p:sld xmlns:a="http://schemas.openxmlformats.org/drawingml/2006/main" xmlns:r="http://schemas.openxmlformats.org/officeDocument/2006/relationships" xmlns:p="http://schemas.openxmlformats.org/presentationml/2006/main">
+  <p:cSld>
+    <p:bg>
+      <p:bgPr>
+        <a:blipFill dpi="0" rotWithShape="1">
+          <a:blip r:embed="rId2">
+            <a:lum/>
+          </a:blip>
+          <a:srcRect/>
+          <a:stretch>
+            <a:fillRect/>
+          </a:stretch>
+        </a:blipFill>
+        <a:effectLst/>
+      </p:bgPr>
+    </p:bg>
+    <p:spTree>
+      <p:nvGrpSpPr>
+        <p:cNvPr id="1" name=""/>
+        <p:cNvGrpSpPr/>
+        <p:nvPr/>
+      </p:nvGrpSpPr>
+      <p:grpSpPr>
+        <a:xfrm>
+          <a:off x="0" y="0"/>
+          <a:ext cx="0" cy="0"/>
+          <a:chOff x="0" y="0"/>
+          <a:chExt cx="0" cy="0"/>
+        </a:xfrm>
+      </p:grpSpPr>
+      <p:sp>
+        <p:nvSpPr>
+          <p:cNvPr id="7" name="Titolo 1">
+            <a:extLst>
+              <a:ext uri="{FF2B5EF4-FFF2-40B4-BE49-F238E27FC236}">
+                <a16:creationId xmlns:a16="http://schemas.microsoft.com/office/drawing/2014/main" id="{17B06C31-F6F6-21E4-30FE-502265A0B9F4}"/>
+              </a:ext>
+            </a:extLst>
+          </p:cNvPr>
+          <p:cNvSpPr>
+            <a:spLocks noGrp="1"/>
+          </p:cNvSpPr>
+          <p:nvPr>
+            <p:ph type="title"/>
+          </p:nvPr>
+        </p:nvSpPr>
+        <p:spPr>
+          <a:xfrm>
+            <a:off x="838200" y="143453"/>
+            <a:ext cx="10515600" cy="835602"/>
+          </a:xfrm>
+        </p:spPr>
+        <p:txBody>
+          <a:bodyPr/>
+          <a:lstStyle/>
+          <a:p>
+            <a:pPr algn="ctr"/>
+            <a:r>
+              <a:rPr lang="it-IT" b="1" dirty="0">
+                <a:solidFill>
+                  <a:srgbClr val="FF0000"/>
+                </a:solidFill>
+                <a:cs typeface="Arial" panose="020B0604020202020204" pitchFamily="34" charset="0"/>
+              </a:rPr>
+              <a:t>CLOSENESS</a:t>
+            </a:r>
+          </a:p>
+        </p:txBody>
+      </p:sp>
+      <p:sp>
+        <p:nvSpPr>
+          <p:cNvPr id="4" name="Segnaposto contenuto 3">
+            <a:extLst>
+              <a:ext uri="{FF2B5EF4-FFF2-40B4-BE49-F238E27FC236}">
+                <a16:creationId xmlns:a16="http://schemas.microsoft.com/office/drawing/2014/main" id="{A67DC563-CECC-151E-8C85-B2C96AD975E4}"/>
+              </a:ext>
+            </a:extLst>
+          </p:cNvPr>
+          <p:cNvSpPr>
+            <a:spLocks noGrp="1"/>
+          </p:cNvSpPr>
+          <p:nvPr>
+            <p:ph idx="1"/>
+          </p:nvPr>
+        </p:nvSpPr>
+        <p:spPr/>
+        <p:txBody>
+          <a:bodyPr/>
+          <a:lstStyle/>
+          <a:p>
+            <a:endParaRPr lang="it-IT"/>
+          </a:p>
+        </p:txBody>
+      </p:sp>
+    </p:spTree>
+    <p:extLst>
+      <p:ext uri="{BB962C8B-B14F-4D97-AF65-F5344CB8AC3E}">
+        <p14:creationId xmlns:p14="http://schemas.microsoft.com/office/powerpoint/2010/main" val="883606681"/>
+      </p:ext>
+    </p:extLst>
+  </p:cSld>
+  <p:clrMapOvr>
+    <a:masterClrMapping/>
+  </p:clrMapOvr>
+</p:sld>
+</file>
+
+<file path=ppt/slides/slide13.xml><?xml version="1.0" encoding="utf-8"?>
+<p:sld xmlns:a="http://schemas.openxmlformats.org/drawingml/2006/main" xmlns:r="http://schemas.openxmlformats.org/officeDocument/2006/relationships" xmlns:p="http://schemas.openxmlformats.org/presentationml/2006/main">
+  <p:cSld>
+    <p:bg>
+      <p:bgPr>
+        <a:blipFill dpi="0" rotWithShape="1">
+          <a:blip r:embed="rId2">
+            <a:lum/>
+          </a:blip>
+          <a:srcRect/>
+          <a:stretch>
+            <a:fillRect/>
+          </a:stretch>
+        </a:blipFill>
+        <a:effectLst/>
+      </p:bgPr>
+    </p:bg>
+    <p:spTree>
+      <p:nvGrpSpPr>
+        <p:cNvPr id="1" name=""/>
+        <p:cNvGrpSpPr/>
+        <p:nvPr/>
+      </p:nvGrpSpPr>
+      <p:grpSpPr>
+        <a:xfrm>
+          <a:off x="0" y="0"/>
+          <a:ext cx="0" cy="0"/>
+          <a:chOff x="0" y="0"/>
+          <a:chExt cx="0" cy="0"/>
+        </a:xfrm>
+      </p:grpSpPr>
+      <p:sp>
+        <p:nvSpPr>
+          <p:cNvPr id="7" name="Titolo 1">
+            <a:extLst>
+              <a:ext uri="{FF2B5EF4-FFF2-40B4-BE49-F238E27FC236}">
+                <a16:creationId xmlns:a16="http://schemas.microsoft.com/office/drawing/2014/main" id="{17B06C31-F6F6-21E4-30FE-502265A0B9F4}"/>
+              </a:ext>
+            </a:extLst>
+          </p:cNvPr>
+          <p:cNvSpPr>
+            <a:spLocks noGrp="1"/>
+          </p:cNvSpPr>
+          <p:nvPr>
+            <p:ph type="title"/>
+          </p:nvPr>
+        </p:nvSpPr>
+        <p:spPr>
+          <a:xfrm>
+            <a:off x="838200" y="143453"/>
+            <a:ext cx="10515600" cy="835602"/>
+          </a:xfrm>
+        </p:spPr>
+        <p:txBody>
+          <a:bodyPr/>
+          <a:lstStyle/>
+          <a:p>
+            <a:pPr algn="ctr"/>
+            <a:r>
+              <a:rPr lang="it-IT" b="1" dirty="0">
+                <a:solidFill>
+                  <a:srgbClr val="FF0000"/>
+                </a:solidFill>
+                <a:cs typeface="Arial" panose="020B0604020202020204" pitchFamily="34" charset="0"/>
+              </a:rPr>
+              <a:t>PAGERANK</a:t>
+            </a:r>
+          </a:p>
+        </p:txBody>
+      </p:sp>
+      <p:sp>
+        <p:nvSpPr>
+          <p:cNvPr id="4" name="Segnaposto contenuto 3">
+            <a:extLst>
+              <a:ext uri="{FF2B5EF4-FFF2-40B4-BE49-F238E27FC236}">
+                <a16:creationId xmlns:a16="http://schemas.microsoft.com/office/drawing/2014/main" id="{A67DC563-CECC-151E-8C85-B2C96AD975E4}"/>
+              </a:ext>
+            </a:extLst>
+          </p:cNvPr>
+          <p:cNvSpPr>
+            <a:spLocks noGrp="1"/>
+          </p:cNvSpPr>
+          <p:nvPr>
+            <p:ph idx="1"/>
+          </p:nvPr>
+        </p:nvSpPr>
+        <p:spPr/>
+        <p:txBody>
+          <a:bodyPr/>
+          <a:lstStyle/>
+          <a:p>
+            <a:endParaRPr lang="it-IT"/>
+          </a:p>
+        </p:txBody>
+      </p:sp>
+    </p:spTree>
+    <p:extLst>
+      <p:ext uri="{BB962C8B-B14F-4D97-AF65-F5344CB8AC3E}">
+        <p14:creationId xmlns:p14="http://schemas.microsoft.com/office/powerpoint/2010/main" val="1027565139"/>
+      </p:ext>
+    </p:extLst>
+  </p:cSld>
+  <p:clrMapOvr>
+    <a:masterClrMapping/>
+  </p:clrMapOvr>
+</p:sld>
+</file>
+
+<file path=ppt/slides/slide14.xml><?xml version="1.0" encoding="utf-8"?>
+<p:sld xmlns:a="http://schemas.openxmlformats.org/drawingml/2006/main" xmlns:r="http://schemas.openxmlformats.org/officeDocument/2006/relationships" xmlns:p="http://schemas.openxmlformats.org/presentationml/2006/main">
+  <p:cSld>
+    <p:bg>
+      <p:bgPr>
+        <a:blipFill dpi="0" rotWithShape="1">
+          <a:blip r:embed="rId2">
+            <a:lum/>
+          </a:blip>
+          <a:srcRect/>
+          <a:stretch>
+            <a:fillRect/>
+          </a:stretch>
+        </a:blipFill>
+        <a:effectLst/>
+      </p:bgPr>
+    </p:bg>
+    <p:spTree>
+      <p:nvGrpSpPr>
+        <p:cNvPr id="1" name=""/>
+        <p:cNvGrpSpPr/>
+        <p:nvPr/>
+      </p:nvGrpSpPr>
+      <p:grpSpPr>
+        <a:xfrm>
+          <a:off x="0" y="0"/>
+          <a:ext cx="0" cy="0"/>
+          <a:chOff x="0" y="0"/>
+          <a:chExt cx="0" cy="0"/>
+        </a:xfrm>
+      </p:grpSpPr>
+      <p:sp>
+        <p:nvSpPr>
+          <p:cNvPr id="7" name="Titolo 1">
+            <a:extLst>
+              <a:ext uri="{FF2B5EF4-FFF2-40B4-BE49-F238E27FC236}">
+                <a16:creationId xmlns:a16="http://schemas.microsoft.com/office/drawing/2014/main" id="{17B06C31-F6F6-21E4-30FE-502265A0B9F4}"/>
+              </a:ext>
+            </a:extLst>
+          </p:cNvPr>
+          <p:cNvSpPr>
+            <a:spLocks noGrp="1"/>
+          </p:cNvSpPr>
+          <p:nvPr>
+            <p:ph type="title"/>
+          </p:nvPr>
+        </p:nvSpPr>
+        <p:spPr>
+          <a:xfrm>
+            <a:off x="838200" y="143453"/>
+            <a:ext cx="10515600" cy="835602"/>
+          </a:xfrm>
+        </p:spPr>
+        <p:txBody>
+          <a:bodyPr/>
+          <a:lstStyle/>
+          <a:p>
+            <a:pPr algn="ctr"/>
+            <a:r>
+              <a:rPr lang="it-IT" b="1" dirty="0">
+                <a:solidFill>
+                  <a:srgbClr val="FF0000"/>
+                </a:solidFill>
+                <a:cs typeface="Arial" panose="020B0604020202020204" pitchFamily="34" charset="0"/>
+              </a:rPr>
+              <a:t>MERGED MEASURE</a:t>
+            </a:r>
+          </a:p>
+        </p:txBody>
+      </p:sp>
+      <p:graphicFrame>
+        <p:nvGraphicFramePr>
+          <p:cNvPr id="3" name="Tabella 5">
+            <a:extLst>
+              <a:ext uri="{FF2B5EF4-FFF2-40B4-BE49-F238E27FC236}">
+                <a16:creationId xmlns:a16="http://schemas.microsoft.com/office/drawing/2014/main" id="{7D13C5FA-3ED9-8BB8-D186-DD7CE1B5C820}"/>
+              </a:ext>
+            </a:extLst>
+          </p:cNvPr>
+          <p:cNvGraphicFramePr>
+            <a:graphicFrameLocks noGrp="1"/>
+          </p:cNvGraphicFramePr>
+          <p:nvPr>
+            <p:extLst>
+              <p:ext uri="{D42A27DB-BD31-4B8C-83A1-F6EECF244321}">
+                <p14:modId xmlns:p14="http://schemas.microsoft.com/office/powerpoint/2010/main" val="1817659033"/>
+              </p:ext>
+            </p:extLst>
+          </p:nvPr>
+        </p:nvGraphicFramePr>
+        <p:xfrm>
+          <a:off x="540326" y="1269305"/>
+          <a:ext cx="4493492" cy="4983715"/>
+        </p:xfrm>
+        <a:graphic>
+          <a:graphicData uri="http://schemas.openxmlformats.org/drawingml/2006/table">
+            <a:tbl>
+              <a:tblPr firstRow="1" bandRow="1">
+                <a:tableStyleId>{5C22544A-7EE6-4342-B048-85BDC9FD1C3A}</a:tableStyleId>
+              </a:tblPr>
+              <a:tblGrid>
+                <a:gridCol w="2751194">
+                  <a:extLst>
+                    <a:ext uri="{9D8B030D-6E8A-4147-A177-3AD203B41FA5}">
+                      <a16:colId xmlns:a16="http://schemas.microsoft.com/office/drawing/2014/main" val="4032485910"/>
+                    </a:ext>
+                  </a:extLst>
+                </a:gridCol>
+                <a:gridCol w="1742298">
+                  <a:extLst>
+                    <a:ext uri="{9D8B030D-6E8A-4147-A177-3AD203B41FA5}">
+                      <a16:colId xmlns:a16="http://schemas.microsoft.com/office/drawing/2014/main" val="1572873143"/>
+                    </a:ext>
+                  </a:extLst>
+                </a:gridCol>
+              </a:tblGrid>
+              <a:tr h="453065">
+                <a:tc>
+                  <a:txBody>
+                    <a:bodyPr/>
+                    <a:lstStyle/>
+                    <a:p>
+                      <a:pPr algn="ctr"/>
+                      <a:r>
+                        <a:rPr lang="it-IT" dirty="0">
+                          <a:solidFill>
+                            <a:schemeClr val="tx1"/>
+                          </a:solidFill>
+                        </a:rPr>
+                        <a:t>Names</a:t>
+                      </a:r>
+                    </a:p>
+                  </a:txBody>
+                  <a:tcPr>
+                    <a:lnL w="12700" cap="flat" cmpd="sng" algn="ctr">
+                      <a:solidFill>
+                        <a:schemeClr val="tx1"/>
+                      </a:solidFill>
+                      <a:prstDash val="solid"/>
+                      <a:round/>
+                      <a:headEnd type="none" w="med" len="med"/>
+                      <a:tailEnd type="none" w="med" len="med"/>
+                    </a:lnL>
+                    <a:lnR w="12700" cap="flat" cmpd="sng" algn="ctr">
+                      <a:solidFill>
+                        <a:schemeClr val="tx1"/>
+                      </a:solidFill>
+                      <a:prstDash val="solid"/>
+                      <a:round/>
+                      <a:headEnd type="none" w="med" len="med"/>
+                      <a:tailEnd type="none" w="med" len="med"/>
+                    </a:lnR>
+                    <a:lnT w="12700" cap="flat" cmpd="sng" algn="ctr">
+                      <a:solidFill>
+                        <a:schemeClr val="tx1"/>
+                      </a:solidFill>
+                      <a:prstDash val="solid"/>
+                      <a:round/>
+                      <a:headEnd type="none" w="med" len="med"/>
+                      <a:tailEnd type="none" w="med" len="med"/>
+                    </a:lnT>
+                    <a:lnB w="12700" cap="flat" cmpd="sng" algn="ctr">
+                      <a:solidFill>
+                        <a:schemeClr val="tx1"/>
+                      </a:solidFill>
+                      <a:prstDash val="solid"/>
+                      <a:round/>
+                      <a:headEnd type="none" w="med" len="med"/>
+                      <a:tailEnd type="none" w="med" len="med"/>
+                    </a:lnB>
+                    <a:solidFill>
+                      <a:srgbClr val="006464">
+                        <a:alpha val="50000"/>
+                      </a:srgbClr>
+                    </a:solidFill>
+                  </a:tcPr>
+                </a:tc>
+                <a:tc>
+                  <a:txBody>
+                    <a:bodyPr/>
+                    <a:lstStyle/>
+                    <a:p>
+                      <a:pPr algn="ctr"/>
+                      <a:r>
+                        <a:rPr lang="it-IT" dirty="0">
+                          <a:solidFill>
+                            <a:schemeClr val="tx1"/>
+                          </a:solidFill>
+                        </a:rPr>
+                        <a:t>Value</a:t>
+                      </a:r>
+                    </a:p>
+                  </a:txBody>
+                  <a:tcPr>
+                    <a:lnL w="12700" cap="flat" cmpd="sng" algn="ctr">
+                      <a:solidFill>
+                        <a:schemeClr val="tx1"/>
+                      </a:solidFill>
+                      <a:prstDash val="solid"/>
+                      <a:round/>
+                      <a:headEnd type="none" w="med" len="med"/>
+                      <a:tailEnd type="none" w="med" len="med"/>
+                    </a:lnL>
+                    <a:lnR w="12700" cap="flat" cmpd="sng" algn="ctr">
+                      <a:solidFill>
+                        <a:schemeClr val="tx1"/>
+                      </a:solidFill>
+                      <a:prstDash val="solid"/>
+                      <a:round/>
+                      <a:headEnd type="none" w="med" len="med"/>
+                      <a:tailEnd type="none" w="med" len="med"/>
+                    </a:lnR>
+                    <a:lnT w="12700" cap="flat" cmpd="sng" algn="ctr">
+                      <a:solidFill>
+                        <a:schemeClr val="tx1"/>
+                      </a:solidFill>
+                      <a:prstDash val="solid"/>
+                      <a:round/>
+                      <a:headEnd type="none" w="med" len="med"/>
+                      <a:tailEnd type="none" w="med" len="med"/>
+                    </a:lnT>
+                    <a:lnB w="12700" cap="flat" cmpd="sng" algn="ctr">
+                      <a:solidFill>
+                        <a:schemeClr val="tx1"/>
+                      </a:solidFill>
+                      <a:prstDash val="solid"/>
+                      <a:round/>
+                      <a:headEnd type="none" w="med" len="med"/>
+                      <a:tailEnd type="none" w="med" len="med"/>
+                    </a:lnB>
+                    <a:solidFill>
+                      <a:srgbClr val="006464">
+                        <a:alpha val="50000"/>
+                      </a:srgbClr>
+                    </a:solidFill>
+                  </a:tcPr>
+                </a:tc>
+                <a:extLst>
+                  <a:ext uri="{0D108BD9-81ED-4DB2-BD59-A6C34878D82A}">
+                    <a16:rowId xmlns:a16="http://schemas.microsoft.com/office/drawing/2014/main" val="2758308784"/>
+                  </a:ext>
+                </a:extLst>
+              </a:tr>
+              <a:tr h="453065">
+                <a:tc>
+                  <a:txBody>
+                    <a:bodyPr/>
+                    <a:lstStyle/>
+                    <a:p>
+                      <a:pPr algn="ctr"/>
+                      <a:r>
+                        <a:rPr lang="it-IT" dirty="0"/>
+                        <a:t>MILANO LAMBRATE</a:t>
+                      </a:r>
+                    </a:p>
+                  </a:txBody>
+                  <a:tcPr>
+                    <a:lnL w="12700" cap="flat" cmpd="sng" algn="ctr">
+                      <a:solidFill>
+                        <a:schemeClr val="tx1"/>
+                      </a:solidFill>
+                      <a:prstDash val="solid"/>
+                      <a:round/>
+                      <a:headEnd type="none" w="med" len="med"/>
+                      <a:tailEnd type="none" w="med" len="med"/>
+                    </a:lnL>
+                    <a:lnR w="12700" cap="flat" cmpd="sng" algn="ctr">
+                      <a:solidFill>
+                        <a:schemeClr val="tx1"/>
+                      </a:solidFill>
+                      <a:prstDash val="solid"/>
+                      <a:round/>
+                      <a:headEnd type="none" w="med" len="med"/>
+                      <a:tailEnd type="none" w="med" len="med"/>
+                    </a:lnR>
+                    <a:lnT w="12700" cap="flat" cmpd="sng" algn="ctr">
+                      <a:solidFill>
+                        <a:schemeClr val="tx1"/>
+                      </a:solidFill>
+                      <a:prstDash val="solid"/>
+                      <a:round/>
+                      <a:headEnd type="none" w="med" len="med"/>
+                      <a:tailEnd type="none" w="med" len="med"/>
+                    </a:lnT>
+                    <a:lnB w="12700" cap="flat" cmpd="sng" algn="ctr">
+                      <a:solidFill>
+                        <a:schemeClr val="tx1"/>
+                      </a:solidFill>
+                      <a:prstDash val="solid"/>
+                      <a:round/>
+                      <a:headEnd type="none" w="med" len="med"/>
+                      <a:tailEnd type="none" w="med" len="med"/>
+                    </a:lnB>
+                    <a:solidFill>
+                      <a:srgbClr val="006464">
+                        <a:alpha val="20000"/>
+                      </a:srgbClr>
+                    </a:solidFill>
+                  </a:tcPr>
+                </a:tc>
+                <a:tc>
+                  <a:txBody>
+                    <a:bodyPr/>
+                    <a:lstStyle/>
+                    <a:p>
+                      <a:pPr algn="ctr"/>
+                      <a:r>
+                        <a:rPr lang="it-IT" dirty="0"/>
+                        <a:t>4,986</a:t>
+                      </a:r>
+                    </a:p>
+                  </a:txBody>
+                  <a:tcPr>
+                    <a:lnL w="12700" cap="flat" cmpd="sng" algn="ctr">
+                      <a:solidFill>
+                        <a:schemeClr val="tx1"/>
+                      </a:solidFill>
+                      <a:prstDash val="solid"/>
+                      <a:round/>
+                      <a:headEnd type="none" w="med" len="med"/>
+                      <a:tailEnd type="none" w="med" len="med"/>
+                    </a:lnL>
+                    <a:lnR w="12700" cap="flat" cmpd="sng" algn="ctr">
+                      <a:solidFill>
+                        <a:schemeClr val="tx1"/>
+                      </a:solidFill>
+                      <a:prstDash val="solid"/>
+                      <a:round/>
+                      <a:headEnd type="none" w="med" len="med"/>
+                      <a:tailEnd type="none" w="med" len="med"/>
+                    </a:lnR>
+                    <a:lnT w="12700" cap="flat" cmpd="sng" algn="ctr">
+                      <a:solidFill>
+                        <a:schemeClr val="tx1"/>
+                      </a:solidFill>
+                      <a:prstDash val="solid"/>
+                      <a:round/>
+                      <a:headEnd type="none" w="med" len="med"/>
+                      <a:tailEnd type="none" w="med" len="med"/>
+                    </a:lnT>
+                    <a:lnB w="12700" cap="flat" cmpd="sng" algn="ctr">
+                      <a:solidFill>
+                        <a:schemeClr val="tx1"/>
+                      </a:solidFill>
+                      <a:prstDash val="solid"/>
+                      <a:round/>
+                      <a:headEnd type="none" w="med" len="med"/>
+                      <a:tailEnd type="none" w="med" len="med"/>
+                    </a:lnB>
+                    <a:solidFill>
+                      <a:srgbClr val="006464">
+                        <a:alpha val="20000"/>
+                      </a:srgbClr>
+                    </a:solidFill>
+                  </a:tcPr>
+                </a:tc>
+                <a:extLst>
+                  <a:ext uri="{0D108BD9-81ED-4DB2-BD59-A6C34878D82A}">
+                    <a16:rowId xmlns:a16="http://schemas.microsoft.com/office/drawing/2014/main" val="1928376236"/>
+                  </a:ext>
+                </a:extLst>
+              </a:tr>
+              <a:tr h="453065">
+                <a:tc>
+                  <a:txBody>
+                    <a:bodyPr/>
+                    <a:lstStyle/>
+                    <a:p>
+                      <a:pPr algn="ctr"/>
+                      <a:r>
+                        <a:rPr lang="it-IT" dirty="0"/>
+                        <a:t>MONZA</a:t>
+                      </a:r>
+                    </a:p>
+                  </a:txBody>
+                  <a:tcPr>
+                    <a:lnL w="12700" cap="flat" cmpd="sng" algn="ctr">
+                      <a:solidFill>
+                        <a:schemeClr val="tx1"/>
+                      </a:solidFill>
+                      <a:prstDash val="solid"/>
+                      <a:round/>
+                      <a:headEnd type="none" w="med" len="med"/>
+                      <a:tailEnd type="none" w="med" len="med"/>
+                    </a:lnL>
+                    <a:lnR w="12700" cap="flat" cmpd="sng" algn="ctr">
+                      <a:solidFill>
+                        <a:schemeClr val="tx1"/>
+                      </a:solidFill>
+                      <a:prstDash val="solid"/>
+                      <a:round/>
+                      <a:headEnd type="none" w="med" len="med"/>
+                      <a:tailEnd type="none" w="med" len="med"/>
+                    </a:lnR>
+                    <a:lnT w="12700" cap="flat" cmpd="sng" algn="ctr">
+                      <a:solidFill>
+                        <a:schemeClr val="tx1"/>
+                      </a:solidFill>
+                      <a:prstDash val="solid"/>
+                      <a:round/>
+                      <a:headEnd type="none" w="med" len="med"/>
+                      <a:tailEnd type="none" w="med" len="med"/>
+                    </a:lnT>
+                    <a:lnB w="12700" cap="flat" cmpd="sng" algn="ctr">
+                      <a:solidFill>
+                        <a:schemeClr val="tx1"/>
+                      </a:solidFill>
+                      <a:prstDash val="solid"/>
+                      <a:round/>
+                      <a:headEnd type="none" w="med" len="med"/>
+                      <a:tailEnd type="none" w="med" len="med"/>
+                    </a:lnB>
+                    <a:solidFill>
+                      <a:srgbClr val="006464">
+                        <a:alpha val="10000"/>
+                      </a:srgbClr>
+                    </a:solidFill>
+                  </a:tcPr>
+                </a:tc>
+                <a:tc>
+                  <a:txBody>
+                    <a:bodyPr/>
+                    <a:lstStyle/>
+                    <a:p>
+                      <a:pPr algn="ctr"/>
+                      <a:r>
+                        <a:rPr lang="it-IT" dirty="0"/>
+                        <a:t>4,9533</a:t>
+                      </a:r>
+                    </a:p>
+                  </a:txBody>
+                  <a:tcPr>
+                    <a:lnL w="12700" cap="flat" cmpd="sng" algn="ctr">
+                      <a:solidFill>
+                        <a:schemeClr val="tx1"/>
+                      </a:solidFill>
+                      <a:prstDash val="solid"/>
+                      <a:round/>
+                      <a:headEnd type="none" w="med" len="med"/>
+                      <a:tailEnd type="none" w="med" len="med"/>
+                    </a:lnL>
+                    <a:lnR w="12700" cap="flat" cmpd="sng" algn="ctr">
+                      <a:solidFill>
+                        <a:schemeClr val="tx1"/>
+                      </a:solidFill>
+                      <a:prstDash val="solid"/>
+                      <a:round/>
+                      <a:headEnd type="none" w="med" len="med"/>
+                      <a:tailEnd type="none" w="med" len="med"/>
+                    </a:lnR>
+                    <a:lnT w="12700" cap="flat" cmpd="sng" algn="ctr">
+                      <a:solidFill>
+                        <a:schemeClr val="tx1"/>
+                      </a:solidFill>
+                      <a:prstDash val="solid"/>
+                      <a:round/>
+                      <a:headEnd type="none" w="med" len="med"/>
+                      <a:tailEnd type="none" w="med" len="med"/>
+                    </a:lnT>
+                    <a:lnB w="12700" cap="flat" cmpd="sng" algn="ctr">
+                      <a:solidFill>
+                        <a:schemeClr val="tx1"/>
+                      </a:solidFill>
+                      <a:prstDash val="solid"/>
+                      <a:round/>
+                      <a:headEnd type="none" w="med" len="med"/>
+                      <a:tailEnd type="none" w="med" len="med"/>
+                    </a:lnB>
+                    <a:solidFill>
+                      <a:srgbClr val="006464">
+                        <a:alpha val="10000"/>
+                      </a:srgbClr>
+                    </a:solidFill>
+                  </a:tcPr>
+                </a:tc>
+                <a:extLst>
+                  <a:ext uri="{0D108BD9-81ED-4DB2-BD59-A6C34878D82A}">
+                    <a16:rowId xmlns:a16="http://schemas.microsoft.com/office/drawing/2014/main" val="1753235960"/>
+                  </a:ext>
+                </a:extLst>
+              </a:tr>
+              <a:tr h="453065">
+                <a:tc>
+                  <a:txBody>
+                    <a:bodyPr/>
+                    <a:lstStyle/>
+                    <a:p>
+                      <a:pPr algn="ctr"/>
+                      <a:r>
+                        <a:rPr lang="it-IT" dirty="0"/>
+                        <a:t>TREVIGLIO</a:t>
+                      </a:r>
+                    </a:p>
+                  </a:txBody>
+                  <a:tcPr>
+                    <a:lnL w="12700" cap="flat" cmpd="sng" algn="ctr">
+                      <a:solidFill>
+                        <a:schemeClr val="tx1"/>
+                      </a:solidFill>
+                      <a:prstDash val="solid"/>
+                      <a:round/>
+                      <a:headEnd type="none" w="med" len="med"/>
+                      <a:tailEnd type="none" w="med" len="med"/>
+                    </a:lnL>
+                    <a:lnR w="12700" cap="flat" cmpd="sng" algn="ctr">
+                      <a:solidFill>
+                        <a:schemeClr val="tx1"/>
+                      </a:solidFill>
+                      <a:prstDash val="solid"/>
+                      <a:round/>
+                      <a:headEnd type="none" w="med" len="med"/>
+                      <a:tailEnd type="none" w="med" len="med"/>
+                    </a:lnR>
+                    <a:lnT w="12700" cap="flat" cmpd="sng" algn="ctr">
+                      <a:solidFill>
+                        <a:schemeClr val="tx1"/>
+                      </a:solidFill>
+                      <a:prstDash val="solid"/>
+                      <a:round/>
+                      <a:headEnd type="none" w="med" len="med"/>
+                      <a:tailEnd type="none" w="med" len="med"/>
+                    </a:lnT>
+                    <a:lnB w="12700" cap="flat" cmpd="sng" algn="ctr">
+                      <a:solidFill>
+                        <a:schemeClr val="tx1"/>
+                      </a:solidFill>
+                      <a:prstDash val="solid"/>
+                      <a:round/>
+                      <a:headEnd type="none" w="med" len="med"/>
+                      <a:tailEnd type="none" w="med" len="med"/>
+                    </a:lnB>
+                    <a:solidFill>
+                      <a:srgbClr val="006464">
+                        <a:alpha val="20000"/>
+                      </a:srgbClr>
+                    </a:solidFill>
+                  </a:tcPr>
+                </a:tc>
+                <a:tc>
+                  <a:txBody>
+                    <a:bodyPr/>
+                    <a:lstStyle/>
+                    <a:p>
+                      <a:pPr algn="ctr"/>
+                      <a:r>
+                        <a:rPr lang="it-IT" dirty="0"/>
+                        <a:t>4,9416</a:t>
+                      </a:r>
+                    </a:p>
+                  </a:txBody>
+                  <a:tcPr>
+                    <a:lnL w="12700" cap="flat" cmpd="sng" algn="ctr">
+                      <a:solidFill>
+                        <a:schemeClr val="tx1"/>
+                      </a:solidFill>
+                      <a:prstDash val="solid"/>
+                      <a:round/>
+                      <a:headEnd type="none" w="med" len="med"/>
+                      <a:tailEnd type="none" w="med" len="med"/>
+                    </a:lnL>
+                    <a:lnR w="12700" cap="flat" cmpd="sng" algn="ctr">
+                      <a:solidFill>
+                        <a:schemeClr val="tx1"/>
+                      </a:solidFill>
+                      <a:prstDash val="solid"/>
+                      <a:round/>
+                      <a:headEnd type="none" w="med" len="med"/>
+                      <a:tailEnd type="none" w="med" len="med"/>
+                    </a:lnR>
+                    <a:lnT w="12700" cap="flat" cmpd="sng" algn="ctr">
+                      <a:solidFill>
+                        <a:schemeClr val="tx1"/>
+                      </a:solidFill>
+                      <a:prstDash val="solid"/>
+                      <a:round/>
+                      <a:headEnd type="none" w="med" len="med"/>
+                      <a:tailEnd type="none" w="med" len="med"/>
+                    </a:lnT>
+                    <a:lnB w="12700" cap="flat" cmpd="sng" algn="ctr">
+                      <a:solidFill>
+                        <a:schemeClr val="tx1"/>
+                      </a:solidFill>
+                      <a:prstDash val="solid"/>
+                      <a:round/>
+                      <a:headEnd type="none" w="med" len="med"/>
+                      <a:tailEnd type="none" w="med" len="med"/>
+                    </a:lnB>
+                    <a:solidFill>
+                      <a:srgbClr val="006464">
+                        <a:alpha val="20000"/>
+                      </a:srgbClr>
+                    </a:solidFill>
+                  </a:tcPr>
+                </a:tc>
+                <a:extLst>
+                  <a:ext uri="{0D108BD9-81ED-4DB2-BD59-A6C34878D82A}">
+                    <a16:rowId xmlns:a16="http://schemas.microsoft.com/office/drawing/2014/main" val="3892496289"/>
+                  </a:ext>
+                </a:extLst>
+              </a:tr>
+              <a:tr h="453065">
+                <a:tc>
+                  <a:txBody>
+                    <a:bodyPr/>
+                    <a:lstStyle/>
+                    <a:p>
+                      <a:pPr algn="ctr"/>
+                      <a:r>
+                        <a:rPr lang="it-IT" dirty="0"/>
+                        <a:t>MILANO ROGOREDO</a:t>
+                      </a:r>
+                    </a:p>
+                  </a:txBody>
+                  <a:tcPr>
+                    <a:lnL w="12700" cap="flat" cmpd="sng" algn="ctr">
+                      <a:solidFill>
+                        <a:schemeClr val="tx1"/>
+                      </a:solidFill>
+                      <a:prstDash val="solid"/>
+                      <a:round/>
+                      <a:headEnd type="none" w="med" len="med"/>
+                      <a:tailEnd type="none" w="med" len="med"/>
+                    </a:lnL>
+                    <a:lnR w="12700" cap="flat" cmpd="sng" algn="ctr">
+                      <a:solidFill>
+                        <a:schemeClr val="tx1"/>
+                      </a:solidFill>
+                      <a:prstDash val="solid"/>
+                      <a:round/>
+                      <a:headEnd type="none" w="med" len="med"/>
+                      <a:tailEnd type="none" w="med" len="med"/>
+                    </a:lnR>
+                    <a:lnT w="12700" cap="flat" cmpd="sng" algn="ctr">
+                      <a:solidFill>
+                        <a:schemeClr val="tx1"/>
+                      </a:solidFill>
+                      <a:prstDash val="solid"/>
+                      <a:round/>
+                      <a:headEnd type="none" w="med" len="med"/>
+                      <a:tailEnd type="none" w="med" len="med"/>
+                    </a:lnT>
+                    <a:lnB w="12700" cap="flat" cmpd="sng" algn="ctr">
+                      <a:solidFill>
+                        <a:schemeClr val="tx1"/>
+                      </a:solidFill>
+                      <a:prstDash val="solid"/>
+                      <a:round/>
+                      <a:headEnd type="none" w="med" len="med"/>
+                      <a:tailEnd type="none" w="med" len="med"/>
+                    </a:lnB>
+                    <a:solidFill>
+                      <a:srgbClr val="006464">
+                        <a:alpha val="10000"/>
+                      </a:srgbClr>
+                    </a:solidFill>
+                  </a:tcPr>
+                </a:tc>
+                <a:tc>
+                  <a:txBody>
+                    <a:bodyPr/>
+                    <a:lstStyle/>
+                    <a:p>
+                      <a:pPr algn="ctr"/>
+                      <a:r>
+                        <a:rPr lang="it-IT" dirty="0"/>
+                        <a:t>4,9276</a:t>
+                      </a:r>
+                    </a:p>
+                  </a:txBody>
+                  <a:tcPr>
+                    <a:lnL w="12700" cap="flat" cmpd="sng" algn="ctr">
+                      <a:solidFill>
+                        <a:schemeClr val="tx1"/>
+                      </a:solidFill>
+                      <a:prstDash val="solid"/>
+                      <a:round/>
+                      <a:headEnd type="none" w="med" len="med"/>
+                      <a:tailEnd type="none" w="med" len="med"/>
+                    </a:lnL>
+                    <a:lnR w="12700" cap="flat" cmpd="sng" algn="ctr">
+                      <a:solidFill>
+                        <a:schemeClr val="tx1"/>
+                      </a:solidFill>
+                      <a:prstDash val="solid"/>
+                      <a:round/>
+                      <a:headEnd type="none" w="med" len="med"/>
+                      <a:tailEnd type="none" w="med" len="med"/>
+                    </a:lnR>
+                    <a:lnT w="12700" cap="flat" cmpd="sng" algn="ctr">
+                      <a:solidFill>
+                        <a:schemeClr val="tx1"/>
+                      </a:solidFill>
+                      <a:prstDash val="solid"/>
+                      <a:round/>
+                      <a:headEnd type="none" w="med" len="med"/>
+                      <a:tailEnd type="none" w="med" len="med"/>
+                    </a:lnT>
+                    <a:lnB w="12700" cap="flat" cmpd="sng" algn="ctr">
+                      <a:solidFill>
+                        <a:schemeClr val="tx1"/>
+                      </a:solidFill>
+                      <a:prstDash val="solid"/>
+                      <a:round/>
+                      <a:headEnd type="none" w="med" len="med"/>
+                      <a:tailEnd type="none" w="med" len="med"/>
+                    </a:lnB>
+                    <a:solidFill>
+                      <a:srgbClr val="006464">
+                        <a:alpha val="10000"/>
+                      </a:srgbClr>
+                    </a:solidFill>
+                  </a:tcPr>
+                </a:tc>
+                <a:extLst>
+                  <a:ext uri="{0D108BD9-81ED-4DB2-BD59-A6C34878D82A}">
+                    <a16:rowId xmlns:a16="http://schemas.microsoft.com/office/drawing/2014/main" val="142710114"/>
+                  </a:ext>
+                </a:extLst>
+              </a:tr>
+              <a:tr h="453065">
+                <a:tc>
+                  <a:txBody>
+                    <a:bodyPr/>
+                    <a:lstStyle/>
+                    <a:p>
+                      <a:pPr algn="ctr"/>
+                      <a:r>
+                        <a:rPr lang="it-IT" dirty="0"/>
+                        <a:t>RHO FIERA</a:t>
+                      </a:r>
+                    </a:p>
+                  </a:txBody>
+                  <a:tcPr>
+                    <a:lnL w="12700" cap="flat" cmpd="sng" algn="ctr">
+                      <a:solidFill>
+                        <a:schemeClr val="tx1"/>
+                      </a:solidFill>
+                      <a:prstDash val="solid"/>
+                      <a:round/>
+                      <a:headEnd type="none" w="med" len="med"/>
+                      <a:tailEnd type="none" w="med" len="med"/>
+                    </a:lnL>
+                    <a:lnR w="12700" cap="flat" cmpd="sng" algn="ctr">
+                      <a:solidFill>
+                        <a:schemeClr val="tx1"/>
+                      </a:solidFill>
+                      <a:prstDash val="solid"/>
+                      <a:round/>
+                      <a:headEnd type="none" w="med" len="med"/>
+                      <a:tailEnd type="none" w="med" len="med"/>
+                    </a:lnR>
+                    <a:lnT w="12700" cap="flat" cmpd="sng" algn="ctr">
+                      <a:solidFill>
+                        <a:schemeClr val="tx1"/>
+                      </a:solidFill>
+                      <a:prstDash val="solid"/>
+                      <a:round/>
+                      <a:headEnd type="none" w="med" len="med"/>
+                      <a:tailEnd type="none" w="med" len="med"/>
+                    </a:lnT>
+                    <a:lnB w="12700" cap="flat" cmpd="sng" algn="ctr">
+                      <a:solidFill>
+                        <a:schemeClr val="tx1"/>
+                      </a:solidFill>
+                      <a:prstDash val="solid"/>
+                      <a:round/>
+                      <a:headEnd type="none" w="med" len="med"/>
+                      <a:tailEnd type="none" w="med" len="med"/>
+                    </a:lnB>
+                    <a:solidFill>
+                      <a:srgbClr val="006464">
+                        <a:alpha val="20000"/>
+                      </a:srgbClr>
+                    </a:solidFill>
+                  </a:tcPr>
+                </a:tc>
+                <a:tc>
+                  <a:txBody>
+                    <a:bodyPr/>
+                    <a:lstStyle/>
+                    <a:p>
+                      <a:pPr algn="ctr"/>
+                      <a:r>
+                        <a:rPr lang="it-IT" dirty="0"/>
+                        <a:t>4,9089</a:t>
+                      </a:r>
+                    </a:p>
+                  </a:txBody>
+                  <a:tcPr>
+                    <a:lnL w="12700" cap="flat" cmpd="sng" algn="ctr">
+                      <a:solidFill>
+                        <a:schemeClr val="tx1"/>
+                      </a:solidFill>
+                      <a:prstDash val="solid"/>
+                      <a:round/>
+                      <a:headEnd type="none" w="med" len="med"/>
+                      <a:tailEnd type="none" w="med" len="med"/>
+                    </a:lnL>
+                    <a:lnR w="12700" cap="flat" cmpd="sng" algn="ctr">
+                      <a:solidFill>
+                        <a:schemeClr val="tx1"/>
+                      </a:solidFill>
+                      <a:prstDash val="solid"/>
+                      <a:round/>
+                      <a:headEnd type="none" w="med" len="med"/>
+                      <a:tailEnd type="none" w="med" len="med"/>
+                    </a:lnR>
+                    <a:lnT w="12700" cap="flat" cmpd="sng" algn="ctr">
+                      <a:solidFill>
+                        <a:schemeClr val="tx1"/>
+                      </a:solidFill>
+                      <a:prstDash val="solid"/>
+                      <a:round/>
+                      <a:headEnd type="none" w="med" len="med"/>
+                      <a:tailEnd type="none" w="med" len="med"/>
+                    </a:lnT>
+                    <a:lnB w="12700" cap="flat" cmpd="sng" algn="ctr">
+                      <a:solidFill>
+                        <a:schemeClr val="tx1"/>
+                      </a:solidFill>
+                      <a:prstDash val="solid"/>
+                      <a:round/>
+                      <a:headEnd type="none" w="med" len="med"/>
+                      <a:tailEnd type="none" w="med" len="med"/>
+                    </a:lnB>
+                    <a:solidFill>
+                      <a:srgbClr val="006464">
+                        <a:alpha val="20000"/>
+                      </a:srgbClr>
+                    </a:solidFill>
+                  </a:tcPr>
+                </a:tc>
+                <a:extLst>
+                  <a:ext uri="{0D108BD9-81ED-4DB2-BD59-A6C34878D82A}">
+                    <a16:rowId xmlns:a16="http://schemas.microsoft.com/office/drawing/2014/main" val="1397848867"/>
+                  </a:ext>
+                </a:extLst>
+              </a:tr>
+              <a:tr h="453065">
+                <a:tc>
+                  <a:txBody>
+                    <a:bodyPr/>
+                    <a:lstStyle/>
+                    <a:p>
+                      <a:pPr algn="ctr"/>
+                      <a:r>
+                        <a:rPr lang="it-IT" dirty="0"/>
+                        <a:t>PAVIA</a:t>
+                      </a:r>
+                    </a:p>
+                  </a:txBody>
+                  <a:tcPr>
+                    <a:lnL w="12700" cap="flat" cmpd="sng" algn="ctr">
+                      <a:solidFill>
+                        <a:schemeClr val="tx1"/>
+                      </a:solidFill>
+                      <a:prstDash val="solid"/>
+                      <a:round/>
+                      <a:headEnd type="none" w="med" len="med"/>
+                      <a:tailEnd type="none" w="med" len="med"/>
+                    </a:lnL>
+                    <a:lnR w="12700" cap="flat" cmpd="sng" algn="ctr">
+                      <a:solidFill>
+                        <a:schemeClr val="tx1"/>
+                      </a:solidFill>
+                      <a:prstDash val="solid"/>
+                      <a:round/>
+                      <a:headEnd type="none" w="med" len="med"/>
+                      <a:tailEnd type="none" w="med" len="med"/>
+                    </a:lnR>
+                    <a:lnT w="12700" cap="flat" cmpd="sng" algn="ctr">
+                      <a:solidFill>
+                        <a:schemeClr val="tx1"/>
+                      </a:solidFill>
+                      <a:prstDash val="solid"/>
+                      <a:round/>
+                      <a:headEnd type="none" w="med" len="med"/>
+                      <a:tailEnd type="none" w="med" len="med"/>
+                    </a:lnT>
+                    <a:lnB w="12700" cap="flat" cmpd="sng" algn="ctr">
+                      <a:solidFill>
+                        <a:schemeClr val="tx1"/>
+                      </a:solidFill>
+                      <a:prstDash val="solid"/>
+                      <a:round/>
+                      <a:headEnd type="none" w="med" len="med"/>
+                      <a:tailEnd type="none" w="med" len="med"/>
+                    </a:lnB>
+                    <a:solidFill>
+                      <a:srgbClr val="006464">
+                        <a:alpha val="10000"/>
+                      </a:srgbClr>
+                    </a:solidFill>
+                  </a:tcPr>
+                </a:tc>
+                <a:tc>
+                  <a:txBody>
+                    <a:bodyPr/>
+                    <a:lstStyle/>
+                    <a:p>
+                      <a:pPr algn="ctr"/>
+                      <a:r>
+                        <a:rPr lang="it-IT" dirty="0"/>
+                        <a:t>4,8995</a:t>
+                      </a:r>
+                    </a:p>
+                  </a:txBody>
+                  <a:tcPr>
+                    <a:lnL w="12700" cap="flat" cmpd="sng" algn="ctr">
+                      <a:solidFill>
+                        <a:schemeClr val="tx1"/>
+                      </a:solidFill>
+                      <a:prstDash val="solid"/>
+                      <a:round/>
+                      <a:headEnd type="none" w="med" len="med"/>
+                      <a:tailEnd type="none" w="med" len="med"/>
+                    </a:lnL>
+                    <a:lnR w="12700" cap="flat" cmpd="sng" algn="ctr">
+                      <a:solidFill>
+                        <a:schemeClr val="tx1"/>
+                      </a:solidFill>
+                      <a:prstDash val="solid"/>
+                      <a:round/>
+                      <a:headEnd type="none" w="med" len="med"/>
+                      <a:tailEnd type="none" w="med" len="med"/>
+                    </a:lnR>
+                    <a:lnT w="12700" cap="flat" cmpd="sng" algn="ctr">
+                      <a:solidFill>
+                        <a:schemeClr val="tx1"/>
+                      </a:solidFill>
+                      <a:prstDash val="solid"/>
+                      <a:round/>
+                      <a:headEnd type="none" w="med" len="med"/>
+                      <a:tailEnd type="none" w="med" len="med"/>
+                    </a:lnT>
+                    <a:lnB w="12700" cap="flat" cmpd="sng" algn="ctr">
+                      <a:solidFill>
+                        <a:schemeClr val="tx1"/>
+                      </a:solidFill>
+                      <a:prstDash val="solid"/>
+                      <a:round/>
+                      <a:headEnd type="none" w="med" len="med"/>
+                      <a:tailEnd type="none" w="med" len="med"/>
+                    </a:lnB>
+                    <a:solidFill>
+                      <a:srgbClr val="006464">
+                        <a:alpha val="10000"/>
+                      </a:srgbClr>
+                    </a:solidFill>
+                  </a:tcPr>
+                </a:tc>
+                <a:extLst>
+                  <a:ext uri="{0D108BD9-81ED-4DB2-BD59-A6C34878D82A}">
+                    <a16:rowId xmlns:a16="http://schemas.microsoft.com/office/drawing/2014/main" val="3370685246"/>
+                  </a:ext>
+                </a:extLst>
+              </a:tr>
+              <a:tr h="453065">
+                <a:tc>
+                  <a:txBody>
+                    <a:bodyPr/>
+                    <a:lstStyle/>
+                    <a:p>
+                      <a:pPr algn="ctr"/>
+                      <a:r>
+                        <a:rPr lang="it-IT" dirty="0"/>
+                        <a:t>BRESCIA</a:t>
+                      </a:r>
+                    </a:p>
+                  </a:txBody>
+                  <a:tcPr>
+                    <a:lnL w="12700" cap="flat" cmpd="sng" algn="ctr">
+                      <a:solidFill>
+                        <a:schemeClr val="tx1"/>
+                      </a:solidFill>
+                      <a:prstDash val="solid"/>
+                      <a:round/>
+                      <a:headEnd type="none" w="med" len="med"/>
+                      <a:tailEnd type="none" w="med" len="med"/>
+                    </a:lnL>
+                    <a:lnR w="12700" cap="flat" cmpd="sng" algn="ctr">
+                      <a:solidFill>
+                        <a:schemeClr val="tx1"/>
+                      </a:solidFill>
+                      <a:prstDash val="solid"/>
+                      <a:round/>
+                      <a:headEnd type="none" w="med" len="med"/>
+                      <a:tailEnd type="none" w="med" len="med"/>
+                    </a:lnR>
+                    <a:lnT w="12700" cap="flat" cmpd="sng" algn="ctr">
+                      <a:solidFill>
+                        <a:schemeClr val="tx1"/>
+                      </a:solidFill>
+                      <a:prstDash val="solid"/>
+                      <a:round/>
+                      <a:headEnd type="none" w="med" len="med"/>
+                      <a:tailEnd type="none" w="med" len="med"/>
+                    </a:lnT>
+                    <a:lnB w="12700" cap="flat" cmpd="sng" algn="ctr">
+                      <a:solidFill>
+                        <a:schemeClr val="tx1"/>
+                      </a:solidFill>
+                      <a:prstDash val="solid"/>
+                      <a:round/>
+                      <a:headEnd type="none" w="med" len="med"/>
+                      <a:tailEnd type="none" w="med" len="med"/>
+                    </a:lnB>
+                    <a:solidFill>
+                      <a:srgbClr val="006464">
+                        <a:alpha val="20000"/>
+                      </a:srgbClr>
+                    </a:solidFill>
+                  </a:tcPr>
+                </a:tc>
+                <a:tc>
+                  <a:txBody>
+                    <a:bodyPr/>
+                    <a:lstStyle/>
+                    <a:p>
+                      <a:pPr algn="ctr"/>
+                      <a:r>
+                        <a:rPr lang="it-IT" dirty="0"/>
+                        <a:t>4,8808</a:t>
+                      </a:r>
+                    </a:p>
+                  </a:txBody>
+                  <a:tcPr>
+                    <a:lnL w="12700" cap="flat" cmpd="sng" algn="ctr">
+                      <a:solidFill>
+                        <a:schemeClr val="tx1"/>
+                      </a:solidFill>
+                      <a:prstDash val="solid"/>
+                      <a:round/>
+                      <a:headEnd type="none" w="med" len="med"/>
+                      <a:tailEnd type="none" w="med" len="med"/>
+                    </a:lnL>
+                    <a:lnR w="12700" cap="flat" cmpd="sng" algn="ctr">
+                      <a:solidFill>
+                        <a:schemeClr val="tx1"/>
+                      </a:solidFill>
+                      <a:prstDash val="solid"/>
+                      <a:round/>
+                      <a:headEnd type="none" w="med" len="med"/>
+                      <a:tailEnd type="none" w="med" len="med"/>
+                    </a:lnR>
+                    <a:lnT w="12700" cap="flat" cmpd="sng" algn="ctr">
+                      <a:solidFill>
+                        <a:schemeClr val="tx1"/>
+                      </a:solidFill>
+                      <a:prstDash val="solid"/>
+                      <a:round/>
+                      <a:headEnd type="none" w="med" len="med"/>
+                      <a:tailEnd type="none" w="med" len="med"/>
+                    </a:lnT>
+                    <a:lnB w="12700" cap="flat" cmpd="sng" algn="ctr">
+                      <a:solidFill>
+                        <a:schemeClr val="tx1"/>
+                      </a:solidFill>
+                      <a:prstDash val="solid"/>
+                      <a:round/>
+                      <a:headEnd type="none" w="med" len="med"/>
+                      <a:tailEnd type="none" w="med" len="med"/>
+                    </a:lnB>
+                    <a:solidFill>
+                      <a:srgbClr val="006464">
+                        <a:alpha val="20000"/>
+                      </a:srgbClr>
+                    </a:solidFill>
+                  </a:tcPr>
+                </a:tc>
+                <a:extLst>
+                  <a:ext uri="{0D108BD9-81ED-4DB2-BD59-A6C34878D82A}">
+                    <a16:rowId xmlns:a16="http://schemas.microsoft.com/office/drawing/2014/main" val="2135724369"/>
+                  </a:ext>
+                </a:extLst>
+              </a:tr>
+              <a:tr h="453065">
+                <a:tc>
+                  <a:txBody>
+                    <a:bodyPr/>
+                    <a:lstStyle/>
+                    <a:p>
+                      <a:pPr algn="ctr"/>
+                      <a:r>
+                        <a:rPr lang="it-IT" dirty="0"/>
+                        <a:t>MILANO PORTA GARIBALDI</a:t>
+                      </a:r>
+                    </a:p>
+                  </a:txBody>
+                  <a:tcPr>
+                    <a:lnL w="12700" cap="flat" cmpd="sng" algn="ctr">
+                      <a:solidFill>
+                        <a:schemeClr val="tx1"/>
+                      </a:solidFill>
+                      <a:prstDash val="solid"/>
+                      <a:round/>
+                      <a:headEnd type="none" w="med" len="med"/>
+                      <a:tailEnd type="none" w="med" len="med"/>
+                    </a:lnL>
+                    <a:lnR w="12700" cap="flat" cmpd="sng" algn="ctr">
+                      <a:solidFill>
+                        <a:schemeClr val="tx1"/>
+                      </a:solidFill>
+                      <a:prstDash val="solid"/>
+                      <a:round/>
+                      <a:headEnd type="none" w="med" len="med"/>
+                      <a:tailEnd type="none" w="med" len="med"/>
+                    </a:lnR>
+                    <a:lnT w="12700" cap="flat" cmpd="sng" algn="ctr">
+                      <a:solidFill>
+                        <a:schemeClr val="tx1"/>
+                      </a:solidFill>
+                      <a:prstDash val="solid"/>
+                      <a:round/>
+                      <a:headEnd type="none" w="med" len="med"/>
+                      <a:tailEnd type="none" w="med" len="med"/>
+                    </a:lnT>
+                    <a:lnB w="12700" cap="flat" cmpd="sng" algn="ctr">
+                      <a:solidFill>
+                        <a:schemeClr val="tx1"/>
+                      </a:solidFill>
+                      <a:prstDash val="solid"/>
+                      <a:round/>
+                      <a:headEnd type="none" w="med" len="med"/>
+                      <a:tailEnd type="none" w="med" len="med"/>
+                    </a:lnB>
+                    <a:solidFill>
+                      <a:srgbClr val="006464">
+                        <a:alpha val="10000"/>
+                      </a:srgbClr>
+                    </a:solidFill>
+                  </a:tcPr>
+                </a:tc>
+                <a:tc>
+                  <a:txBody>
+                    <a:bodyPr/>
+                    <a:lstStyle/>
+                    <a:p>
+                      <a:pPr algn="ctr"/>
+                      <a:r>
+                        <a:rPr lang="it-IT" dirty="0"/>
+                        <a:t>4,8785</a:t>
+                      </a:r>
+                    </a:p>
+                  </a:txBody>
+                  <a:tcPr>
+                    <a:lnL w="12700" cap="flat" cmpd="sng" algn="ctr">
+                      <a:solidFill>
+                        <a:schemeClr val="tx1"/>
+                      </a:solidFill>
+                      <a:prstDash val="solid"/>
+                      <a:round/>
+                      <a:headEnd type="none" w="med" len="med"/>
+                      <a:tailEnd type="none" w="med" len="med"/>
+                    </a:lnL>
+                    <a:lnR w="12700" cap="flat" cmpd="sng" algn="ctr">
+                      <a:solidFill>
+                        <a:schemeClr val="tx1"/>
+                      </a:solidFill>
+                      <a:prstDash val="solid"/>
+                      <a:round/>
+                      <a:headEnd type="none" w="med" len="med"/>
+                      <a:tailEnd type="none" w="med" len="med"/>
+                    </a:lnR>
+                    <a:lnT w="12700" cap="flat" cmpd="sng" algn="ctr">
+                      <a:solidFill>
+                        <a:schemeClr val="tx1"/>
+                      </a:solidFill>
+                      <a:prstDash val="solid"/>
+                      <a:round/>
+                      <a:headEnd type="none" w="med" len="med"/>
+                      <a:tailEnd type="none" w="med" len="med"/>
+                    </a:lnT>
+                    <a:lnB w="12700" cap="flat" cmpd="sng" algn="ctr">
+                      <a:solidFill>
+                        <a:schemeClr val="tx1"/>
+                      </a:solidFill>
+                      <a:prstDash val="solid"/>
+                      <a:round/>
+                      <a:headEnd type="none" w="med" len="med"/>
+                      <a:tailEnd type="none" w="med" len="med"/>
+                    </a:lnB>
+                    <a:solidFill>
+                      <a:srgbClr val="006464">
+                        <a:alpha val="10000"/>
+                      </a:srgbClr>
+                    </a:solidFill>
+                  </a:tcPr>
+                </a:tc>
+                <a:extLst>
+                  <a:ext uri="{0D108BD9-81ED-4DB2-BD59-A6C34878D82A}">
+                    <a16:rowId xmlns:a16="http://schemas.microsoft.com/office/drawing/2014/main" val="3259947320"/>
+                  </a:ext>
+                </a:extLst>
+              </a:tr>
+              <a:tr h="453065">
+                <a:tc>
+                  <a:txBody>
+                    <a:bodyPr/>
+                    <a:lstStyle/>
+                    <a:p>
+                      <a:pPr algn="ctr"/>
+                      <a:r>
+                        <a:rPr lang="it-IT" dirty="0"/>
+                        <a:t>LECCO</a:t>
+                      </a:r>
+                    </a:p>
+                  </a:txBody>
+                  <a:tcPr>
+                    <a:lnL w="12700" cap="flat" cmpd="sng" algn="ctr">
+                      <a:solidFill>
+                        <a:schemeClr val="tx1"/>
+                      </a:solidFill>
+                      <a:prstDash val="solid"/>
+                      <a:round/>
+                      <a:headEnd type="none" w="med" len="med"/>
+                      <a:tailEnd type="none" w="med" len="med"/>
+                    </a:lnL>
+                    <a:lnR w="12700" cap="flat" cmpd="sng" algn="ctr">
+                      <a:solidFill>
+                        <a:schemeClr val="tx1"/>
+                      </a:solidFill>
+                      <a:prstDash val="solid"/>
+                      <a:round/>
+                      <a:headEnd type="none" w="med" len="med"/>
+                      <a:tailEnd type="none" w="med" len="med"/>
+                    </a:lnR>
+                    <a:lnT w="12700" cap="flat" cmpd="sng" algn="ctr">
+                      <a:solidFill>
+                        <a:schemeClr val="tx1"/>
+                      </a:solidFill>
+                      <a:prstDash val="solid"/>
+                      <a:round/>
+                      <a:headEnd type="none" w="med" len="med"/>
+                      <a:tailEnd type="none" w="med" len="med"/>
+                    </a:lnT>
+                    <a:lnB w="12700" cap="flat" cmpd="sng" algn="ctr">
+                      <a:solidFill>
+                        <a:schemeClr val="tx1"/>
+                      </a:solidFill>
+                      <a:prstDash val="solid"/>
+                      <a:round/>
+                      <a:headEnd type="none" w="med" len="med"/>
+                      <a:tailEnd type="none" w="med" len="med"/>
+                    </a:lnB>
+                    <a:solidFill>
+                      <a:srgbClr val="006464">
+                        <a:alpha val="20000"/>
+                      </a:srgbClr>
+                    </a:solidFill>
+                  </a:tcPr>
+                </a:tc>
+                <a:tc>
+                  <a:txBody>
+                    <a:bodyPr/>
+                    <a:lstStyle/>
+                    <a:p>
+                      <a:pPr algn="ctr"/>
+                      <a:r>
+                        <a:rPr lang="it-IT" dirty="0"/>
+                        <a:t>4,8598</a:t>
+                      </a:r>
+                    </a:p>
+                  </a:txBody>
+                  <a:tcPr>
+                    <a:lnL w="12700" cap="flat" cmpd="sng" algn="ctr">
+                      <a:solidFill>
+                        <a:schemeClr val="tx1"/>
+                      </a:solidFill>
+                      <a:prstDash val="solid"/>
+                      <a:round/>
+                      <a:headEnd type="none" w="med" len="med"/>
+                      <a:tailEnd type="none" w="med" len="med"/>
+                    </a:lnL>
+                    <a:lnR w="12700" cap="flat" cmpd="sng" algn="ctr">
+                      <a:solidFill>
+                        <a:schemeClr val="tx1"/>
+                      </a:solidFill>
+                      <a:prstDash val="solid"/>
+                      <a:round/>
+                      <a:headEnd type="none" w="med" len="med"/>
+                      <a:tailEnd type="none" w="med" len="med"/>
+                    </a:lnR>
+                    <a:lnT w="12700" cap="flat" cmpd="sng" algn="ctr">
+                      <a:solidFill>
+                        <a:schemeClr val="tx1"/>
+                      </a:solidFill>
+                      <a:prstDash val="solid"/>
+                      <a:round/>
+                      <a:headEnd type="none" w="med" len="med"/>
+                      <a:tailEnd type="none" w="med" len="med"/>
+                    </a:lnT>
+                    <a:lnB w="12700" cap="flat" cmpd="sng" algn="ctr">
+                      <a:solidFill>
+                        <a:schemeClr val="tx1"/>
+                      </a:solidFill>
+                      <a:prstDash val="solid"/>
+                      <a:round/>
+                      <a:headEnd type="none" w="med" len="med"/>
+                      <a:tailEnd type="none" w="med" len="med"/>
+                    </a:lnB>
+                    <a:solidFill>
+                      <a:srgbClr val="006464">
+                        <a:alpha val="20000"/>
+                      </a:srgbClr>
+                    </a:solidFill>
+                  </a:tcPr>
+                </a:tc>
+                <a:extLst>
+                  <a:ext uri="{0D108BD9-81ED-4DB2-BD59-A6C34878D82A}">
+                    <a16:rowId xmlns:a16="http://schemas.microsoft.com/office/drawing/2014/main" val="1567298494"/>
+                  </a:ext>
+                </a:extLst>
+              </a:tr>
+              <a:tr h="453065">
+                <a:tc>
+                  <a:txBody>
+                    <a:bodyPr/>
+                    <a:lstStyle/>
+                    <a:p>
+                      <a:pPr algn="ctr"/>
+                      <a:r>
+                        <a:rPr lang="it-IT" dirty="0"/>
+                        <a:t>GALLARATE</a:t>
+                      </a:r>
+                    </a:p>
+                  </a:txBody>
+                  <a:tcPr>
+                    <a:lnL w="12700" cap="flat" cmpd="sng" algn="ctr">
+                      <a:solidFill>
+                        <a:schemeClr val="tx1"/>
+                      </a:solidFill>
+                      <a:prstDash val="solid"/>
+                      <a:round/>
+                      <a:headEnd type="none" w="med" len="med"/>
+                      <a:tailEnd type="none" w="med" len="med"/>
+                    </a:lnL>
+                    <a:lnR w="12700" cap="flat" cmpd="sng" algn="ctr">
+                      <a:solidFill>
+                        <a:schemeClr val="tx1"/>
+                      </a:solidFill>
+                      <a:prstDash val="solid"/>
+                      <a:round/>
+                      <a:headEnd type="none" w="med" len="med"/>
+                      <a:tailEnd type="none" w="med" len="med"/>
+                    </a:lnR>
+                    <a:lnT w="12700" cap="flat" cmpd="sng" algn="ctr">
+                      <a:solidFill>
+                        <a:schemeClr val="tx1"/>
+                      </a:solidFill>
+                      <a:prstDash val="solid"/>
+                      <a:round/>
+                      <a:headEnd type="none" w="med" len="med"/>
+                      <a:tailEnd type="none" w="med" len="med"/>
+                    </a:lnT>
+                    <a:lnB w="12700" cap="flat" cmpd="sng" algn="ctr">
+                      <a:solidFill>
+                        <a:schemeClr val="tx1"/>
+                      </a:solidFill>
+                      <a:prstDash val="solid"/>
+                      <a:round/>
+                      <a:headEnd type="none" w="med" len="med"/>
+                      <a:tailEnd type="none" w="med" len="med"/>
+                    </a:lnB>
+                    <a:solidFill>
+                      <a:srgbClr val="006464">
+                        <a:alpha val="10000"/>
+                      </a:srgbClr>
+                    </a:solidFill>
+                  </a:tcPr>
+                </a:tc>
+                <a:tc>
+                  <a:txBody>
+                    <a:bodyPr/>
+                    <a:lstStyle/>
+                    <a:p>
+                      <a:pPr algn="ctr"/>
+                      <a:r>
+                        <a:rPr lang="it-IT" dirty="0"/>
+                        <a:t>4,8596</a:t>
+                      </a:r>
+                    </a:p>
+                  </a:txBody>
+                  <a:tcPr>
+                    <a:lnL w="12700" cap="flat" cmpd="sng" algn="ctr">
+                      <a:solidFill>
+                        <a:schemeClr val="tx1"/>
+                      </a:solidFill>
+                      <a:prstDash val="solid"/>
+                      <a:round/>
+                      <a:headEnd type="none" w="med" len="med"/>
+                      <a:tailEnd type="none" w="med" len="med"/>
+                    </a:lnL>
+                    <a:lnR w="12700" cap="flat" cmpd="sng" algn="ctr">
+                      <a:solidFill>
+                        <a:schemeClr val="tx1"/>
+                      </a:solidFill>
+                      <a:prstDash val="solid"/>
+                      <a:round/>
+                      <a:headEnd type="none" w="med" len="med"/>
+                      <a:tailEnd type="none" w="med" len="med"/>
+                    </a:lnR>
+                    <a:lnT w="12700" cap="flat" cmpd="sng" algn="ctr">
+                      <a:solidFill>
+                        <a:schemeClr val="tx1"/>
+                      </a:solidFill>
+                      <a:prstDash val="solid"/>
+                      <a:round/>
+                      <a:headEnd type="none" w="med" len="med"/>
+                      <a:tailEnd type="none" w="med" len="med"/>
+                    </a:lnT>
+                    <a:lnB w="12700" cap="flat" cmpd="sng" algn="ctr">
+                      <a:solidFill>
+                        <a:schemeClr val="tx1"/>
+                      </a:solidFill>
+                      <a:prstDash val="solid"/>
+                      <a:round/>
+                      <a:headEnd type="none" w="med" len="med"/>
+                      <a:tailEnd type="none" w="med" len="med"/>
+                    </a:lnB>
+                    <a:solidFill>
+                      <a:srgbClr val="006464">
+                        <a:alpha val="10000"/>
+                      </a:srgbClr>
+                    </a:solidFill>
+                  </a:tcPr>
+                </a:tc>
+                <a:extLst>
+                  <a:ext uri="{0D108BD9-81ED-4DB2-BD59-A6C34878D82A}">
+                    <a16:rowId xmlns:a16="http://schemas.microsoft.com/office/drawing/2014/main" val="4016587675"/>
+                  </a:ext>
+                </a:extLst>
+              </a:tr>
+            </a:tbl>
+          </a:graphicData>
+        </a:graphic>
+      </p:graphicFrame>
+      <p:graphicFrame>
+        <p:nvGraphicFramePr>
+          <p:cNvPr id="8" name="Tabella 5">
+            <a:extLst>
+              <a:ext uri="{FF2B5EF4-FFF2-40B4-BE49-F238E27FC236}">
+                <a16:creationId xmlns:a16="http://schemas.microsoft.com/office/drawing/2014/main" id="{0ECFD60D-3361-F466-45B0-55ACE32E55C6}"/>
+              </a:ext>
+            </a:extLst>
+          </p:cNvPr>
+          <p:cNvGraphicFramePr>
+            <a:graphicFrameLocks noGrp="1"/>
+          </p:cNvGraphicFramePr>
+          <p:nvPr>
+            <p:extLst>
+              <p:ext uri="{D42A27DB-BD31-4B8C-83A1-F6EECF244321}">
+                <p14:modId xmlns:p14="http://schemas.microsoft.com/office/powerpoint/2010/main" val="3407407242"/>
+              </p:ext>
+            </p:extLst>
+          </p:nvPr>
+        </p:nvGraphicFramePr>
+        <p:xfrm>
+          <a:off x="7158184" y="1273228"/>
+          <a:ext cx="4493493" cy="4983715"/>
+        </p:xfrm>
+        <a:graphic>
+          <a:graphicData uri="http://schemas.openxmlformats.org/drawingml/2006/table">
+            <a:tbl>
+              <a:tblPr firstRow="1" bandRow="1">
+                <a:tableStyleId>{5C22544A-7EE6-4342-B048-85BDC9FD1C3A}</a:tableStyleId>
+              </a:tblPr>
+              <a:tblGrid>
+                <a:gridCol w="2751195">
+                  <a:extLst>
+                    <a:ext uri="{9D8B030D-6E8A-4147-A177-3AD203B41FA5}">
+                      <a16:colId xmlns:a16="http://schemas.microsoft.com/office/drawing/2014/main" val="4032485910"/>
+                    </a:ext>
+                  </a:extLst>
+                </a:gridCol>
+                <a:gridCol w="1742298">
+                  <a:extLst>
+                    <a:ext uri="{9D8B030D-6E8A-4147-A177-3AD203B41FA5}">
+                      <a16:colId xmlns:a16="http://schemas.microsoft.com/office/drawing/2014/main" val="1572873143"/>
+                    </a:ext>
+                  </a:extLst>
+                </a:gridCol>
+              </a:tblGrid>
+              <a:tr h="453065">
+                <a:tc>
+                  <a:txBody>
+                    <a:bodyPr/>
+                    <a:lstStyle/>
+                    <a:p>
+                      <a:pPr algn="ctr"/>
+                      <a:r>
+                        <a:rPr lang="it-IT" dirty="0">
+                          <a:solidFill>
+                            <a:schemeClr val="tx1"/>
+                          </a:solidFill>
+                        </a:rPr>
+                        <a:t>Names</a:t>
+                      </a:r>
+                    </a:p>
+                  </a:txBody>
+                  <a:tcPr>
+                    <a:lnL w="12700" cap="flat" cmpd="sng" algn="ctr">
+                      <a:solidFill>
+                        <a:schemeClr val="tx1"/>
+                      </a:solidFill>
+                      <a:prstDash val="solid"/>
+                      <a:round/>
+                      <a:headEnd type="none" w="med" len="med"/>
+                      <a:tailEnd type="none" w="med" len="med"/>
+                    </a:lnL>
+                    <a:lnR w="12700" cap="flat" cmpd="sng" algn="ctr">
+                      <a:solidFill>
+                        <a:schemeClr val="tx1"/>
+                      </a:solidFill>
+                      <a:prstDash val="solid"/>
+                      <a:round/>
+                      <a:headEnd type="none" w="med" len="med"/>
+                      <a:tailEnd type="none" w="med" len="med"/>
+                    </a:lnR>
+                    <a:lnT w="12700" cap="flat" cmpd="sng" algn="ctr">
+                      <a:solidFill>
+                        <a:schemeClr val="tx1"/>
+                      </a:solidFill>
+                      <a:prstDash val="solid"/>
+                      <a:round/>
+                      <a:headEnd type="none" w="med" len="med"/>
+                      <a:tailEnd type="none" w="med" len="med"/>
+                    </a:lnT>
+                    <a:lnB w="12700" cap="flat" cmpd="sng" algn="ctr">
+                      <a:solidFill>
+                        <a:schemeClr val="tx1"/>
+                      </a:solidFill>
+                      <a:prstDash val="solid"/>
+                      <a:round/>
+                      <a:headEnd type="none" w="med" len="med"/>
+                      <a:tailEnd type="none" w="med" len="med"/>
+                    </a:lnB>
+                    <a:solidFill>
+                      <a:srgbClr val="006464">
+                        <a:alpha val="50000"/>
+                      </a:srgbClr>
+                    </a:solidFill>
+                  </a:tcPr>
+                </a:tc>
+                <a:tc>
+                  <a:txBody>
+                    <a:bodyPr/>
+                    <a:lstStyle/>
+                    <a:p>
+                      <a:pPr algn="ctr"/>
+                      <a:r>
+                        <a:rPr lang="it-IT" dirty="0">
+                          <a:solidFill>
+                            <a:schemeClr val="tx1"/>
+                          </a:solidFill>
+                        </a:rPr>
+                        <a:t>Value</a:t>
+                      </a:r>
+                    </a:p>
+                  </a:txBody>
+                  <a:tcPr>
+                    <a:lnL w="12700" cap="flat" cmpd="sng" algn="ctr">
+                      <a:solidFill>
+                        <a:schemeClr val="tx1"/>
+                      </a:solidFill>
+                      <a:prstDash val="solid"/>
+                      <a:round/>
+                      <a:headEnd type="none" w="med" len="med"/>
+                      <a:tailEnd type="none" w="med" len="med"/>
+                    </a:lnL>
+                    <a:lnR w="12700" cap="flat" cmpd="sng" algn="ctr">
+                      <a:solidFill>
+                        <a:schemeClr val="tx1"/>
+                      </a:solidFill>
+                      <a:prstDash val="solid"/>
+                      <a:round/>
+                      <a:headEnd type="none" w="med" len="med"/>
+                      <a:tailEnd type="none" w="med" len="med"/>
+                    </a:lnR>
+                    <a:lnT w="12700" cap="flat" cmpd="sng" algn="ctr">
+                      <a:solidFill>
+                        <a:schemeClr val="tx1"/>
+                      </a:solidFill>
+                      <a:prstDash val="solid"/>
+                      <a:round/>
+                      <a:headEnd type="none" w="med" len="med"/>
+                      <a:tailEnd type="none" w="med" len="med"/>
+                    </a:lnT>
+                    <a:lnB w="12700" cap="flat" cmpd="sng" algn="ctr">
+                      <a:solidFill>
+                        <a:schemeClr val="tx1"/>
+                      </a:solidFill>
+                      <a:prstDash val="solid"/>
+                      <a:round/>
+                      <a:headEnd type="none" w="med" len="med"/>
+                      <a:tailEnd type="none" w="med" len="med"/>
+                    </a:lnB>
+                    <a:solidFill>
+                      <a:srgbClr val="006464">
+                        <a:alpha val="50000"/>
+                      </a:srgbClr>
+                    </a:solidFill>
+                  </a:tcPr>
+                </a:tc>
+                <a:extLst>
+                  <a:ext uri="{0D108BD9-81ED-4DB2-BD59-A6C34878D82A}">
+                    <a16:rowId xmlns:a16="http://schemas.microsoft.com/office/drawing/2014/main" val="2758308784"/>
+                  </a:ext>
+                </a:extLst>
+              </a:tr>
+              <a:tr h="453065">
+                <a:tc>
+                  <a:txBody>
+                    <a:bodyPr/>
+                    <a:lstStyle/>
+                    <a:p>
+                      <a:pPr algn="ctr"/>
+                      <a:r>
+                        <a:rPr lang="it-IT" dirty="0"/>
+                        <a:t>MONZA</a:t>
+                      </a:r>
+                    </a:p>
+                  </a:txBody>
+                  <a:tcPr>
+                    <a:lnL w="12700" cap="flat" cmpd="sng" algn="ctr">
+                      <a:solidFill>
+                        <a:schemeClr val="tx1"/>
+                      </a:solidFill>
+                      <a:prstDash val="solid"/>
+                      <a:round/>
+                      <a:headEnd type="none" w="med" len="med"/>
+                      <a:tailEnd type="none" w="med" len="med"/>
+                    </a:lnL>
+                    <a:lnR w="12700" cap="flat" cmpd="sng" algn="ctr">
+                      <a:solidFill>
+                        <a:schemeClr val="tx1"/>
+                      </a:solidFill>
+                      <a:prstDash val="solid"/>
+                      <a:round/>
+                      <a:headEnd type="none" w="med" len="med"/>
+                      <a:tailEnd type="none" w="med" len="med"/>
+                    </a:lnR>
+                    <a:lnT w="12700" cap="flat" cmpd="sng" algn="ctr">
+                      <a:solidFill>
+                        <a:schemeClr val="tx1"/>
+                      </a:solidFill>
+                      <a:prstDash val="solid"/>
+                      <a:round/>
+                      <a:headEnd type="none" w="med" len="med"/>
+                      <a:tailEnd type="none" w="med" len="med"/>
+                    </a:lnT>
+                    <a:lnB w="12700" cap="flat" cmpd="sng" algn="ctr">
+                      <a:solidFill>
+                        <a:schemeClr val="tx1"/>
+                      </a:solidFill>
+                      <a:prstDash val="solid"/>
+                      <a:round/>
+                      <a:headEnd type="none" w="med" len="med"/>
+                      <a:tailEnd type="none" w="med" len="med"/>
+                    </a:lnB>
+                    <a:solidFill>
+                      <a:srgbClr val="006464">
+                        <a:alpha val="20000"/>
+                      </a:srgbClr>
+                    </a:solidFill>
+                  </a:tcPr>
+                </a:tc>
+                <a:tc>
+                  <a:txBody>
+                    <a:bodyPr/>
+                    <a:lstStyle/>
+                    <a:p>
+                      <a:pPr algn="ctr"/>
+                      <a:r>
+                        <a:rPr lang="it-IT" dirty="0"/>
+                        <a:t>4,9439</a:t>
+                      </a:r>
+                    </a:p>
+                  </a:txBody>
+                  <a:tcPr>
+                    <a:lnL w="12700" cap="flat" cmpd="sng" algn="ctr">
+                      <a:solidFill>
+                        <a:schemeClr val="tx1"/>
+                      </a:solidFill>
+                      <a:prstDash val="solid"/>
+                      <a:round/>
+                      <a:headEnd type="none" w="med" len="med"/>
+                      <a:tailEnd type="none" w="med" len="med"/>
+                    </a:lnL>
+                    <a:lnR w="12700" cap="flat" cmpd="sng" algn="ctr">
+                      <a:solidFill>
+                        <a:schemeClr val="tx1"/>
+                      </a:solidFill>
+                      <a:prstDash val="solid"/>
+                      <a:round/>
+                      <a:headEnd type="none" w="med" len="med"/>
+                      <a:tailEnd type="none" w="med" len="med"/>
+                    </a:lnR>
+                    <a:lnT w="12700" cap="flat" cmpd="sng" algn="ctr">
+                      <a:solidFill>
+                        <a:schemeClr val="tx1"/>
+                      </a:solidFill>
+                      <a:prstDash val="solid"/>
+                      <a:round/>
+                      <a:headEnd type="none" w="med" len="med"/>
+                      <a:tailEnd type="none" w="med" len="med"/>
+                    </a:lnT>
+                    <a:lnB w="12700" cap="flat" cmpd="sng" algn="ctr">
+                      <a:solidFill>
+                        <a:schemeClr val="tx1"/>
+                      </a:solidFill>
+                      <a:prstDash val="solid"/>
+                      <a:round/>
+                      <a:headEnd type="none" w="med" len="med"/>
+                      <a:tailEnd type="none" w="med" len="med"/>
+                    </a:lnB>
+                    <a:solidFill>
+                      <a:srgbClr val="006464">
+                        <a:alpha val="20000"/>
+                      </a:srgbClr>
+                    </a:solidFill>
+                  </a:tcPr>
+                </a:tc>
+                <a:extLst>
+                  <a:ext uri="{0D108BD9-81ED-4DB2-BD59-A6C34878D82A}">
+                    <a16:rowId xmlns:a16="http://schemas.microsoft.com/office/drawing/2014/main" val="1928376236"/>
+                  </a:ext>
+                </a:extLst>
+              </a:tr>
+              <a:tr h="453065">
+                <a:tc>
+                  <a:txBody>
+                    <a:bodyPr/>
+                    <a:lstStyle/>
+                    <a:p>
+                      <a:pPr algn="ctr"/>
+                      <a:r>
+                        <a:rPr lang="it-IT" dirty="0"/>
+                        <a:t>MOLANOLAMBRATE</a:t>
+                      </a:r>
+                    </a:p>
+                  </a:txBody>
+                  <a:tcPr>
+                    <a:lnL w="12700" cap="flat" cmpd="sng" algn="ctr">
+                      <a:solidFill>
+                        <a:schemeClr val="tx1"/>
+                      </a:solidFill>
+                      <a:prstDash val="solid"/>
+                      <a:round/>
+                      <a:headEnd type="none" w="med" len="med"/>
+                      <a:tailEnd type="none" w="med" len="med"/>
+                    </a:lnL>
+                    <a:lnR w="12700" cap="flat" cmpd="sng" algn="ctr">
+                      <a:solidFill>
+                        <a:schemeClr val="tx1"/>
+                      </a:solidFill>
+                      <a:prstDash val="solid"/>
+                      <a:round/>
+                      <a:headEnd type="none" w="med" len="med"/>
+                      <a:tailEnd type="none" w="med" len="med"/>
+                    </a:lnR>
+                    <a:lnT w="12700" cap="flat" cmpd="sng" algn="ctr">
+                      <a:solidFill>
+                        <a:schemeClr val="tx1"/>
+                      </a:solidFill>
+                      <a:prstDash val="solid"/>
+                      <a:round/>
+                      <a:headEnd type="none" w="med" len="med"/>
+                      <a:tailEnd type="none" w="med" len="med"/>
+                    </a:lnT>
+                    <a:lnB w="12700" cap="flat" cmpd="sng" algn="ctr">
+                      <a:solidFill>
+                        <a:schemeClr val="tx1"/>
+                      </a:solidFill>
+                      <a:prstDash val="solid"/>
+                      <a:round/>
+                      <a:headEnd type="none" w="med" len="med"/>
+                      <a:tailEnd type="none" w="med" len="med"/>
+                    </a:lnB>
+                    <a:solidFill>
+                      <a:srgbClr val="006464">
+                        <a:alpha val="10000"/>
+                      </a:srgbClr>
+                    </a:solidFill>
+                  </a:tcPr>
+                </a:tc>
+                <a:tc>
+                  <a:txBody>
+                    <a:bodyPr/>
+                    <a:lstStyle/>
+                    <a:p>
+                      <a:pPr algn="ctr"/>
+                      <a:r>
+                        <a:rPr lang="it-IT" dirty="0"/>
+                        <a:t>4,9136</a:t>
+                      </a:r>
+                    </a:p>
+                  </a:txBody>
+                  <a:tcPr>
+                    <a:lnL w="12700" cap="flat" cmpd="sng" algn="ctr">
+                      <a:solidFill>
+                        <a:schemeClr val="tx1"/>
+                      </a:solidFill>
+                      <a:prstDash val="solid"/>
+                      <a:round/>
+                      <a:headEnd type="none" w="med" len="med"/>
+                      <a:tailEnd type="none" w="med" len="med"/>
+                    </a:lnL>
+                    <a:lnR w="12700" cap="flat" cmpd="sng" algn="ctr">
+                      <a:solidFill>
+                        <a:schemeClr val="tx1"/>
+                      </a:solidFill>
+                      <a:prstDash val="solid"/>
+                      <a:round/>
+                      <a:headEnd type="none" w="med" len="med"/>
+                      <a:tailEnd type="none" w="med" len="med"/>
+                    </a:lnR>
+                    <a:lnT w="12700" cap="flat" cmpd="sng" algn="ctr">
+                      <a:solidFill>
+                        <a:schemeClr val="tx1"/>
+                      </a:solidFill>
+                      <a:prstDash val="solid"/>
+                      <a:round/>
+                      <a:headEnd type="none" w="med" len="med"/>
+                      <a:tailEnd type="none" w="med" len="med"/>
+                    </a:lnT>
+                    <a:lnB w="12700" cap="flat" cmpd="sng" algn="ctr">
+                      <a:solidFill>
+                        <a:schemeClr val="tx1"/>
+                      </a:solidFill>
+                      <a:prstDash val="solid"/>
+                      <a:round/>
+                      <a:headEnd type="none" w="med" len="med"/>
+                      <a:tailEnd type="none" w="med" len="med"/>
+                    </a:lnB>
+                    <a:solidFill>
+                      <a:srgbClr val="006464">
+                        <a:alpha val="10000"/>
+                      </a:srgbClr>
+                    </a:solidFill>
+                  </a:tcPr>
+                </a:tc>
+                <a:extLst>
+                  <a:ext uri="{0D108BD9-81ED-4DB2-BD59-A6C34878D82A}">
+                    <a16:rowId xmlns:a16="http://schemas.microsoft.com/office/drawing/2014/main" val="1753235960"/>
+                  </a:ext>
+                </a:extLst>
+              </a:tr>
+              <a:tr h="453065">
+                <a:tc>
+                  <a:txBody>
+                    <a:bodyPr/>
+                    <a:lstStyle/>
+                    <a:p>
+                      <a:pPr algn="ctr"/>
+                      <a:r>
+                        <a:rPr lang="it-IT" dirty="0"/>
+                        <a:t>MOLANO ROGOREDO</a:t>
+                      </a:r>
+                    </a:p>
+                  </a:txBody>
+                  <a:tcPr>
+                    <a:lnL w="12700" cap="flat" cmpd="sng" algn="ctr">
+                      <a:solidFill>
+                        <a:schemeClr val="tx1"/>
+                      </a:solidFill>
+                      <a:prstDash val="solid"/>
+                      <a:round/>
+                      <a:headEnd type="none" w="med" len="med"/>
+                      <a:tailEnd type="none" w="med" len="med"/>
+                    </a:lnL>
+                    <a:lnR w="12700" cap="flat" cmpd="sng" algn="ctr">
+                      <a:solidFill>
+                        <a:schemeClr val="tx1"/>
+                      </a:solidFill>
+                      <a:prstDash val="solid"/>
+                      <a:round/>
+                      <a:headEnd type="none" w="med" len="med"/>
+                      <a:tailEnd type="none" w="med" len="med"/>
+                    </a:lnR>
+                    <a:lnT w="12700" cap="flat" cmpd="sng" algn="ctr">
+                      <a:solidFill>
+                        <a:schemeClr val="tx1"/>
+                      </a:solidFill>
+                      <a:prstDash val="solid"/>
+                      <a:round/>
+                      <a:headEnd type="none" w="med" len="med"/>
+                      <a:tailEnd type="none" w="med" len="med"/>
+                    </a:lnT>
+                    <a:lnB w="12700" cap="flat" cmpd="sng" algn="ctr">
+                      <a:solidFill>
+                        <a:schemeClr val="tx1"/>
+                      </a:solidFill>
+                      <a:prstDash val="solid"/>
+                      <a:round/>
+                      <a:headEnd type="none" w="med" len="med"/>
+                      <a:tailEnd type="none" w="med" len="med"/>
+                    </a:lnB>
+                    <a:solidFill>
+                      <a:srgbClr val="006464">
+                        <a:alpha val="20000"/>
+                      </a:srgbClr>
+                    </a:solidFill>
+                  </a:tcPr>
+                </a:tc>
+                <a:tc>
+                  <a:txBody>
+                    <a:bodyPr/>
+                    <a:lstStyle/>
+                    <a:p>
+                      <a:pPr algn="ctr"/>
+                      <a:r>
+                        <a:rPr lang="it-IT" dirty="0"/>
+                        <a:t>4,8925</a:t>
+                      </a:r>
+                    </a:p>
+                  </a:txBody>
+                  <a:tcPr>
+                    <a:lnL w="12700" cap="flat" cmpd="sng" algn="ctr">
+                      <a:solidFill>
+                        <a:schemeClr val="tx1"/>
+                      </a:solidFill>
+                      <a:prstDash val="solid"/>
+                      <a:round/>
+                      <a:headEnd type="none" w="med" len="med"/>
+                      <a:tailEnd type="none" w="med" len="med"/>
+                    </a:lnL>
+                    <a:lnR w="12700" cap="flat" cmpd="sng" algn="ctr">
+                      <a:solidFill>
+                        <a:schemeClr val="tx1"/>
+                      </a:solidFill>
+                      <a:prstDash val="solid"/>
+                      <a:round/>
+                      <a:headEnd type="none" w="med" len="med"/>
+                      <a:tailEnd type="none" w="med" len="med"/>
+                    </a:lnR>
+                    <a:lnT w="12700" cap="flat" cmpd="sng" algn="ctr">
+                      <a:solidFill>
+                        <a:schemeClr val="tx1"/>
+                      </a:solidFill>
+                      <a:prstDash val="solid"/>
+                      <a:round/>
+                      <a:headEnd type="none" w="med" len="med"/>
+                      <a:tailEnd type="none" w="med" len="med"/>
+                    </a:lnT>
+                    <a:lnB w="12700" cap="flat" cmpd="sng" algn="ctr">
+                      <a:solidFill>
+                        <a:schemeClr val="tx1"/>
+                      </a:solidFill>
+                      <a:prstDash val="solid"/>
+                      <a:round/>
+                      <a:headEnd type="none" w="med" len="med"/>
+                      <a:tailEnd type="none" w="med" len="med"/>
+                    </a:lnB>
+                    <a:solidFill>
+                      <a:srgbClr val="006464">
+                        <a:alpha val="20000"/>
+                      </a:srgbClr>
+                    </a:solidFill>
+                  </a:tcPr>
+                </a:tc>
+                <a:extLst>
+                  <a:ext uri="{0D108BD9-81ED-4DB2-BD59-A6C34878D82A}">
+                    <a16:rowId xmlns:a16="http://schemas.microsoft.com/office/drawing/2014/main" val="3892496289"/>
+                  </a:ext>
+                </a:extLst>
+              </a:tr>
+              <a:tr h="453065">
+                <a:tc>
+                  <a:txBody>
+                    <a:bodyPr/>
+                    <a:lstStyle/>
+                    <a:p>
+                      <a:pPr algn="ctr"/>
+                      <a:r>
+                        <a:rPr lang="it-IT" dirty="0"/>
+                        <a:t>MILANOGRECO PIRELLI</a:t>
+                      </a:r>
+                    </a:p>
+                  </a:txBody>
+                  <a:tcPr>
+                    <a:lnL w="12700" cap="flat" cmpd="sng" algn="ctr">
+                      <a:solidFill>
+                        <a:schemeClr val="tx1"/>
+                      </a:solidFill>
+                      <a:prstDash val="solid"/>
+                      <a:round/>
+                      <a:headEnd type="none" w="med" len="med"/>
+                      <a:tailEnd type="none" w="med" len="med"/>
+                    </a:lnL>
+                    <a:lnR w="12700" cap="flat" cmpd="sng" algn="ctr">
+                      <a:solidFill>
+                        <a:schemeClr val="tx1"/>
+                      </a:solidFill>
+                      <a:prstDash val="solid"/>
+                      <a:round/>
+                      <a:headEnd type="none" w="med" len="med"/>
+                      <a:tailEnd type="none" w="med" len="med"/>
+                    </a:lnR>
+                    <a:lnT w="12700" cap="flat" cmpd="sng" algn="ctr">
+                      <a:solidFill>
+                        <a:schemeClr val="tx1"/>
+                      </a:solidFill>
+                      <a:prstDash val="solid"/>
+                      <a:round/>
+                      <a:headEnd type="none" w="med" len="med"/>
+                      <a:tailEnd type="none" w="med" len="med"/>
+                    </a:lnT>
+                    <a:lnB w="12700" cap="flat" cmpd="sng" algn="ctr">
+                      <a:solidFill>
+                        <a:schemeClr val="tx1"/>
+                      </a:solidFill>
+                      <a:prstDash val="solid"/>
+                      <a:round/>
+                      <a:headEnd type="none" w="med" len="med"/>
+                      <a:tailEnd type="none" w="med" len="med"/>
+                    </a:lnB>
+                    <a:solidFill>
+                      <a:srgbClr val="006464">
+                        <a:alpha val="10000"/>
+                      </a:srgbClr>
+                    </a:solidFill>
+                  </a:tcPr>
+                </a:tc>
+                <a:tc>
+                  <a:txBody>
+                    <a:bodyPr/>
+                    <a:lstStyle/>
+                    <a:p>
+                      <a:pPr algn="ctr"/>
+                      <a:r>
+                        <a:rPr lang="it-IT" dirty="0"/>
+                        <a:t>4,8738</a:t>
+                      </a:r>
+                    </a:p>
+                  </a:txBody>
+                  <a:tcPr>
+                    <a:lnL w="12700" cap="flat" cmpd="sng" algn="ctr">
+                      <a:solidFill>
+                        <a:schemeClr val="tx1"/>
+                      </a:solidFill>
+                      <a:prstDash val="solid"/>
+                      <a:round/>
+                      <a:headEnd type="none" w="med" len="med"/>
+                      <a:tailEnd type="none" w="med" len="med"/>
+                    </a:lnL>
+                    <a:lnR w="12700" cap="flat" cmpd="sng" algn="ctr">
+                      <a:solidFill>
+                        <a:schemeClr val="tx1"/>
+                      </a:solidFill>
+                      <a:prstDash val="solid"/>
+                      <a:round/>
+                      <a:headEnd type="none" w="med" len="med"/>
+                      <a:tailEnd type="none" w="med" len="med"/>
+                    </a:lnR>
+                    <a:lnT w="12700" cap="flat" cmpd="sng" algn="ctr">
+                      <a:solidFill>
+                        <a:schemeClr val="tx1"/>
+                      </a:solidFill>
+                      <a:prstDash val="solid"/>
+                      <a:round/>
+                      <a:headEnd type="none" w="med" len="med"/>
+                      <a:tailEnd type="none" w="med" len="med"/>
+                    </a:lnT>
+                    <a:lnB w="12700" cap="flat" cmpd="sng" algn="ctr">
+                      <a:solidFill>
+                        <a:schemeClr val="tx1"/>
+                      </a:solidFill>
+                      <a:prstDash val="solid"/>
+                      <a:round/>
+                      <a:headEnd type="none" w="med" len="med"/>
+                      <a:tailEnd type="none" w="med" len="med"/>
+                    </a:lnB>
+                    <a:solidFill>
+                      <a:srgbClr val="006464">
+                        <a:alpha val="10000"/>
+                      </a:srgbClr>
+                    </a:solidFill>
+                  </a:tcPr>
+                </a:tc>
+                <a:extLst>
+                  <a:ext uri="{0D108BD9-81ED-4DB2-BD59-A6C34878D82A}">
+                    <a16:rowId xmlns:a16="http://schemas.microsoft.com/office/drawing/2014/main" val="142710114"/>
+                  </a:ext>
+                </a:extLst>
+              </a:tr>
+              <a:tr h="453065">
+                <a:tc>
+                  <a:txBody>
+                    <a:bodyPr/>
+                    <a:lstStyle/>
+                    <a:p>
+                      <a:pPr algn="ctr"/>
+                      <a:r>
+                        <a:rPr lang="it-IT" dirty="0"/>
+                        <a:t>SESTO S.GIOVANNI</a:t>
+                      </a:r>
+                    </a:p>
+                  </a:txBody>
+                  <a:tcPr>
+                    <a:lnL w="12700" cap="flat" cmpd="sng" algn="ctr">
+                      <a:solidFill>
+                        <a:schemeClr val="tx1"/>
+                      </a:solidFill>
+                      <a:prstDash val="solid"/>
+                      <a:round/>
+                      <a:headEnd type="none" w="med" len="med"/>
+                      <a:tailEnd type="none" w="med" len="med"/>
+                    </a:lnL>
+                    <a:lnR w="12700" cap="flat" cmpd="sng" algn="ctr">
+                      <a:solidFill>
+                        <a:schemeClr val="tx1"/>
+                      </a:solidFill>
+                      <a:prstDash val="solid"/>
+                      <a:round/>
+                      <a:headEnd type="none" w="med" len="med"/>
+                      <a:tailEnd type="none" w="med" len="med"/>
+                    </a:lnR>
+                    <a:lnT w="12700" cap="flat" cmpd="sng" algn="ctr">
+                      <a:solidFill>
+                        <a:schemeClr val="tx1"/>
+                      </a:solidFill>
+                      <a:prstDash val="solid"/>
+                      <a:round/>
+                      <a:headEnd type="none" w="med" len="med"/>
+                      <a:tailEnd type="none" w="med" len="med"/>
+                    </a:lnT>
+                    <a:lnB w="12700" cap="flat" cmpd="sng" algn="ctr">
+                      <a:solidFill>
+                        <a:schemeClr val="tx1"/>
+                      </a:solidFill>
+                      <a:prstDash val="solid"/>
+                      <a:round/>
+                      <a:headEnd type="none" w="med" len="med"/>
+                      <a:tailEnd type="none" w="med" len="med"/>
+                    </a:lnB>
+                    <a:solidFill>
+                      <a:srgbClr val="006464">
+                        <a:alpha val="20000"/>
+                      </a:srgbClr>
+                    </a:solidFill>
+                  </a:tcPr>
+                </a:tc>
+                <a:tc>
+                  <a:txBody>
+                    <a:bodyPr/>
+                    <a:lstStyle/>
+                    <a:p>
+                      <a:pPr algn="ctr"/>
+                      <a:r>
+                        <a:rPr lang="it-IT" dirty="0"/>
+                        <a:t>4,8224</a:t>
+                      </a:r>
+                    </a:p>
+                  </a:txBody>
+                  <a:tcPr>
+                    <a:lnL w="12700" cap="flat" cmpd="sng" algn="ctr">
+                      <a:solidFill>
+                        <a:schemeClr val="tx1"/>
+                      </a:solidFill>
+                      <a:prstDash val="solid"/>
+                      <a:round/>
+                      <a:headEnd type="none" w="med" len="med"/>
+                      <a:tailEnd type="none" w="med" len="med"/>
+                    </a:lnL>
+                    <a:lnR w="12700" cap="flat" cmpd="sng" algn="ctr">
+                      <a:solidFill>
+                        <a:schemeClr val="tx1"/>
+                      </a:solidFill>
+                      <a:prstDash val="solid"/>
+                      <a:round/>
+                      <a:headEnd type="none" w="med" len="med"/>
+                      <a:tailEnd type="none" w="med" len="med"/>
+                    </a:lnR>
+                    <a:lnT w="12700" cap="flat" cmpd="sng" algn="ctr">
+                      <a:solidFill>
+                        <a:schemeClr val="tx1"/>
+                      </a:solidFill>
+                      <a:prstDash val="solid"/>
+                      <a:round/>
+                      <a:headEnd type="none" w="med" len="med"/>
+                      <a:tailEnd type="none" w="med" len="med"/>
+                    </a:lnT>
+                    <a:lnB w="12700" cap="flat" cmpd="sng" algn="ctr">
+                      <a:solidFill>
+                        <a:schemeClr val="tx1"/>
+                      </a:solidFill>
+                      <a:prstDash val="solid"/>
+                      <a:round/>
+                      <a:headEnd type="none" w="med" len="med"/>
+                      <a:tailEnd type="none" w="med" len="med"/>
+                    </a:lnB>
+                    <a:solidFill>
+                      <a:srgbClr val="006464">
+                        <a:alpha val="20000"/>
+                      </a:srgbClr>
+                    </a:solidFill>
+                  </a:tcPr>
+                </a:tc>
+                <a:extLst>
+                  <a:ext uri="{0D108BD9-81ED-4DB2-BD59-A6C34878D82A}">
+                    <a16:rowId xmlns:a16="http://schemas.microsoft.com/office/drawing/2014/main" val="1397848867"/>
+                  </a:ext>
+                </a:extLst>
+              </a:tr>
+              <a:tr h="453065">
+                <a:tc>
+                  <a:txBody>
+                    <a:bodyPr/>
+                    <a:lstStyle/>
+                    <a:p>
+                      <a:pPr algn="ctr"/>
+                      <a:r>
+                        <a:rPr lang="it-IT" dirty="0"/>
+                        <a:t>RHO FIERA</a:t>
+                      </a:r>
+                    </a:p>
+                  </a:txBody>
+                  <a:tcPr>
+                    <a:lnL w="12700" cap="flat" cmpd="sng" algn="ctr">
+                      <a:solidFill>
+                        <a:schemeClr val="tx1"/>
+                      </a:solidFill>
+                      <a:prstDash val="solid"/>
+                      <a:round/>
+                      <a:headEnd type="none" w="med" len="med"/>
+                      <a:tailEnd type="none" w="med" len="med"/>
+                    </a:lnL>
+                    <a:lnR w="12700" cap="flat" cmpd="sng" algn="ctr">
+                      <a:solidFill>
+                        <a:schemeClr val="tx1"/>
+                      </a:solidFill>
+                      <a:prstDash val="solid"/>
+                      <a:round/>
+                      <a:headEnd type="none" w="med" len="med"/>
+                      <a:tailEnd type="none" w="med" len="med"/>
+                    </a:lnR>
+                    <a:lnT w="12700" cap="flat" cmpd="sng" algn="ctr">
+                      <a:solidFill>
+                        <a:schemeClr val="tx1"/>
+                      </a:solidFill>
+                      <a:prstDash val="solid"/>
+                      <a:round/>
+                      <a:headEnd type="none" w="med" len="med"/>
+                      <a:tailEnd type="none" w="med" len="med"/>
+                    </a:lnT>
+                    <a:lnB w="12700" cap="flat" cmpd="sng" algn="ctr">
+                      <a:solidFill>
+                        <a:schemeClr val="tx1"/>
+                      </a:solidFill>
+                      <a:prstDash val="solid"/>
+                      <a:round/>
+                      <a:headEnd type="none" w="med" len="med"/>
+                      <a:tailEnd type="none" w="med" len="med"/>
+                    </a:lnB>
+                    <a:solidFill>
+                      <a:srgbClr val="006464">
+                        <a:alpha val="10000"/>
+                      </a:srgbClr>
+                    </a:solidFill>
+                  </a:tcPr>
+                </a:tc>
+                <a:tc>
+                  <a:txBody>
+                    <a:bodyPr/>
+                    <a:lstStyle/>
+                    <a:p>
+                      <a:pPr algn="ctr"/>
+                      <a:r>
+                        <a:rPr lang="it-IT" dirty="0"/>
+                        <a:t>4,8178</a:t>
+                      </a:r>
+                    </a:p>
+                  </a:txBody>
+                  <a:tcPr>
+                    <a:lnL w="12700" cap="flat" cmpd="sng" algn="ctr">
+                      <a:solidFill>
+                        <a:schemeClr val="tx1"/>
+                      </a:solidFill>
+                      <a:prstDash val="solid"/>
+                      <a:round/>
+                      <a:headEnd type="none" w="med" len="med"/>
+                      <a:tailEnd type="none" w="med" len="med"/>
+                    </a:lnL>
+                    <a:lnR w="12700" cap="flat" cmpd="sng" algn="ctr">
+                      <a:solidFill>
+                        <a:schemeClr val="tx1"/>
+                      </a:solidFill>
+                      <a:prstDash val="solid"/>
+                      <a:round/>
+                      <a:headEnd type="none" w="med" len="med"/>
+                      <a:tailEnd type="none" w="med" len="med"/>
+                    </a:lnR>
+                    <a:lnT w="12700" cap="flat" cmpd="sng" algn="ctr">
+                      <a:solidFill>
+                        <a:schemeClr val="tx1"/>
+                      </a:solidFill>
+                      <a:prstDash val="solid"/>
+                      <a:round/>
+                      <a:headEnd type="none" w="med" len="med"/>
+                      <a:tailEnd type="none" w="med" len="med"/>
+                    </a:lnT>
+                    <a:lnB w="12700" cap="flat" cmpd="sng" algn="ctr">
+                      <a:solidFill>
+                        <a:schemeClr val="tx1"/>
+                      </a:solidFill>
+                      <a:prstDash val="solid"/>
+                      <a:round/>
+                      <a:headEnd type="none" w="med" len="med"/>
+                      <a:tailEnd type="none" w="med" len="med"/>
+                    </a:lnB>
+                    <a:solidFill>
+                      <a:srgbClr val="006464">
+                        <a:alpha val="10000"/>
+                      </a:srgbClr>
+                    </a:solidFill>
+                  </a:tcPr>
+                </a:tc>
+                <a:extLst>
+                  <a:ext uri="{0D108BD9-81ED-4DB2-BD59-A6C34878D82A}">
+                    <a16:rowId xmlns:a16="http://schemas.microsoft.com/office/drawing/2014/main" val="3370685246"/>
+                  </a:ext>
+                </a:extLst>
+              </a:tr>
+              <a:tr h="453065">
+                <a:tc>
+                  <a:txBody>
+                    <a:bodyPr/>
+                    <a:lstStyle/>
+                    <a:p>
+                      <a:pPr algn="ctr"/>
+                      <a:r>
+                        <a:rPr lang="it-IT" dirty="0"/>
+                        <a:t>GALLARATE</a:t>
+                      </a:r>
+                    </a:p>
+                  </a:txBody>
+                  <a:tcPr>
+                    <a:lnL w="12700" cap="flat" cmpd="sng" algn="ctr">
+                      <a:solidFill>
+                        <a:schemeClr val="tx1"/>
+                      </a:solidFill>
+                      <a:prstDash val="solid"/>
+                      <a:round/>
+                      <a:headEnd type="none" w="med" len="med"/>
+                      <a:tailEnd type="none" w="med" len="med"/>
+                    </a:lnL>
+                    <a:lnR w="12700" cap="flat" cmpd="sng" algn="ctr">
+                      <a:solidFill>
+                        <a:schemeClr val="tx1"/>
+                      </a:solidFill>
+                      <a:prstDash val="solid"/>
+                      <a:round/>
+                      <a:headEnd type="none" w="med" len="med"/>
+                      <a:tailEnd type="none" w="med" len="med"/>
+                    </a:lnR>
+                    <a:lnT w="12700" cap="flat" cmpd="sng" algn="ctr">
+                      <a:solidFill>
+                        <a:schemeClr val="tx1"/>
+                      </a:solidFill>
+                      <a:prstDash val="solid"/>
+                      <a:round/>
+                      <a:headEnd type="none" w="med" len="med"/>
+                      <a:tailEnd type="none" w="med" len="med"/>
+                    </a:lnT>
+                    <a:lnB w="12700" cap="flat" cmpd="sng" algn="ctr">
+                      <a:solidFill>
+                        <a:schemeClr val="tx1"/>
+                      </a:solidFill>
+                      <a:prstDash val="solid"/>
+                      <a:round/>
+                      <a:headEnd type="none" w="med" len="med"/>
+                      <a:tailEnd type="none" w="med" len="med"/>
+                    </a:lnB>
+                    <a:solidFill>
+                      <a:srgbClr val="006464">
+                        <a:alpha val="20000"/>
+                      </a:srgbClr>
+                    </a:solidFill>
+                  </a:tcPr>
+                </a:tc>
+                <a:tc>
+                  <a:txBody>
+                    <a:bodyPr/>
+                    <a:lstStyle/>
+                    <a:p>
+                      <a:pPr algn="ctr"/>
+                      <a:r>
+                        <a:rPr lang="it-IT" dirty="0"/>
+                        <a:t>4,8037</a:t>
+                      </a:r>
+                    </a:p>
+                  </a:txBody>
+                  <a:tcPr>
+                    <a:lnL w="12700" cap="flat" cmpd="sng" algn="ctr">
+                      <a:solidFill>
+                        <a:schemeClr val="tx1"/>
+                      </a:solidFill>
+                      <a:prstDash val="solid"/>
+                      <a:round/>
+                      <a:headEnd type="none" w="med" len="med"/>
+                      <a:tailEnd type="none" w="med" len="med"/>
+                    </a:lnL>
+                    <a:lnR w="12700" cap="flat" cmpd="sng" algn="ctr">
+                      <a:solidFill>
+                        <a:schemeClr val="tx1"/>
+                      </a:solidFill>
+                      <a:prstDash val="solid"/>
+                      <a:round/>
+                      <a:headEnd type="none" w="med" len="med"/>
+                      <a:tailEnd type="none" w="med" len="med"/>
+                    </a:lnR>
+                    <a:lnT w="12700" cap="flat" cmpd="sng" algn="ctr">
+                      <a:solidFill>
+                        <a:schemeClr val="tx1"/>
+                      </a:solidFill>
+                      <a:prstDash val="solid"/>
+                      <a:round/>
+                      <a:headEnd type="none" w="med" len="med"/>
+                      <a:tailEnd type="none" w="med" len="med"/>
+                    </a:lnT>
+                    <a:lnB w="12700" cap="flat" cmpd="sng" algn="ctr">
+                      <a:solidFill>
+                        <a:schemeClr val="tx1"/>
+                      </a:solidFill>
+                      <a:prstDash val="solid"/>
+                      <a:round/>
+                      <a:headEnd type="none" w="med" len="med"/>
+                      <a:tailEnd type="none" w="med" len="med"/>
+                    </a:lnB>
+                    <a:solidFill>
+                      <a:srgbClr val="006464">
+                        <a:alpha val="20000"/>
+                      </a:srgbClr>
+                    </a:solidFill>
+                  </a:tcPr>
+                </a:tc>
+                <a:extLst>
+                  <a:ext uri="{0D108BD9-81ED-4DB2-BD59-A6C34878D82A}">
+                    <a16:rowId xmlns:a16="http://schemas.microsoft.com/office/drawing/2014/main" val="2135724369"/>
+                  </a:ext>
+                </a:extLst>
+              </a:tr>
+              <a:tr h="453065">
+                <a:tc>
+                  <a:txBody>
+                    <a:bodyPr/>
+                    <a:lstStyle/>
+                    <a:p>
+                      <a:pPr algn="ctr"/>
+                      <a:r>
+                        <a:rPr lang="it-IT" dirty="0"/>
+                        <a:t>BUSTO ARSIZIO</a:t>
+                      </a:r>
+                    </a:p>
+                  </a:txBody>
+                  <a:tcPr>
+                    <a:lnL w="12700" cap="flat" cmpd="sng" algn="ctr">
+                      <a:solidFill>
+                        <a:schemeClr val="tx1"/>
+                      </a:solidFill>
+                      <a:prstDash val="solid"/>
+                      <a:round/>
+                      <a:headEnd type="none" w="med" len="med"/>
+                      <a:tailEnd type="none" w="med" len="med"/>
+                    </a:lnL>
+                    <a:lnR w="12700" cap="flat" cmpd="sng" algn="ctr">
+                      <a:solidFill>
+                        <a:schemeClr val="tx1"/>
+                      </a:solidFill>
+                      <a:prstDash val="solid"/>
+                      <a:round/>
+                      <a:headEnd type="none" w="med" len="med"/>
+                      <a:tailEnd type="none" w="med" len="med"/>
+                    </a:lnR>
+                    <a:lnT w="12700" cap="flat" cmpd="sng" algn="ctr">
+                      <a:solidFill>
+                        <a:schemeClr val="tx1"/>
+                      </a:solidFill>
+                      <a:prstDash val="solid"/>
+                      <a:round/>
+                      <a:headEnd type="none" w="med" len="med"/>
+                      <a:tailEnd type="none" w="med" len="med"/>
+                    </a:lnT>
+                    <a:lnB w="12700" cap="flat" cmpd="sng" algn="ctr">
+                      <a:solidFill>
+                        <a:schemeClr val="tx1"/>
+                      </a:solidFill>
+                      <a:prstDash val="solid"/>
+                      <a:round/>
+                      <a:headEnd type="none" w="med" len="med"/>
+                      <a:tailEnd type="none" w="med" len="med"/>
+                    </a:lnB>
+                    <a:solidFill>
+                      <a:srgbClr val="006464">
+                        <a:alpha val="10000"/>
+                      </a:srgbClr>
+                    </a:solidFill>
+                  </a:tcPr>
+                </a:tc>
+                <a:tc>
+                  <a:txBody>
+                    <a:bodyPr/>
+                    <a:lstStyle/>
+                    <a:p>
+                      <a:pPr algn="ctr"/>
+                      <a:r>
+                        <a:rPr lang="it-IT" dirty="0"/>
+                        <a:t>4,7196</a:t>
+                      </a:r>
+                    </a:p>
+                  </a:txBody>
+                  <a:tcPr>
+                    <a:lnL w="12700" cap="flat" cmpd="sng" algn="ctr">
+                      <a:solidFill>
+                        <a:schemeClr val="tx1"/>
+                      </a:solidFill>
+                      <a:prstDash val="solid"/>
+                      <a:round/>
+                      <a:headEnd type="none" w="med" len="med"/>
+                      <a:tailEnd type="none" w="med" len="med"/>
+                    </a:lnL>
+                    <a:lnR w="12700" cap="flat" cmpd="sng" algn="ctr">
+                      <a:solidFill>
+                        <a:schemeClr val="tx1"/>
+                      </a:solidFill>
+                      <a:prstDash val="solid"/>
+                      <a:round/>
+                      <a:headEnd type="none" w="med" len="med"/>
+                      <a:tailEnd type="none" w="med" len="med"/>
+                    </a:lnR>
+                    <a:lnT w="12700" cap="flat" cmpd="sng" algn="ctr">
+                      <a:solidFill>
+                        <a:schemeClr val="tx1"/>
+                      </a:solidFill>
+                      <a:prstDash val="solid"/>
+                      <a:round/>
+                      <a:headEnd type="none" w="med" len="med"/>
+                      <a:tailEnd type="none" w="med" len="med"/>
+                    </a:lnT>
+                    <a:lnB w="12700" cap="flat" cmpd="sng" algn="ctr">
+                      <a:solidFill>
+                        <a:schemeClr val="tx1"/>
+                      </a:solidFill>
+                      <a:prstDash val="solid"/>
+                      <a:round/>
+                      <a:headEnd type="none" w="med" len="med"/>
+                      <a:tailEnd type="none" w="med" len="med"/>
+                    </a:lnB>
+                    <a:solidFill>
+                      <a:srgbClr val="006464">
+                        <a:alpha val="10000"/>
+                      </a:srgbClr>
+                    </a:solidFill>
+                  </a:tcPr>
+                </a:tc>
+                <a:extLst>
+                  <a:ext uri="{0D108BD9-81ED-4DB2-BD59-A6C34878D82A}">
+                    <a16:rowId xmlns:a16="http://schemas.microsoft.com/office/drawing/2014/main" val="3259947320"/>
+                  </a:ext>
+                </a:extLst>
+              </a:tr>
+              <a:tr h="453065">
+                <a:tc>
+                  <a:txBody>
+                    <a:bodyPr/>
+                    <a:lstStyle/>
+                    <a:p>
+                      <a:pPr algn="ctr"/>
+                      <a:r>
+                        <a:rPr lang="it-IT" dirty="0"/>
+                        <a:t>SEREGNO</a:t>
+                      </a:r>
+                    </a:p>
+                  </a:txBody>
+                  <a:tcPr>
+                    <a:lnL w="12700" cap="flat" cmpd="sng" algn="ctr">
+                      <a:solidFill>
+                        <a:schemeClr val="tx1"/>
+                      </a:solidFill>
+                      <a:prstDash val="solid"/>
+                      <a:round/>
+                      <a:headEnd type="none" w="med" len="med"/>
+                      <a:tailEnd type="none" w="med" len="med"/>
+                    </a:lnL>
+                    <a:lnR w="12700" cap="flat" cmpd="sng" algn="ctr">
+                      <a:solidFill>
+                        <a:schemeClr val="tx1"/>
+                      </a:solidFill>
+                      <a:prstDash val="solid"/>
+                      <a:round/>
+                      <a:headEnd type="none" w="med" len="med"/>
+                      <a:tailEnd type="none" w="med" len="med"/>
+                    </a:lnR>
+                    <a:lnT w="12700" cap="flat" cmpd="sng" algn="ctr">
+                      <a:solidFill>
+                        <a:schemeClr val="tx1"/>
+                      </a:solidFill>
+                      <a:prstDash val="solid"/>
+                      <a:round/>
+                      <a:headEnd type="none" w="med" len="med"/>
+                      <a:tailEnd type="none" w="med" len="med"/>
+                    </a:lnT>
+                    <a:lnB w="12700" cap="flat" cmpd="sng" algn="ctr">
+                      <a:solidFill>
+                        <a:schemeClr val="tx1"/>
+                      </a:solidFill>
+                      <a:prstDash val="solid"/>
+                      <a:round/>
+                      <a:headEnd type="none" w="med" len="med"/>
+                      <a:tailEnd type="none" w="med" len="med"/>
+                    </a:lnB>
+                    <a:solidFill>
+                      <a:srgbClr val="006464">
+                        <a:alpha val="20000"/>
+                      </a:srgbClr>
+                    </a:solidFill>
+                  </a:tcPr>
+                </a:tc>
+                <a:tc>
+                  <a:txBody>
+                    <a:bodyPr/>
+                    <a:lstStyle/>
+                    <a:p>
+                      <a:pPr algn="ctr"/>
+                      <a:r>
+                        <a:rPr lang="it-IT" dirty="0"/>
+                        <a:t>4,7079</a:t>
+                      </a:r>
+                    </a:p>
+                  </a:txBody>
+                  <a:tcPr>
+                    <a:lnL w="12700" cap="flat" cmpd="sng" algn="ctr">
+                      <a:solidFill>
+                        <a:schemeClr val="tx1"/>
+                      </a:solidFill>
+                      <a:prstDash val="solid"/>
+                      <a:round/>
+                      <a:headEnd type="none" w="med" len="med"/>
+                      <a:tailEnd type="none" w="med" len="med"/>
+                    </a:lnL>
+                    <a:lnR w="12700" cap="flat" cmpd="sng" algn="ctr">
+                      <a:solidFill>
+                        <a:schemeClr val="tx1"/>
+                      </a:solidFill>
+                      <a:prstDash val="solid"/>
+                      <a:round/>
+                      <a:headEnd type="none" w="med" len="med"/>
+                      <a:tailEnd type="none" w="med" len="med"/>
+                    </a:lnR>
+                    <a:lnT w="12700" cap="flat" cmpd="sng" algn="ctr">
+                      <a:solidFill>
+                        <a:schemeClr val="tx1"/>
+                      </a:solidFill>
+                      <a:prstDash val="solid"/>
+                      <a:round/>
+                      <a:headEnd type="none" w="med" len="med"/>
+                      <a:tailEnd type="none" w="med" len="med"/>
+                    </a:lnT>
+                    <a:lnB w="12700" cap="flat" cmpd="sng" algn="ctr">
+                      <a:solidFill>
+                        <a:schemeClr val="tx1"/>
+                      </a:solidFill>
+                      <a:prstDash val="solid"/>
+                      <a:round/>
+                      <a:headEnd type="none" w="med" len="med"/>
+                      <a:tailEnd type="none" w="med" len="med"/>
+                    </a:lnB>
+                    <a:solidFill>
+                      <a:srgbClr val="006464">
+                        <a:alpha val="20000"/>
+                      </a:srgbClr>
+                    </a:solidFill>
+                  </a:tcPr>
+                </a:tc>
+                <a:extLst>
+                  <a:ext uri="{0D108BD9-81ED-4DB2-BD59-A6C34878D82A}">
+                    <a16:rowId xmlns:a16="http://schemas.microsoft.com/office/drawing/2014/main" val="1567298494"/>
+                  </a:ext>
+                </a:extLst>
+              </a:tr>
+              <a:tr h="453065">
+                <a:tc>
+                  <a:txBody>
+                    <a:bodyPr/>
+                    <a:lstStyle/>
+                    <a:p>
+                      <a:pPr algn="ctr"/>
+                      <a:r>
+                        <a:rPr lang="it-IT" dirty="0"/>
+                        <a:t>MILANOFORLANINI</a:t>
+                      </a:r>
+                    </a:p>
+                  </a:txBody>
+                  <a:tcPr>
+                    <a:lnL w="12700" cap="flat" cmpd="sng" algn="ctr">
+                      <a:solidFill>
+                        <a:schemeClr val="tx1"/>
+                      </a:solidFill>
+                      <a:prstDash val="solid"/>
+                      <a:round/>
+                      <a:headEnd type="none" w="med" len="med"/>
+                      <a:tailEnd type="none" w="med" len="med"/>
+                    </a:lnL>
+                    <a:lnR w="12700" cap="flat" cmpd="sng" algn="ctr">
+                      <a:solidFill>
+                        <a:schemeClr val="tx1"/>
+                      </a:solidFill>
+                      <a:prstDash val="solid"/>
+                      <a:round/>
+                      <a:headEnd type="none" w="med" len="med"/>
+                      <a:tailEnd type="none" w="med" len="med"/>
+                    </a:lnR>
+                    <a:lnT w="12700" cap="flat" cmpd="sng" algn="ctr">
+                      <a:solidFill>
+                        <a:schemeClr val="tx1"/>
+                      </a:solidFill>
+                      <a:prstDash val="solid"/>
+                      <a:round/>
+                      <a:headEnd type="none" w="med" len="med"/>
+                      <a:tailEnd type="none" w="med" len="med"/>
+                    </a:lnT>
+                    <a:lnB w="12700" cap="flat" cmpd="sng" algn="ctr">
+                      <a:solidFill>
+                        <a:schemeClr val="tx1"/>
+                      </a:solidFill>
+                      <a:prstDash val="solid"/>
+                      <a:round/>
+                      <a:headEnd type="none" w="med" len="med"/>
+                      <a:tailEnd type="none" w="med" len="med"/>
+                    </a:lnB>
+                    <a:solidFill>
+                      <a:srgbClr val="006464">
+                        <a:alpha val="10000"/>
+                      </a:srgbClr>
+                    </a:solidFill>
+                  </a:tcPr>
+                </a:tc>
+                <a:tc>
+                  <a:txBody>
+                    <a:bodyPr/>
+                    <a:lstStyle/>
+                    <a:p>
+                      <a:pPr algn="ctr"/>
+                      <a:r>
+                        <a:rPr lang="it-IT" dirty="0"/>
+                        <a:t>4,6939</a:t>
+                      </a:r>
+                    </a:p>
+                  </a:txBody>
+                  <a:tcPr>
+                    <a:lnL w="12700" cap="flat" cmpd="sng" algn="ctr">
+                      <a:solidFill>
+                        <a:schemeClr val="tx1"/>
+                      </a:solidFill>
+                      <a:prstDash val="solid"/>
+                      <a:round/>
+                      <a:headEnd type="none" w="med" len="med"/>
+                      <a:tailEnd type="none" w="med" len="med"/>
+                    </a:lnL>
+                    <a:lnR w="12700" cap="flat" cmpd="sng" algn="ctr">
+                      <a:solidFill>
+                        <a:schemeClr val="tx1"/>
+                      </a:solidFill>
+                      <a:prstDash val="solid"/>
+                      <a:round/>
+                      <a:headEnd type="none" w="med" len="med"/>
+                      <a:tailEnd type="none" w="med" len="med"/>
+                    </a:lnR>
+                    <a:lnT w="12700" cap="flat" cmpd="sng" algn="ctr">
+                      <a:solidFill>
+                        <a:schemeClr val="tx1"/>
+                      </a:solidFill>
+                      <a:prstDash val="solid"/>
+                      <a:round/>
+                      <a:headEnd type="none" w="med" len="med"/>
+                      <a:tailEnd type="none" w="med" len="med"/>
+                    </a:lnT>
+                    <a:lnB w="12700" cap="flat" cmpd="sng" algn="ctr">
+                      <a:solidFill>
+                        <a:schemeClr val="tx1"/>
+                      </a:solidFill>
+                      <a:prstDash val="solid"/>
+                      <a:round/>
+                      <a:headEnd type="none" w="med" len="med"/>
+                      <a:tailEnd type="none" w="med" len="med"/>
+                    </a:lnB>
+                    <a:solidFill>
+                      <a:srgbClr val="006464">
+                        <a:alpha val="10000"/>
+                      </a:srgbClr>
+                    </a:solidFill>
+                  </a:tcPr>
+                </a:tc>
+                <a:extLst>
+                  <a:ext uri="{0D108BD9-81ED-4DB2-BD59-A6C34878D82A}">
+                    <a16:rowId xmlns:a16="http://schemas.microsoft.com/office/drawing/2014/main" val="4016587675"/>
+                  </a:ext>
+                </a:extLst>
+              </a:tr>
+            </a:tbl>
+          </a:graphicData>
+        </a:graphic>
+      </p:graphicFrame>
+    </p:spTree>
+    <p:extLst>
+      <p:ext uri="{BB962C8B-B14F-4D97-AF65-F5344CB8AC3E}">
+        <p14:creationId xmlns:p14="http://schemas.microsoft.com/office/powerpoint/2010/main" val="311990376"/>
+      </p:ext>
+    </p:extLst>
+  </p:cSld>
+  <p:clrMapOvr>
+    <a:masterClrMapping/>
+  </p:clrMapOvr>
+</p:sld>
+</file>
+
 <file path=ppt/slides/slide2.xml><?xml version="1.0" encoding="utf-8"?>
 <p:sld xmlns:a="http://schemas.openxmlformats.org/drawingml/2006/main" xmlns:r="http://schemas.openxmlformats.org/officeDocument/2006/relationships" xmlns:p="http://schemas.openxmlformats.org/presentationml/2006/main">
   <p:cSld>
@@ -4314,10 +7576,10 @@
       </p:grpSpPr>
       <p:sp>
         <p:nvSpPr>
-          <p:cNvPr id="2" name="Titolo 1">
+          <p:cNvPr id="5" name="Titolo 1">
             <a:extLst>
               <a:ext uri="{FF2B5EF4-FFF2-40B4-BE49-F238E27FC236}">
-                <a16:creationId xmlns:a16="http://schemas.microsoft.com/office/drawing/2014/main" id="{470C918C-E21E-4640-6912-F58466DAA7F1}"/>
+                <a16:creationId xmlns:a16="http://schemas.microsoft.com/office/drawing/2014/main" id="{C0382DA9-BEA6-4599-E336-26C413800CEB}"/>
               </a:ext>
             </a:extLst>
           </p:cNvPr>
@@ -4341,6 +7603,464 @@
             <a:pPr algn="ctr"/>
             <a:r>
               <a:rPr lang="it-IT" b="1" dirty="0">
+                <a:solidFill>
+                  <a:srgbClr val="FF0000"/>
+                </a:solidFill>
+                <a:cs typeface="Arial" panose="020B0604020202020204" pitchFamily="34" charset="0"/>
+              </a:rPr>
+              <a:t>OBIETTIVI</a:t>
+            </a:r>
+          </a:p>
+        </p:txBody>
+      </p:sp>
+      <p:sp>
+        <p:nvSpPr>
+          <p:cNvPr id="6" name="Rettangolo con angoli arrotondati 5">
+            <a:extLst>
+              <a:ext uri="{FF2B5EF4-FFF2-40B4-BE49-F238E27FC236}">
+                <a16:creationId xmlns:a16="http://schemas.microsoft.com/office/drawing/2014/main" id="{BF0339BB-9890-B88E-2AC0-8601C798D164}"/>
+              </a:ext>
+            </a:extLst>
+          </p:cNvPr>
+          <p:cNvSpPr/>
+          <p:nvPr/>
+        </p:nvSpPr>
+        <p:spPr>
+          <a:xfrm>
+            <a:off x="508576" y="849746"/>
+            <a:ext cx="3552537" cy="1874982"/>
+          </a:xfrm>
+          <a:prstGeom prst="roundRect">
+            <a:avLst/>
+          </a:prstGeom>
+          <a:solidFill>
+            <a:srgbClr val="006464">
+              <a:alpha val="15000"/>
+            </a:srgbClr>
+          </a:solidFill>
+          <a:ln>
+            <a:solidFill>
+              <a:srgbClr val="C00000">
+                <a:alpha val="30000"/>
+              </a:srgbClr>
+            </a:solidFill>
+          </a:ln>
+        </p:spPr>
+        <p:style>
+          <a:lnRef idx="2">
+            <a:schemeClr val="accent1">
+              <a:shade val="50000"/>
+            </a:schemeClr>
+          </a:lnRef>
+          <a:fillRef idx="1">
+            <a:schemeClr val="accent1"/>
+          </a:fillRef>
+          <a:effectRef idx="0">
+            <a:schemeClr val="accent1"/>
+          </a:effectRef>
+          <a:fontRef idx="minor">
+            <a:schemeClr val="lt1"/>
+          </a:fontRef>
+        </p:style>
+        <p:txBody>
+          <a:bodyPr rtlCol="0" anchor="ctr"/>
+          <a:lstStyle/>
+          <a:p>
+            <a:pPr algn="ctr"/>
+            <a:r>
+              <a:rPr lang="it-IT" sz="2400" b="0" i="0" dirty="0">
+                <a:solidFill>
+                  <a:schemeClr val="tx1"/>
+                </a:solidFill>
+                <a:effectLst/>
+              </a:rPr>
+              <a:t>Quali sono i nodi pi</a:t>
+            </a:r>
+            <a:r>
+              <a:rPr lang="it-IT" sz="2400" dirty="0">
+                <a:solidFill>
+                  <a:schemeClr val="tx1"/>
+                </a:solidFill>
+              </a:rPr>
+              <a:t>ù</a:t>
+            </a:r>
+            <a:r>
+              <a:rPr lang="it-IT" sz="2400" b="0" i="0" dirty="0">
+                <a:solidFill>
+                  <a:schemeClr val="tx1"/>
+                </a:solidFill>
+                <a:effectLst/>
+              </a:rPr>
+              <a:t> importanti all’interno della rete?</a:t>
+            </a:r>
+            <a:endParaRPr lang="it-IT" sz="2400" dirty="0">
+              <a:solidFill>
+                <a:schemeClr val="tx1"/>
+              </a:solidFill>
+            </a:endParaRPr>
+          </a:p>
+        </p:txBody>
+      </p:sp>
+      <p:sp>
+        <p:nvSpPr>
+          <p:cNvPr id="7" name="Rettangolo con angoli arrotondati 6">
+            <a:extLst>
+              <a:ext uri="{FF2B5EF4-FFF2-40B4-BE49-F238E27FC236}">
+                <a16:creationId xmlns:a16="http://schemas.microsoft.com/office/drawing/2014/main" id="{063F1F90-A2ED-2AC3-C19F-3B47E31C8322}"/>
+              </a:ext>
+            </a:extLst>
+          </p:cNvPr>
+          <p:cNvSpPr/>
+          <p:nvPr/>
+        </p:nvSpPr>
+        <p:spPr>
+          <a:xfrm>
+            <a:off x="8130886" y="4581237"/>
+            <a:ext cx="3552537" cy="1874982"/>
+          </a:xfrm>
+          <a:prstGeom prst="roundRect">
+            <a:avLst/>
+          </a:prstGeom>
+          <a:solidFill>
+            <a:srgbClr val="006464">
+              <a:alpha val="15000"/>
+            </a:srgbClr>
+          </a:solidFill>
+          <a:ln>
+            <a:solidFill>
+              <a:srgbClr val="C00000">
+                <a:alpha val="30000"/>
+              </a:srgbClr>
+            </a:solidFill>
+          </a:ln>
+        </p:spPr>
+        <p:style>
+          <a:lnRef idx="2">
+            <a:schemeClr val="accent1">
+              <a:shade val="50000"/>
+            </a:schemeClr>
+          </a:lnRef>
+          <a:fillRef idx="1">
+            <a:schemeClr val="accent1"/>
+          </a:fillRef>
+          <a:effectRef idx="0">
+            <a:schemeClr val="accent1"/>
+          </a:effectRef>
+          <a:fontRef idx="minor">
+            <a:schemeClr val="lt1"/>
+          </a:fontRef>
+        </p:style>
+        <p:txBody>
+          <a:bodyPr rtlCol="0" anchor="ctr"/>
+          <a:lstStyle/>
+          <a:p>
+            <a:pPr algn="ctr"/>
+            <a:r>
+              <a:rPr lang="it-IT" sz="2400" b="0" i="0" dirty="0">
+                <a:solidFill>
+                  <a:schemeClr val="tx1"/>
+                </a:solidFill>
+                <a:effectLst/>
+              </a:rPr>
+              <a:t>Come è cambiata la rete nel tempo?</a:t>
+            </a:r>
+            <a:endParaRPr lang="it-IT" sz="2400" dirty="0">
+              <a:solidFill>
+                <a:schemeClr val="tx1"/>
+              </a:solidFill>
+            </a:endParaRPr>
+          </a:p>
+        </p:txBody>
+      </p:sp>
+      <p:sp>
+        <p:nvSpPr>
+          <p:cNvPr id="8" name="Rettangolo con angoli arrotondati 7">
+            <a:extLst>
+              <a:ext uri="{FF2B5EF4-FFF2-40B4-BE49-F238E27FC236}">
+                <a16:creationId xmlns:a16="http://schemas.microsoft.com/office/drawing/2014/main" id="{48C18F59-166C-D826-6736-07C3FE8277E1}"/>
+              </a:ext>
+            </a:extLst>
+          </p:cNvPr>
+          <p:cNvSpPr/>
+          <p:nvPr/>
+        </p:nvSpPr>
+        <p:spPr>
+          <a:xfrm>
+            <a:off x="508575" y="4581237"/>
+            <a:ext cx="3552537" cy="1874982"/>
+          </a:xfrm>
+          <a:prstGeom prst="roundRect">
+            <a:avLst/>
+          </a:prstGeom>
+          <a:solidFill>
+            <a:srgbClr val="006464">
+              <a:alpha val="15000"/>
+            </a:srgbClr>
+          </a:solidFill>
+          <a:ln>
+            <a:solidFill>
+              <a:srgbClr val="C00000">
+                <a:alpha val="30000"/>
+              </a:srgbClr>
+            </a:solidFill>
+          </a:ln>
+        </p:spPr>
+        <p:style>
+          <a:lnRef idx="2">
+            <a:schemeClr val="accent1">
+              <a:shade val="50000"/>
+            </a:schemeClr>
+          </a:lnRef>
+          <a:fillRef idx="1">
+            <a:schemeClr val="accent1"/>
+          </a:fillRef>
+          <a:effectRef idx="0">
+            <a:schemeClr val="accent1"/>
+          </a:effectRef>
+          <a:fontRef idx="minor">
+            <a:schemeClr val="lt1"/>
+          </a:fontRef>
+        </p:style>
+        <p:txBody>
+          <a:bodyPr rtlCol="0" anchor="ctr"/>
+          <a:lstStyle/>
+          <a:p>
+            <a:pPr algn="ctr"/>
+            <a:r>
+              <a:rPr lang="it-IT" sz="2400" b="0" i="0" dirty="0">
+                <a:solidFill>
+                  <a:schemeClr val="tx1"/>
+                </a:solidFill>
+                <a:effectLst/>
+              </a:rPr>
+              <a:t>Come cambia la rete se considero il numero di treni?</a:t>
+            </a:r>
+            <a:endParaRPr lang="it-IT" sz="2400" dirty="0">
+              <a:solidFill>
+                <a:schemeClr val="tx1"/>
+              </a:solidFill>
+            </a:endParaRPr>
+          </a:p>
+        </p:txBody>
+      </p:sp>
+      <p:sp>
+        <p:nvSpPr>
+          <p:cNvPr id="9" name="Rettangolo con angoli arrotondati 8">
+            <a:extLst>
+              <a:ext uri="{FF2B5EF4-FFF2-40B4-BE49-F238E27FC236}">
+                <a16:creationId xmlns:a16="http://schemas.microsoft.com/office/drawing/2014/main" id="{6137CAA9-5E7D-8C84-E598-6493C4DE73CC}"/>
+              </a:ext>
+            </a:extLst>
+          </p:cNvPr>
+          <p:cNvSpPr/>
+          <p:nvPr/>
+        </p:nvSpPr>
+        <p:spPr>
+          <a:xfrm>
+            <a:off x="8130886" y="849746"/>
+            <a:ext cx="3552537" cy="1874982"/>
+          </a:xfrm>
+          <a:prstGeom prst="roundRect">
+            <a:avLst/>
+          </a:prstGeom>
+          <a:solidFill>
+            <a:srgbClr val="006464">
+              <a:alpha val="15000"/>
+            </a:srgbClr>
+          </a:solidFill>
+          <a:ln>
+            <a:solidFill>
+              <a:srgbClr val="C00000">
+                <a:alpha val="30000"/>
+              </a:srgbClr>
+            </a:solidFill>
+          </a:ln>
+        </p:spPr>
+        <p:style>
+          <a:lnRef idx="2">
+            <a:schemeClr val="accent1">
+              <a:shade val="50000"/>
+            </a:schemeClr>
+          </a:lnRef>
+          <a:fillRef idx="1">
+            <a:schemeClr val="accent1"/>
+          </a:fillRef>
+          <a:effectRef idx="0">
+            <a:schemeClr val="accent1"/>
+          </a:effectRef>
+          <a:fontRef idx="minor">
+            <a:schemeClr val="lt1"/>
+          </a:fontRef>
+        </p:style>
+        <p:txBody>
+          <a:bodyPr rtlCol="0" anchor="ctr"/>
+          <a:lstStyle/>
+          <a:p>
+            <a:pPr algn="ctr"/>
+            <a:r>
+              <a:rPr lang="it-IT" sz="2400" b="0" i="0" dirty="0">
+                <a:solidFill>
+                  <a:schemeClr val="tx1"/>
+                </a:solidFill>
+                <a:effectLst/>
+              </a:rPr>
+              <a:t>Come è strutturata la rete?</a:t>
+            </a:r>
+            <a:endParaRPr lang="it-IT" sz="2400" dirty="0">
+              <a:solidFill>
+                <a:schemeClr val="tx1"/>
+              </a:solidFill>
+            </a:endParaRPr>
+          </a:p>
+        </p:txBody>
+      </p:sp>
+      <p:sp>
+        <p:nvSpPr>
+          <p:cNvPr id="10" name="Rettangolo con angoli arrotondati 9">
+            <a:extLst>
+              <a:ext uri="{FF2B5EF4-FFF2-40B4-BE49-F238E27FC236}">
+                <a16:creationId xmlns:a16="http://schemas.microsoft.com/office/drawing/2014/main" id="{49234DFE-1EF8-88CC-C474-8BA34F4E9078}"/>
+              </a:ext>
+            </a:extLst>
+          </p:cNvPr>
+          <p:cNvSpPr/>
+          <p:nvPr/>
+        </p:nvSpPr>
+        <p:spPr>
+          <a:xfrm>
+            <a:off x="4319731" y="2706255"/>
+            <a:ext cx="3552537" cy="1874982"/>
+          </a:xfrm>
+          <a:prstGeom prst="roundRect">
+            <a:avLst/>
+          </a:prstGeom>
+          <a:solidFill>
+            <a:srgbClr val="006464">
+              <a:alpha val="15000"/>
+            </a:srgbClr>
+          </a:solidFill>
+          <a:ln>
+            <a:solidFill>
+              <a:srgbClr val="C00000">
+                <a:alpha val="30000"/>
+              </a:srgbClr>
+            </a:solidFill>
+          </a:ln>
+        </p:spPr>
+        <p:style>
+          <a:lnRef idx="2">
+            <a:schemeClr val="accent1">
+              <a:shade val="50000"/>
+            </a:schemeClr>
+          </a:lnRef>
+          <a:fillRef idx="1">
+            <a:schemeClr val="accent1"/>
+          </a:fillRef>
+          <a:effectRef idx="0">
+            <a:schemeClr val="accent1"/>
+          </a:effectRef>
+          <a:fontRef idx="minor">
+            <a:schemeClr val="lt1"/>
+          </a:fontRef>
+        </p:style>
+        <p:txBody>
+          <a:bodyPr rtlCol="0" anchor="ctr"/>
+          <a:lstStyle/>
+          <a:p>
+            <a:pPr algn="ctr"/>
+            <a:r>
+              <a:rPr lang="it-IT" sz="2400" b="0" i="0" dirty="0">
+                <a:solidFill>
+                  <a:schemeClr val="tx1"/>
+                </a:solidFill>
+                <a:effectLst/>
+              </a:rPr>
+              <a:t>Quanto è vulnerabile la rete agli attacchi?</a:t>
+            </a:r>
+            <a:endParaRPr lang="it-IT" sz="2400" dirty="0">
+              <a:solidFill>
+                <a:schemeClr val="tx1"/>
+              </a:solidFill>
+            </a:endParaRPr>
+          </a:p>
+        </p:txBody>
+      </p:sp>
+    </p:spTree>
+    <p:extLst>
+      <p:ext uri="{BB962C8B-B14F-4D97-AF65-F5344CB8AC3E}">
+        <p14:creationId xmlns:p14="http://schemas.microsoft.com/office/powerpoint/2010/main" val="1057040434"/>
+      </p:ext>
+    </p:extLst>
+  </p:cSld>
+  <p:clrMapOvr>
+    <a:masterClrMapping/>
+  </p:clrMapOvr>
+</p:sld>
+</file>
+
+<file path=ppt/slides/slide3.xml><?xml version="1.0" encoding="utf-8"?>
+<p:sld xmlns:a="http://schemas.openxmlformats.org/drawingml/2006/main" xmlns:r="http://schemas.openxmlformats.org/officeDocument/2006/relationships" xmlns:p="http://schemas.openxmlformats.org/presentationml/2006/main">
+  <p:cSld>
+    <p:bg>
+      <p:bgPr>
+        <a:blipFill dpi="0" rotWithShape="1">
+          <a:blip r:embed="rId2">
+            <a:lum/>
+          </a:blip>
+          <a:srcRect/>
+          <a:stretch>
+            <a:fillRect/>
+          </a:stretch>
+        </a:blipFill>
+        <a:effectLst/>
+      </p:bgPr>
+    </p:bg>
+    <p:spTree>
+      <p:nvGrpSpPr>
+        <p:cNvPr id="1" name=""/>
+        <p:cNvGrpSpPr/>
+        <p:nvPr/>
+      </p:nvGrpSpPr>
+      <p:grpSpPr>
+        <a:xfrm>
+          <a:off x="0" y="0"/>
+          <a:ext cx="0" cy="0"/>
+          <a:chOff x="0" y="0"/>
+          <a:chExt cx="0" cy="0"/>
+        </a:xfrm>
+      </p:grpSpPr>
+      <p:sp>
+        <p:nvSpPr>
+          <p:cNvPr id="2" name="Titolo 1">
+            <a:extLst>
+              <a:ext uri="{FF2B5EF4-FFF2-40B4-BE49-F238E27FC236}">
+                <a16:creationId xmlns:a16="http://schemas.microsoft.com/office/drawing/2014/main" id="{470C918C-E21E-4640-6912-F58466DAA7F1}"/>
+              </a:ext>
+            </a:extLst>
+          </p:cNvPr>
+          <p:cNvSpPr>
+            <a:spLocks noGrp="1"/>
+          </p:cNvSpPr>
+          <p:nvPr>
+            <p:ph type="title"/>
+          </p:nvPr>
+        </p:nvSpPr>
+        <p:spPr>
+          <a:xfrm>
+            <a:off x="838200" y="143453"/>
+            <a:ext cx="10515600" cy="835602"/>
+          </a:xfrm>
+        </p:spPr>
+        <p:txBody>
+          <a:bodyPr/>
+          <a:lstStyle/>
+          <a:p>
+            <a:pPr algn="ctr"/>
+            <a:r>
+              <a:rPr lang="it-IT" b="1" dirty="0">
+                <a:solidFill>
+                  <a:srgbClr val="FF0000"/>
+                </a:solidFill>
                 <a:cs typeface="Arial" panose="020B0604020202020204" pitchFamily="34" charset="0"/>
               </a:rPr>
               <a:t>DATASET</a:t>
@@ -6136,100 +9856,6 @@
 </p:sld>
 </file>
 
-<file path=ppt/slides/slide3.xml><?xml version="1.0" encoding="utf-8"?>
-<p:sld xmlns:a="http://schemas.openxmlformats.org/drawingml/2006/main" xmlns:r="http://schemas.openxmlformats.org/officeDocument/2006/relationships" xmlns:p="http://schemas.openxmlformats.org/presentationml/2006/main">
-  <p:cSld>
-    <p:bg>
-      <p:bgPr>
-        <a:blipFill dpi="0" rotWithShape="1">
-          <a:blip r:embed="rId2">
-            <a:lum/>
-          </a:blip>
-          <a:srcRect/>
-          <a:stretch>
-            <a:fillRect/>
-          </a:stretch>
-        </a:blipFill>
-        <a:effectLst/>
-      </p:bgPr>
-    </p:bg>
-    <p:spTree>
-      <p:nvGrpSpPr>
-        <p:cNvPr id="1" name=""/>
-        <p:cNvGrpSpPr/>
-        <p:nvPr/>
-      </p:nvGrpSpPr>
-      <p:grpSpPr>
-        <a:xfrm>
-          <a:off x="0" y="0"/>
-          <a:ext cx="0" cy="0"/>
-          <a:chOff x="0" y="0"/>
-          <a:chExt cx="0" cy="0"/>
-        </a:xfrm>
-      </p:grpSpPr>
-      <p:sp>
-        <p:nvSpPr>
-          <p:cNvPr id="2" name="Titolo 1">
-            <a:extLst>
-              <a:ext uri="{FF2B5EF4-FFF2-40B4-BE49-F238E27FC236}">
-                <a16:creationId xmlns:a16="http://schemas.microsoft.com/office/drawing/2014/main" id="{470C918C-E21E-4640-6912-F58466DAA7F1}"/>
-              </a:ext>
-            </a:extLst>
-          </p:cNvPr>
-          <p:cNvSpPr>
-            <a:spLocks noGrp="1"/>
-          </p:cNvSpPr>
-          <p:nvPr>
-            <p:ph type="title"/>
-          </p:nvPr>
-        </p:nvSpPr>
-        <p:spPr/>
-        <p:txBody>
-          <a:bodyPr/>
-          <a:lstStyle/>
-          <a:p>
-            <a:endParaRPr lang="it-IT"/>
-          </a:p>
-        </p:txBody>
-      </p:sp>
-      <p:sp>
-        <p:nvSpPr>
-          <p:cNvPr id="3" name="Segnaposto contenuto 2">
-            <a:extLst>
-              <a:ext uri="{FF2B5EF4-FFF2-40B4-BE49-F238E27FC236}">
-                <a16:creationId xmlns:a16="http://schemas.microsoft.com/office/drawing/2014/main" id="{C9261805-0F14-C3CA-249F-A1A4258D53B5}"/>
-              </a:ext>
-            </a:extLst>
-          </p:cNvPr>
-          <p:cNvSpPr>
-            <a:spLocks noGrp="1"/>
-          </p:cNvSpPr>
-          <p:nvPr>
-            <p:ph idx="1"/>
-          </p:nvPr>
-        </p:nvSpPr>
-        <p:spPr/>
-        <p:txBody>
-          <a:bodyPr/>
-          <a:lstStyle/>
-          <a:p>
-            <a:endParaRPr lang="it-IT" dirty="0"/>
-          </a:p>
-        </p:txBody>
-      </p:sp>
-    </p:spTree>
-    <p:extLst>
-      <p:ext uri="{BB962C8B-B14F-4D97-AF65-F5344CB8AC3E}">
-        <p14:creationId xmlns:p14="http://schemas.microsoft.com/office/powerpoint/2010/main" val="1133019193"/>
-      </p:ext>
-    </p:extLst>
-  </p:cSld>
-  <p:clrMapOvr>
-    <a:masterClrMapping/>
-  </p:clrMapOvr>
-</p:sld>
-</file>
-
 <file path=ppt/slides/slide4.xml><?xml version="1.0" encoding="utf-8"?>
 <p:sld xmlns:a="http://schemas.openxmlformats.org/drawingml/2006/main" xmlns:r="http://schemas.openxmlformats.org/officeDocument/2006/relationships" xmlns:p="http://schemas.openxmlformats.org/presentationml/2006/main">
   <p:cSld>
@@ -6263,10 +9889,10 @@
       </p:grpSpPr>
       <p:sp>
         <p:nvSpPr>
-          <p:cNvPr id="2" name="Titolo 1">
+          <p:cNvPr id="4" name="Titolo 1">
             <a:extLst>
               <a:ext uri="{FF2B5EF4-FFF2-40B4-BE49-F238E27FC236}">
-                <a16:creationId xmlns:a16="http://schemas.microsoft.com/office/drawing/2014/main" id="{470C918C-E21E-4640-6912-F58466DAA7F1}"/>
+                <a16:creationId xmlns:a16="http://schemas.microsoft.com/office/drawing/2014/main" id="{EA489B0A-9DE5-64A7-46C4-BE17087EEEC7}"/>
               </a:ext>
             </a:extLst>
           </p:cNvPr>
@@ -6277,44 +9903,677 @@
             <p:ph type="title"/>
           </p:nvPr>
         </p:nvSpPr>
-        <p:spPr/>
+        <p:spPr>
+          <a:xfrm>
+            <a:off x="838200" y="143453"/>
+            <a:ext cx="10515600" cy="835602"/>
+          </a:xfrm>
+        </p:spPr>
         <p:txBody>
           <a:bodyPr/>
           <a:lstStyle/>
           <a:p>
-            <a:endParaRPr lang="it-IT"/>
+            <a:pPr algn="ctr"/>
+            <a:r>
+              <a:rPr lang="it-IT" b="1" dirty="0">
+                <a:solidFill>
+                  <a:srgbClr val="FF0000"/>
+                </a:solidFill>
+                <a:cs typeface="Arial" panose="020B0604020202020204" pitchFamily="34" charset="0"/>
+              </a:rPr>
+              <a:t>PREPROCESSING</a:t>
+            </a:r>
+          </a:p>
+        </p:txBody>
+      </p:sp>
+      <p:pic>
+        <p:nvPicPr>
+          <p:cNvPr id="6" name="Immagine 5" descr="Immagine che contiene segnale, vicino&#10;&#10;Descrizione generata automaticamente">
+            <a:extLst>
+              <a:ext uri="{FF2B5EF4-FFF2-40B4-BE49-F238E27FC236}">
+                <a16:creationId xmlns:a16="http://schemas.microsoft.com/office/drawing/2014/main" id="{081CAA65-41C4-6559-46F0-0DE02D50CDDC}"/>
+              </a:ext>
+            </a:extLst>
+          </p:cNvPr>
+          <p:cNvPicPr>
+            <a:picLocks noChangeAspect="1"/>
+          </p:cNvPicPr>
+          <p:nvPr/>
+        </p:nvPicPr>
+        <p:blipFill>
+          <a:blip r:embed="rId3">
+            <a:extLst>
+              <a:ext uri="{28A0092B-C50C-407E-A947-70E740481C1C}">
+                <a14:useLocalDpi xmlns:a14="http://schemas.microsoft.com/office/drawing/2010/main" val="0"/>
+              </a:ext>
+            </a:extLst>
+          </a:blip>
+          <a:stretch>
+            <a:fillRect/>
+          </a:stretch>
+        </p:blipFill>
+        <p:spPr>
+          <a:xfrm>
+            <a:off x="97654" y="561253"/>
+            <a:ext cx="2634708" cy="2634708"/>
+          </a:xfrm>
+          <a:prstGeom prst="rect">
+            <a:avLst/>
+          </a:prstGeom>
+        </p:spPr>
+      </p:pic>
+      <p:sp>
+        <p:nvSpPr>
+          <p:cNvPr id="8" name="CasellaDiTesto 7">
+            <a:extLst>
+              <a:ext uri="{FF2B5EF4-FFF2-40B4-BE49-F238E27FC236}">
+                <a16:creationId xmlns:a16="http://schemas.microsoft.com/office/drawing/2014/main" id="{8D833893-390C-3332-BFB8-0772741BE0C0}"/>
+              </a:ext>
+            </a:extLst>
+          </p:cNvPr>
+          <p:cNvSpPr txBox="1"/>
+          <p:nvPr/>
+        </p:nvSpPr>
+        <p:spPr>
+          <a:xfrm>
+            <a:off x="2471691" y="1266901"/>
+            <a:ext cx="2213688" cy="1600438"/>
+          </a:xfrm>
+          <a:prstGeom prst="rect">
+            <a:avLst/>
+          </a:prstGeom>
+          <a:noFill/>
+        </p:spPr>
+        <p:txBody>
+          <a:bodyPr wrap="square" rtlCol="0">
+            <a:spAutoFit/>
+          </a:bodyPr>
+          <a:lstStyle/>
+          <a:p>
+            <a:pPr marL="285750" indent="-285750" algn="l" rtl="0">
+              <a:buFont typeface="Arial" panose="020B0604020202020204" pitchFamily="34" charset="0"/>
+              <a:buChar char="•"/>
+            </a:pPr>
+            <a:r>
+              <a:rPr lang="it-IT" sz="1400" b="1" dirty="0">
+                <a:effectLst/>
+                <a:latin typeface="Arial" panose="020B0604020202020204" pitchFamily="34" charset="0"/>
+              </a:rPr>
+              <a:t>agency.txt</a:t>
+            </a:r>
+            <a:endParaRPr lang="it-IT" sz="1400" b="1" dirty="0">
+              <a:latin typeface="Arial" panose="020B0604020202020204" pitchFamily="34" charset="0"/>
+            </a:endParaRPr>
+          </a:p>
+          <a:p>
+            <a:pPr marL="285750" indent="-285750" algn="l" rtl="0">
+              <a:buFont typeface="Arial" panose="020B0604020202020204" pitchFamily="34" charset="0"/>
+              <a:buChar char="•"/>
+            </a:pPr>
+            <a:r>
+              <a:rPr lang="it-IT" sz="1400" b="1" dirty="0">
+                <a:effectLst/>
+                <a:latin typeface="Arial" panose="020B0604020202020204" pitchFamily="34" charset="0"/>
+              </a:rPr>
+              <a:t>calendar.txt</a:t>
+            </a:r>
+            <a:endParaRPr lang="it-IT" sz="1400" b="1" dirty="0">
+              <a:latin typeface="Arial" panose="020B0604020202020204" pitchFamily="34" charset="0"/>
+            </a:endParaRPr>
+          </a:p>
+          <a:p>
+            <a:pPr marL="285750" indent="-285750" algn="l" rtl="0">
+              <a:buFont typeface="Arial" panose="020B0604020202020204" pitchFamily="34" charset="0"/>
+              <a:buChar char="•"/>
+            </a:pPr>
+            <a:r>
+              <a:rPr lang="it-IT" sz="1400" b="1" dirty="0" err="1">
+                <a:effectLst/>
+                <a:latin typeface="Arial" panose="020B0604020202020204" pitchFamily="34" charset="0"/>
+              </a:rPr>
+              <a:t>calendar</a:t>
+            </a:r>
+            <a:r>
+              <a:rPr lang="it-IT" sz="1400" b="1" dirty="0">
+                <a:effectLst/>
+                <a:latin typeface="Arial" panose="020B0604020202020204" pitchFamily="34" charset="0"/>
+              </a:rPr>
+              <a:t> dates.txt</a:t>
+            </a:r>
+            <a:endParaRPr lang="it-IT" sz="1400" b="1" dirty="0">
+              <a:latin typeface="Arial" panose="020B0604020202020204" pitchFamily="34" charset="0"/>
+            </a:endParaRPr>
+          </a:p>
+          <a:p>
+            <a:pPr marL="285750" indent="-285750" algn="l" rtl="0">
+              <a:buFont typeface="Arial" panose="020B0604020202020204" pitchFamily="34" charset="0"/>
+              <a:buChar char="•"/>
+            </a:pPr>
+            <a:r>
+              <a:rPr lang="it-IT" sz="1400" b="1" dirty="0">
+                <a:effectLst/>
+                <a:latin typeface="Arial" panose="020B0604020202020204" pitchFamily="34" charset="0"/>
+              </a:rPr>
+              <a:t>routes.txt</a:t>
+            </a:r>
+            <a:endParaRPr lang="it-IT" sz="1400" b="1" dirty="0">
+              <a:latin typeface="Arial" panose="020B0604020202020204" pitchFamily="34" charset="0"/>
+            </a:endParaRPr>
+          </a:p>
+          <a:p>
+            <a:pPr marL="285750" indent="-285750" algn="l" rtl="0">
+              <a:buFont typeface="Arial" panose="020B0604020202020204" pitchFamily="34" charset="0"/>
+              <a:buChar char="•"/>
+            </a:pPr>
+            <a:r>
+              <a:rPr lang="it-IT" sz="1400" b="1" dirty="0">
+                <a:effectLst/>
+                <a:latin typeface="Arial" panose="020B0604020202020204" pitchFamily="34" charset="0"/>
+              </a:rPr>
+              <a:t>stop times.txt</a:t>
+            </a:r>
+            <a:endParaRPr lang="it-IT" sz="1400" b="1" dirty="0">
+              <a:latin typeface="Arial" panose="020B0604020202020204" pitchFamily="34" charset="0"/>
+            </a:endParaRPr>
+          </a:p>
+          <a:p>
+            <a:pPr marL="285750" indent="-285750" algn="l" rtl="0">
+              <a:buFont typeface="Arial" panose="020B0604020202020204" pitchFamily="34" charset="0"/>
+              <a:buChar char="•"/>
+            </a:pPr>
+            <a:r>
+              <a:rPr lang="it-IT" sz="1400" b="1" dirty="0">
+                <a:effectLst/>
+                <a:latin typeface="Arial" panose="020B0604020202020204" pitchFamily="34" charset="0"/>
+              </a:rPr>
+              <a:t>stops.txt</a:t>
+            </a:r>
+            <a:endParaRPr lang="it-IT" sz="1400" b="1" dirty="0">
+              <a:latin typeface="Arial" panose="020B0604020202020204" pitchFamily="34" charset="0"/>
+            </a:endParaRPr>
+          </a:p>
+          <a:p>
+            <a:pPr marL="285750" indent="-285750" algn="l" rtl="0">
+              <a:buFont typeface="Arial" panose="020B0604020202020204" pitchFamily="34" charset="0"/>
+              <a:buChar char="•"/>
+            </a:pPr>
+            <a:r>
+              <a:rPr lang="it-IT" sz="1400" b="1" dirty="0">
+                <a:effectLst/>
+                <a:latin typeface="Arial" panose="020B0604020202020204" pitchFamily="34" charset="0"/>
+              </a:rPr>
+              <a:t>trips.txt</a:t>
+            </a:r>
+            <a:endParaRPr lang="it-IT" sz="1400" b="1" dirty="0">
+              <a:effectLst/>
+            </a:endParaRPr>
+          </a:p>
+        </p:txBody>
+      </p:sp>
+      <p:pic>
+        <p:nvPicPr>
+          <p:cNvPr id="9" name="Immagine 8">
+            <a:extLst>
+              <a:ext uri="{FF2B5EF4-FFF2-40B4-BE49-F238E27FC236}">
+                <a16:creationId xmlns:a16="http://schemas.microsoft.com/office/drawing/2014/main" id="{DF5B2F62-A835-F5F8-6626-3EA155BF19F1}"/>
+              </a:ext>
+            </a:extLst>
+          </p:cNvPr>
+          <p:cNvPicPr>
+            <a:picLocks noChangeAspect="1"/>
+          </p:cNvPicPr>
+          <p:nvPr/>
+        </p:nvPicPr>
+        <p:blipFill>
+          <a:blip r:embed="rId4">
+            <a:extLst>
+              <a:ext uri="{28A0092B-C50C-407E-A947-70E740481C1C}">
+                <a14:useLocalDpi xmlns:a14="http://schemas.microsoft.com/office/drawing/2010/main" val="0"/>
+              </a:ext>
+            </a:extLst>
+          </a:blip>
+          <a:stretch>
+            <a:fillRect/>
+          </a:stretch>
+        </p:blipFill>
+        <p:spPr>
+          <a:xfrm>
+            <a:off x="8155695" y="1117285"/>
+            <a:ext cx="2143125" cy="2143125"/>
+          </a:xfrm>
+          <a:prstGeom prst="rect">
+            <a:avLst/>
+          </a:prstGeom>
+        </p:spPr>
+      </p:pic>
+      <p:sp>
+        <p:nvSpPr>
+          <p:cNvPr id="10" name="Freccia a destra 9">
+            <a:extLst>
+              <a:ext uri="{FF2B5EF4-FFF2-40B4-BE49-F238E27FC236}">
+                <a16:creationId xmlns:a16="http://schemas.microsoft.com/office/drawing/2014/main" id="{AB62A98A-3524-FC0B-F399-DFF728A508B9}"/>
+              </a:ext>
+            </a:extLst>
+          </p:cNvPr>
+          <p:cNvSpPr/>
+          <p:nvPr/>
+        </p:nvSpPr>
+        <p:spPr>
+          <a:xfrm>
+            <a:off x="4828436" y="1731145"/>
+            <a:ext cx="2535128" cy="497150"/>
+          </a:xfrm>
+          <a:prstGeom prst="rightArrow">
+            <a:avLst/>
+          </a:prstGeom>
+          <a:solidFill>
+            <a:srgbClr val="00B050">
+              <a:alpha val="30000"/>
+            </a:srgbClr>
+          </a:solidFill>
+          <a:ln>
+            <a:solidFill>
+              <a:srgbClr val="C00000">
+                <a:alpha val="30000"/>
+              </a:srgbClr>
+            </a:solidFill>
+          </a:ln>
+        </p:spPr>
+        <p:style>
+          <a:lnRef idx="2">
+            <a:schemeClr val="accent1">
+              <a:shade val="50000"/>
+            </a:schemeClr>
+          </a:lnRef>
+          <a:fillRef idx="1">
+            <a:schemeClr val="accent1"/>
+          </a:fillRef>
+          <a:effectRef idx="0">
+            <a:schemeClr val="accent1"/>
+          </a:effectRef>
+          <a:fontRef idx="minor">
+            <a:schemeClr val="lt1"/>
+          </a:fontRef>
+        </p:style>
+        <p:txBody>
+          <a:bodyPr rtlCol="0" anchor="ctr"/>
+          <a:lstStyle/>
+          <a:p>
+            <a:pPr algn="ctr"/>
+            <a:endParaRPr lang="it-IT" dirty="0"/>
           </a:p>
         </p:txBody>
       </p:sp>
       <p:sp>
         <p:nvSpPr>
-          <p:cNvPr id="3" name="Segnaposto contenuto 2">
+          <p:cNvPr id="12" name="CasellaDiTesto 11">
             <a:extLst>
               <a:ext uri="{FF2B5EF4-FFF2-40B4-BE49-F238E27FC236}">
-                <a16:creationId xmlns:a16="http://schemas.microsoft.com/office/drawing/2014/main" id="{C9261805-0F14-C3CA-249F-A1A4258D53B5}"/>
+                <a16:creationId xmlns:a16="http://schemas.microsoft.com/office/drawing/2014/main" id="{D908DD86-056D-F164-E36D-E98DAD0ABB48}"/>
               </a:ext>
             </a:extLst>
           </p:cNvPr>
-          <p:cNvSpPr>
-            <a:spLocks noGrp="1"/>
-          </p:cNvSpPr>
-          <p:nvPr>
-            <p:ph idx="1"/>
-          </p:nvPr>
+          <p:cNvSpPr txBox="1"/>
+          <p:nvPr/>
         </p:nvSpPr>
-        <p:spPr/>
+        <p:spPr>
+          <a:xfrm>
+            <a:off x="10354802" y="1731145"/>
+            <a:ext cx="1532398" cy="707886"/>
+          </a:xfrm>
+          <a:prstGeom prst="rect">
+            <a:avLst/>
+          </a:prstGeom>
+          <a:noFill/>
+        </p:spPr>
         <p:txBody>
-          <a:bodyPr/>
+          <a:bodyPr wrap="square" rtlCol="0">
+            <a:spAutoFit/>
+          </a:bodyPr>
           <a:lstStyle/>
           <a:p>
+            <a:pPr algn="ctr" rtl="0"/>
+            <a:r>
+              <a:rPr lang="it-IT" sz="2000" b="1" dirty="0">
+                <a:effectLst/>
+              </a:rPr>
+              <a:t>Database</a:t>
+            </a:r>
+          </a:p>
+          <a:p>
+            <a:pPr algn="ctr" rtl="0"/>
+            <a:r>
+              <a:rPr lang="it-IT" sz="2000" b="1" dirty="0">
+                <a:effectLst/>
+              </a:rPr>
+              <a:t>relazionale</a:t>
+            </a:r>
+          </a:p>
+        </p:txBody>
+      </p:sp>
+      <p:sp>
+        <p:nvSpPr>
+          <p:cNvPr id="13" name="Freccia a destra 12">
+            <a:extLst>
+              <a:ext uri="{FF2B5EF4-FFF2-40B4-BE49-F238E27FC236}">
+                <a16:creationId xmlns:a16="http://schemas.microsoft.com/office/drawing/2014/main" id="{4D3EBD06-B5AE-C397-5100-4CDAEC8EE50E}"/>
+              </a:ext>
+            </a:extLst>
+          </p:cNvPr>
+          <p:cNvSpPr/>
+          <p:nvPr/>
+        </p:nvSpPr>
+        <p:spPr>
+          <a:xfrm rot="5400000">
+            <a:off x="8392138" y="3685186"/>
+            <a:ext cx="1346701" cy="497150"/>
+          </a:xfrm>
+          <a:prstGeom prst="rightArrow">
+            <a:avLst/>
+          </a:prstGeom>
+          <a:solidFill>
+            <a:srgbClr val="00B050">
+              <a:alpha val="30000"/>
+            </a:srgbClr>
+          </a:solidFill>
+          <a:ln>
+            <a:solidFill>
+              <a:srgbClr val="C00000">
+                <a:alpha val="30000"/>
+              </a:srgbClr>
+            </a:solidFill>
+          </a:ln>
+        </p:spPr>
+        <p:style>
+          <a:lnRef idx="2">
+            <a:schemeClr val="accent1">
+              <a:shade val="50000"/>
+            </a:schemeClr>
+          </a:lnRef>
+          <a:fillRef idx="1">
+            <a:schemeClr val="accent1"/>
+          </a:fillRef>
+          <a:effectRef idx="0">
+            <a:schemeClr val="accent1"/>
+          </a:effectRef>
+          <a:fontRef idx="minor">
+            <a:schemeClr val="lt1"/>
+          </a:fontRef>
+        </p:style>
+        <p:txBody>
+          <a:bodyPr rtlCol="0" anchor="ctr"/>
+          <a:lstStyle/>
+          <a:p>
+            <a:pPr algn="ctr"/>
             <a:endParaRPr lang="it-IT" dirty="0"/>
+          </a:p>
+        </p:txBody>
+      </p:sp>
+      <p:pic>
+        <p:nvPicPr>
+          <p:cNvPr id="14" name="Immagine 13">
+            <a:extLst>
+              <a:ext uri="{FF2B5EF4-FFF2-40B4-BE49-F238E27FC236}">
+                <a16:creationId xmlns:a16="http://schemas.microsoft.com/office/drawing/2014/main" id="{C690E103-A008-0BE5-81A2-DD6A65E9DEA2}"/>
+              </a:ext>
+            </a:extLst>
+          </p:cNvPr>
+          <p:cNvPicPr>
+            <a:picLocks noChangeAspect="1"/>
+          </p:cNvPicPr>
+          <p:nvPr/>
+        </p:nvPicPr>
+        <p:blipFill>
+          <a:blip r:embed="rId5">
+            <a:extLst>
+              <a:ext uri="{28A0092B-C50C-407E-A947-70E740481C1C}">
+                <a14:useLocalDpi xmlns:a14="http://schemas.microsoft.com/office/drawing/2010/main" val="0"/>
+              </a:ext>
+            </a:extLst>
+          </a:blip>
+          <a:stretch>
+            <a:fillRect/>
+          </a:stretch>
+        </p:blipFill>
+        <p:spPr>
+          <a:xfrm>
+            <a:off x="7915550" y="4571422"/>
+            <a:ext cx="2107435" cy="2107435"/>
+          </a:xfrm>
+          <a:prstGeom prst="rect">
+            <a:avLst/>
+          </a:prstGeom>
+        </p:spPr>
+      </p:pic>
+      <p:sp>
+        <p:nvSpPr>
+          <p:cNvPr id="16" name="CasellaDiTesto 15">
+            <a:extLst>
+              <a:ext uri="{FF2B5EF4-FFF2-40B4-BE49-F238E27FC236}">
+                <a16:creationId xmlns:a16="http://schemas.microsoft.com/office/drawing/2014/main" id="{4F2D4735-63EA-F0C2-3753-BF0A63A65BB6}"/>
+              </a:ext>
+            </a:extLst>
+          </p:cNvPr>
+          <p:cNvSpPr txBox="1"/>
+          <p:nvPr/>
+        </p:nvSpPr>
+        <p:spPr>
+          <a:xfrm>
+            <a:off x="10354802" y="5728517"/>
+            <a:ext cx="1532397" cy="400110"/>
+          </a:xfrm>
+          <a:prstGeom prst="rect">
+            <a:avLst/>
+          </a:prstGeom>
+          <a:noFill/>
+        </p:spPr>
+        <p:txBody>
+          <a:bodyPr wrap="square" rtlCol="0">
+            <a:spAutoFit/>
+          </a:bodyPr>
+          <a:lstStyle/>
+          <a:p>
+            <a:pPr algn="ctr" rtl="0"/>
+            <a:r>
+              <a:rPr lang="it-IT" sz="2000" b="1" dirty="0">
+                <a:effectLst/>
+              </a:rPr>
+              <a:t>Pulizia </a:t>
+            </a:r>
+            <a:r>
+              <a:rPr lang="it-IT" sz="2000" b="1" dirty="0"/>
+              <a:t>errori</a:t>
+            </a:r>
+            <a:endParaRPr lang="it-IT" sz="2000" b="1" dirty="0">
+              <a:effectLst/>
+            </a:endParaRPr>
+          </a:p>
+        </p:txBody>
+      </p:sp>
+      <p:pic>
+        <p:nvPicPr>
+          <p:cNvPr id="17" name="Immagine 16" descr="Immagine che contiene ragnatela&#10;&#10;Descrizione generata automaticamente">
+            <a:extLst>
+              <a:ext uri="{FF2B5EF4-FFF2-40B4-BE49-F238E27FC236}">
+                <a16:creationId xmlns:a16="http://schemas.microsoft.com/office/drawing/2014/main" id="{C68D3074-F5D4-76D0-9E9E-2C312C71A232}"/>
+              </a:ext>
+            </a:extLst>
+          </p:cNvPr>
+          <p:cNvPicPr>
+            <a:picLocks noChangeAspect="1"/>
+          </p:cNvPicPr>
+          <p:nvPr/>
+        </p:nvPicPr>
+        <p:blipFill>
+          <a:blip r:embed="rId6">
+            <a:extLst>
+              <a:ext uri="{28A0092B-C50C-407E-A947-70E740481C1C}">
+                <a14:useLocalDpi xmlns:a14="http://schemas.microsoft.com/office/drawing/2010/main" val="0"/>
+              </a:ext>
+            </a:extLst>
+          </a:blip>
+          <a:stretch>
+            <a:fillRect/>
+          </a:stretch>
+        </p:blipFill>
+        <p:spPr>
+          <a:xfrm>
+            <a:off x="-13350" y="3048000"/>
+            <a:ext cx="5695950" cy="3810000"/>
+          </a:xfrm>
+          <a:prstGeom prst="rect">
+            <a:avLst/>
+          </a:prstGeom>
+        </p:spPr>
+      </p:pic>
+      <p:sp>
+        <p:nvSpPr>
+          <p:cNvPr id="19" name="Freccia a destra 18">
+            <a:extLst>
+              <a:ext uri="{FF2B5EF4-FFF2-40B4-BE49-F238E27FC236}">
+                <a16:creationId xmlns:a16="http://schemas.microsoft.com/office/drawing/2014/main" id="{D4F7E519-C742-A9EA-4E5E-5144ED32C24F}"/>
+              </a:ext>
+            </a:extLst>
+          </p:cNvPr>
+          <p:cNvSpPr/>
+          <p:nvPr/>
+        </p:nvSpPr>
+        <p:spPr>
+          <a:xfrm rot="10800000">
+            <a:off x="4828435" y="5679997"/>
+            <a:ext cx="2535128" cy="497150"/>
+          </a:xfrm>
+          <a:prstGeom prst="rightArrow">
+            <a:avLst/>
+          </a:prstGeom>
+          <a:solidFill>
+            <a:srgbClr val="00B050">
+              <a:alpha val="30000"/>
+            </a:srgbClr>
+          </a:solidFill>
+          <a:ln>
+            <a:solidFill>
+              <a:srgbClr val="C00000">
+                <a:alpha val="30000"/>
+              </a:srgbClr>
+            </a:solidFill>
+          </a:ln>
+        </p:spPr>
+        <p:style>
+          <a:lnRef idx="2">
+            <a:schemeClr val="accent1">
+              <a:shade val="50000"/>
+            </a:schemeClr>
+          </a:lnRef>
+          <a:fillRef idx="1">
+            <a:schemeClr val="accent1"/>
+          </a:fillRef>
+          <a:effectRef idx="0">
+            <a:schemeClr val="accent1"/>
+          </a:effectRef>
+          <a:fontRef idx="minor">
+            <a:schemeClr val="lt1"/>
+          </a:fontRef>
+        </p:style>
+        <p:txBody>
+          <a:bodyPr rtlCol="0" anchor="ctr"/>
+          <a:lstStyle/>
+          <a:p>
+            <a:pPr algn="ctr"/>
+            <a:endParaRPr lang="it-IT" dirty="0"/>
+          </a:p>
+        </p:txBody>
+      </p:sp>
+      <p:sp>
+        <p:nvSpPr>
+          <p:cNvPr id="20" name="CasellaDiTesto 19">
+            <a:extLst>
+              <a:ext uri="{FF2B5EF4-FFF2-40B4-BE49-F238E27FC236}">
+                <a16:creationId xmlns:a16="http://schemas.microsoft.com/office/drawing/2014/main" id="{0642CFC8-9139-A51E-0C89-76347ED4BA3E}"/>
+              </a:ext>
+            </a:extLst>
+          </p:cNvPr>
+          <p:cNvSpPr txBox="1"/>
+          <p:nvPr/>
+        </p:nvSpPr>
+        <p:spPr>
+          <a:xfrm>
+            <a:off x="2471691" y="4207002"/>
+            <a:ext cx="2047559" cy="400110"/>
+          </a:xfrm>
+          <a:prstGeom prst="rect">
+            <a:avLst/>
+          </a:prstGeom>
+          <a:noFill/>
+        </p:spPr>
+        <p:txBody>
+          <a:bodyPr wrap="square" rtlCol="0">
+            <a:spAutoFit/>
+          </a:bodyPr>
+          <a:lstStyle/>
+          <a:p>
+            <a:pPr algn="ctr" rtl="0"/>
+            <a:r>
+              <a:rPr lang="it-IT" sz="2000" b="1" dirty="0">
+                <a:effectLst/>
+              </a:rPr>
+              <a:t>Trasformazione</a:t>
+            </a:r>
+          </a:p>
+        </p:txBody>
+      </p:sp>
+      <p:sp>
+        <p:nvSpPr>
+          <p:cNvPr id="23" name="CasellaDiTesto 22">
+            <a:extLst>
+              <a:ext uri="{FF2B5EF4-FFF2-40B4-BE49-F238E27FC236}">
+                <a16:creationId xmlns:a16="http://schemas.microsoft.com/office/drawing/2014/main" id="{8B83057D-6C4B-29F4-6639-7A072511212D}"/>
+              </a:ext>
+            </a:extLst>
+          </p:cNvPr>
+          <p:cNvSpPr txBox="1"/>
+          <p:nvPr/>
+        </p:nvSpPr>
+        <p:spPr>
+          <a:xfrm>
+            <a:off x="3451743" y="4917253"/>
+            <a:ext cx="2047559" cy="707886"/>
+          </a:xfrm>
+          <a:prstGeom prst="rect">
+            <a:avLst/>
+          </a:prstGeom>
+          <a:noFill/>
+        </p:spPr>
+        <p:txBody>
+          <a:bodyPr wrap="square" rtlCol="0">
+            <a:spAutoFit/>
+          </a:bodyPr>
+          <a:lstStyle/>
+          <a:p>
+            <a:pPr algn="ctr" rtl="0"/>
+            <a:r>
+              <a:rPr lang="it-IT" sz="2000" b="1" dirty="0">
+                <a:effectLst/>
+              </a:rPr>
+              <a:t>Grafo</a:t>
+            </a:r>
+          </a:p>
+          <a:p>
+            <a:pPr algn="ctr" rtl="0"/>
+            <a:r>
+              <a:rPr lang="it-IT" sz="2000" b="1" dirty="0" err="1"/>
+              <a:t>Lspace</a:t>
+            </a:r>
+            <a:endParaRPr lang="it-IT" sz="2000" b="1" dirty="0">
+              <a:effectLst/>
+            </a:endParaRPr>
           </a:p>
         </p:txBody>
       </p:sp>
     </p:spTree>
     <p:extLst>
       <p:ext uri="{BB962C8B-B14F-4D97-AF65-F5344CB8AC3E}">
-        <p14:creationId xmlns:p14="http://schemas.microsoft.com/office/powerpoint/2010/main" val="1057040434"/>
+        <p14:creationId xmlns:p14="http://schemas.microsoft.com/office/powerpoint/2010/main" val="1133019193"/>
       </p:ext>
     </p:extLst>
   </p:cSld>
@@ -6357,10 +10616,48 @@
       </p:grpSpPr>
       <p:sp>
         <p:nvSpPr>
-          <p:cNvPr id="2" name="Titolo 1">
+          <p:cNvPr id="3" name="Segnaposto contenuto 2">
             <a:extLst>
               <a:ext uri="{FF2B5EF4-FFF2-40B4-BE49-F238E27FC236}">
-                <a16:creationId xmlns:a16="http://schemas.microsoft.com/office/drawing/2014/main" id="{470C918C-E21E-4640-6912-F58466DAA7F1}"/>
+                <a16:creationId xmlns:a16="http://schemas.microsoft.com/office/drawing/2014/main" id="{C9261805-0F14-C3CA-249F-A1A4258D53B5}"/>
+              </a:ext>
+            </a:extLst>
+          </p:cNvPr>
+          <p:cNvSpPr>
+            <a:spLocks noGrp="1"/>
+          </p:cNvSpPr>
+          <p:nvPr>
+            <p:ph idx="1"/>
+          </p:nvPr>
+        </p:nvSpPr>
+        <p:spPr>
+          <a:xfrm>
+            <a:off x="3683123" y="3429000"/>
+            <a:ext cx="4484333" cy="420425"/>
+          </a:xfrm>
+        </p:spPr>
+        <p:txBody>
+          <a:bodyPr>
+            <a:normAutofit fontScale="92500" lnSpcReduction="10000"/>
+          </a:bodyPr>
+          <a:lstStyle/>
+          <a:p>
+            <a:pPr marL="0" indent="0" algn="ctr">
+              <a:buNone/>
+            </a:pPr>
+            <a:r>
+              <a:rPr lang="it-IT" dirty="0"/>
+              <a:t>INSERIRE IMMAGINE NETWORK</a:t>
+            </a:r>
+          </a:p>
+        </p:txBody>
+      </p:sp>
+      <p:sp>
+        <p:nvSpPr>
+          <p:cNvPr id="7" name="Titolo 1">
+            <a:extLst>
+              <a:ext uri="{FF2B5EF4-FFF2-40B4-BE49-F238E27FC236}">
+                <a16:creationId xmlns:a16="http://schemas.microsoft.com/office/drawing/2014/main" id="{17B06C31-F6F6-21E4-30FE-502265A0B9F4}"/>
               </a:ext>
             </a:extLst>
           </p:cNvPr>
@@ -6371,37 +10668,26 @@
             <p:ph type="title"/>
           </p:nvPr>
         </p:nvSpPr>
-        <p:spPr/>
+        <p:spPr>
+          <a:xfrm>
+            <a:off x="838200" y="143453"/>
+            <a:ext cx="10515600" cy="835602"/>
+          </a:xfrm>
+        </p:spPr>
         <p:txBody>
           <a:bodyPr/>
           <a:lstStyle/>
           <a:p>
-            <a:endParaRPr lang="it-IT"/>
-          </a:p>
-        </p:txBody>
-      </p:sp>
-      <p:sp>
-        <p:nvSpPr>
-          <p:cNvPr id="3" name="Segnaposto contenuto 2">
-            <a:extLst>
-              <a:ext uri="{FF2B5EF4-FFF2-40B4-BE49-F238E27FC236}">
-                <a16:creationId xmlns:a16="http://schemas.microsoft.com/office/drawing/2014/main" id="{C9261805-0F14-C3CA-249F-A1A4258D53B5}"/>
-              </a:ext>
-            </a:extLst>
-          </p:cNvPr>
-          <p:cNvSpPr>
-            <a:spLocks noGrp="1"/>
-          </p:cNvSpPr>
-          <p:nvPr>
-            <p:ph idx="1"/>
-          </p:nvPr>
-        </p:nvSpPr>
-        <p:spPr/>
-        <p:txBody>
-          <a:bodyPr/>
-          <a:lstStyle/>
-          <a:p>
-            <a:endParaRPr lang="it-IT" dirty="0"/>
+            <a:pPr algn="ctr"/>
+            <a:r>
+              <a:rPr lang="it-IT" b="1" dirty="0">
+                <a:solidFill>
+                  <a:srgbClr val="FF0000"/>
+                </a:solidFill>
+                <a:cs typeface="Arial" panose="020B0604020202020204" pitchFamily="34" charset="0"/>
+              </a:rPr>
+              <a:t>NETWORK</a:t>
+            </a:r>
           </a:p>
         </p:txBody>
       </p:sp>
@@ -6451,10 +10737,114 @@
       </p:grpSpPr>
       <p:sp>
         <p:nvSpPr>
-          <p:cNvPr id="2" name="Titolo 1">
+          <p:cNvPr id="3" name="Segnaposto contenuto 2">
             <a:extLst>
               <a:ext uri="{FF2B5EF4-FFF2-40B4-BE49-F238E27FC236}">
-                <a16:creationId xmlns:a16="http://schemas.microsoft.com/office/drawing/2014/main" id="{470C918C-E21E-4640-6912-F58466DAA7F1}"/>
+                <a16:creationId xmlns:a16="http://schemas.microsoft.com/office/drawing/2014/main" id="{C9261805-0F14-C3CA-249F-A1A4258D53B5}"/>
+              </a:ext>
+            </a:extLst>
+          </p:cNvPr>
+          <p:cNvSpPr>
+            <a:spLocks noGrp="1"/>
+          </p:cNvSpPr>
+          <p:nvPr>
+            <p:ph idx="1"/>
+          </p:nvPr>
+        </p:nvSpPr>
+        <p:spPr>
+          <a:xfrm>
+            <a:off x="390917" y="897538"/>
+            <a:ext cx="11404107" cy="2030475"/>
+          </a:xfrm>
+        </p:spPr>
+        <p:txBody>
+          <a:bodyPr>
+            <a:normAutofit lnSpcReduction="10000"/>
+          </a:bodyPr>
+          <a:lstStyle/>
+          <a:p>
+            <a:pPr marL="0" indent="0" algn="ctr">
+              <a:lnSpc>
+                <a:spcPct val="150000"/>
+              </a:lnSpc>
+              <a:buNone/>
+            </a:pPr>
+            <a:r>
+              <a:rPr lang="it-IT" sz="1800" b="0" i="0" dirty="0">
+                <a:effectLst/>
+              </a:rPr>
+              <a:t>La rete si presenta come un grafo diretto con vertici etichettati:</a:t>
+            </a:r>
+          </a:p>
+          <a:p>
+            <a:pPr marL="0" indent="0" algn="ctr">
+              <a:lnSpc>
+                <a:spcPct val="150000"/>
+              </a:lnSpc>
+              <a:buNone/>
+            </a:pPr>
+            <a:r>
+              <a:rPr lang="it-IT" sz="1800" b="1" i="1" dirty="0">
+                <a:effectLst/>
+              </a:rPr>
+              <a:t>Aprile 2022</a:t>
+            </a:r>
+            <a:r>
+              <a:rPr lang="it-IT" sz="1800" b="0" i="0" dirty="0">
+                <a:effectLst/>
+              </a:rPr>
+              <a:t>: 428 nodi e 1173 archi.</a:t>
+            </a:r>
+          </a:p>
+          <a:p>
+            <a:pPr marL="0" indent="0" algn="ctr">
+              <a:lnSpc>
+                <a:spcPct val="150000"/>
+              </a:lnSpc>
+              <a:buNone/>
+            </a:pPr>
+            <a:r>
+              <a:rPr lang="it-IT" sz="1800" b="1" i="1" dirty="0">
+                <a:effectLst/>
+              </a:rPr>
+              <a:t>Gennaio 2021</a:t>
+            </a:r>
+            <a:r>
+              <a:rPr lang="it-IT" sz="1800" b="0" i="0" dirty="0">
+                <a:effectLst/>
+              </a:rPr>
+              <a:t>: 432 nodi e 1140 archi</a:t>
+            </a:r>
+          </a:p>
+          <a:p>
+            <a:pPr marL="0" indent="0" algn="ctr">
+              <a:lnSpc>
+                <a:spcPct val="150000"/>
+              </a:lnSpc>
+              <a:buNone/>
+            </a:pPr>
+            <a:r>
+              <a:rPr lang="it-IT" sz="1800" b="1" i="1" dirty="0">
+                <a:effectLst/>
+              </a:rPr>
+              <a:t>Dicembre 2019</a:t>
+            </a:r>
+            <a:r>
+              <a:rPr lang="it-IT" sz="1800" b="0" i="0" dirty="0">
+                <a:effectLst/>
+              </a:rPr>
+              <a:t>: 429 nodi e 1175 archi</a:t>
+            </a:r>
+            <a:endParaRPr lang="it-IT" sz="1800" dirty="0"/>
+          </a:p>
+        </p:txBody>
+      </p:sp>
+      <p:sp>
+        <p:nvSpPr>
+          <p:cNvPr id="5" name="Titolo 1">
+            <a:extLst>
+              <a:ext uri="{FF2B5EF4-FFF2-40B4-BE49-F238E27FC236}">
+                <a16:creationId xmlns:a16="http://schemas.microsoft.com/office/drawing/2014/main" id="{FAF3D910-177A-F381-2FDA-11F3F69F4BF3}"/>
               </a:ext>
             </a:extLst>
           </p:cNvPr>
@@ -6465,37 +10855,653 @@
             <p:ph type="title"/>
           </p:nvPr>
         </p:nvSpPr>
-        <p:spPr/>
+        <p:spPr>
+          <a:xfrm>
+            <a:off x="838200" y="143453"/>
+            <a:ext cx="10515600" cy="835602"/>
+          </a:xfrm>
+        </p:spPr>
         <p:txBody>
           <a:bodyPr/>
           <a:lstStyle/>
           <a:p>
-            <a:endParaRPr lang="it-IT"/>
+            <a:pPr algn="ctr"/>
+            <a:r>
+              <a:rPr lang="it-IT" b="1" dirty="0">
+                <a:solidFill>
+                  <a:srgbClr val="FF0000"/>
+                </a:solidFill>
+                <a:cs typeface="Arial" panose="020B0604020202020204" pitchFamily="34" charset="0"/>
+              </a:rPr>
+              <a:t>Come è strutturata la rete?</a:t>
+            </a:r>
           </a:p>
         </p:txBody>
       </p:sp>
       <p:sp>
         <p:nvSpPr>
-          <p:cNvPr id="3" name="Segnaposto contenuto 2">
+          <p:cNvPr id="6" name="Ovale 5">
             <a:extLst>
               <a:ext uri="{FF2B5EF4-FFF2-40B4-BE49-F238E27FC236}">
-                <a16:creationId xmlns:a16="http://schemas.microsoft.com/office/drawing/2014/main" id="{C9261805-0F14-C3CA-249F-A1A4258D53B5}"/>
+                <a16:creationId xmlns:a16="http://schemas.microsoft.com/office/drawing/2014/main" id="{69E3FCAF-A3C7-BFD6-919C-7B93180DEE9A}"/>
               </a:ext>
             </a:extLst>
           </p:cNvPr>
-          <p:cNvSpPr>
-            <a:spLocks noGrp="1"/>
-          </p:cNvSpPr>
-          <p:nvPr>
-            <p:ph idx="1"/>
-          </p:nvPr>
+          <p:cNvSpPr/>
+          <p:nvPr/>
         </p:nvSpPr>
-        <p:spPr/>
+        <p:spPr>
+          <a:xfrm>
+            <a:off x="292223" y="4800117"/>
+            <a:ext cx="1091953" cy="1091953"/>
+          </a:xfrm>
+          <a:prstGeom prst="ellipse">
+            <a:avLst/>
+          </a:prstGeom>
+          <a:solidFill>
+            <a:srgbClr val="006464">
+              <a:alpha val="30000"/>
+            </a:srgbClr>
+          </a:solidFill>
+          <a:ln>
+            <a:solidFill>
+              <a:srgbClr val="C00000">
+                <a:alpha val="30000"/>
+              </a:srgbClr>
+            </a:solidFill>
+          </a:ln>
+        </p:spPr>
+        <p:style>
+          <a:lnRef idx="2">
+            <a:schemeClr val="accent1">
+              <a:shade val="50000"/>
+            </a:schemeClr>
+          </a:lnRef>
+          <a:fillRef idx="1">
+            <a:schemeClr val="accent1"/>
+          </a:fillRef>
+          <a:effectRef idx="0">
+            <a:schemeClr val="accent1"/>
+          </a:effectRef>
+          <a:fontRef idx="minor">
+            <a:schemeClr val="lt1"/>
+          </a:fontRef>
+        </p:style>
         <p:txBody>
-          <a:bodyPr/>
+          <a:bodyPr rtlCol="0" anchor="ctr"/>
           <a:lstStyle/>
           <a:p>
-            <a:endParaRPr lang="it-IT" dirty="0"/>
+            <a:pPr algn="ctr"/>
+            <a:r>
+              <a:rPr lang="it-IT" dirty="0"/>
+              <a:t>V1</a:t>
+            </a:r>
+          </a:p>
+        </p:txBody>
+      </p:sp>
+      <p:sp>
+        <p:nvSpPr>
+          <p:cNvPr id="7" name="Ovale 6">
+            <a:extLst>
+              <a:ext uri="{FF2B5EF4-FFF2-40B4-BE49-F238E27FC236}">
+                <a16:creationId xmlns:a16="http://schemas.microsoft.com/office/drawing/2014/main" id="{C72921E6-F034-2B1E-2D68-6BF96867F69C}"/>
+              </a:ext>
+            </a:extLst>
+          </p:cNvPr>
+          <p:cNvSpPr/>
+          <p:nvPr/>
+        </p:nvSpPr>
+        <p:spPr>
+          <a:xfrm>
+            <a:off x="7116713" y="4730181"/>
+            <a:ext cx="1091953" cy="1091953"/>
+          </a:xfrm>
+          <a:prstGeom prst="ellipse">
+            <a:avLst/>
+          </a:prstGeom>
+          <a:solidFill>
+            <a:srgbClr val="006464">
+              <a:alpha val="30000"/>
+            </a:srgbClr>
+          </a:solidFill>
+          <a:ln>
+            <a:solidFill>
+              <a:srgbClr val="C00000">
+                <a:alpha val="30000"/>
+              </a:srgbClr>
+            </a:solidFill>
+          </a:ln>
+        </p:spPr>
+        <p:style>
+          <a:lnRef idx="2">
+            <a:schemeClr val="accent1">
+              <a:shade val="50000"/>
+            </a:schemeClr>
+          </a:lnRef>
+          <a:fillRef idx="1">
+            <a:schemeClr val="accent1"/>
+          </a:fillRef>
+          <a:effectRef idx="0">
+            <a:schemeClr val="accent1"/>
+          </a:effectRef>
+          <a:fontRef idx="minor">
+            <a:schemeClr val="lt1"/>
+          </a:fontRef>
+        </p:style>
+        <p:txBody>
+          <a:bodyPr rtlCol="0" anchor="ctr"/>
+          <a:lstStyle/>
+          <a:p>
+            <a:pPr algn="ctr"/>
+            <a:r>
+              <a:rPr lang="it-IT" dirty="0"/>
+              <a:t>V2</a:t>
+            </a:r>
+          </a:p>
+        </p:txBody>
+      </p:sp>
+      <p:sp>
+        <p:nvSpPr>
+          <p:cNvPr id="9" name="Freccia a inversione 8">
+            <a:extLst>
+              <a:ext uri="{FF2B5EF4-FFF2-40B4-BE49-F238E27FC236}">
+                <a16:creationId xmlns:a16="http://schemas.microsoft.com/office/drawing/2014/main" id="{E1F93211-40F6-7C7E-1DFB-E179A228C6DC}"/>
+              </a:ext>
+            </a:extLst>
+          </p:cNvPr>
+          <p:cNvSpPr/>
+          <p:nvPr/>
+        </p:nvSpPr>
+        <p:spPr>
+          <a:xfrm>
+            <a:off x="659799" y="3240966"/>
+            <a:ext cx="7267960" cy="1370344"/>
+          </a:xfrm>
+          <a:prstGeom prst="uturnArrow">
+            <a:avLst>
+              <a:gd name="adj1" fmla="val 14233"/>
+              <a:gd name="adj2" fmla="val 19169"/>
+              <a:gd name="adj3" fmla="val 21761"/>
+              <a:gd name="adj4" fmla="val 43750"/>
+              <a:gd name="adj5" fmla="val 100000"/>
+            </a:avLst>
+          </a:prstGeom>
+          <a:solidFill>
+            <a:srgbClr val="006464">
+              <a:alpha val="30000"/>
+            </a:srgbClr>
+          </a:solidFill>
+          <a:ln>
+            <a:solidFill>
+              <a:srgbClr val="C00000">
+                <a:alpha val="30000"/>
+              </a:srgbClr>
+            </a:solidFill>
+          </a:ln>
+        </p:spPr>
+        <p:style>
+          <a:lnRef idx="2">
+            <a:schemeClr val="accent1">
+              <a:shade val="50000"/>
+            </a:schemeClr>
+          </a:lnRef>
+          <a:fillRef idx="1">
+            <a:schemeClr val="accent1"/>
+          </a:fillRef>
+          <a:effectRef idx="0">
+            <a:schemeClr val="accent1"/>
+          </a:effectRef>
+          <a:fontRef idx="minor">
+            <a:schemeClr val="lt1"/>
+          </a:fontRef>
+        </p:style>
+        <p:txBody>
+          <a:bodyPr rtlCol="0" anchor="ctr"/>
+          <a:lstStyle/>
+          <a:p>
+            <a:pPr algn="ctr"/>
+            <a:br>
+              <a:rPr lang="it-IT" sz="1400" b="0" i="0" dirty="0">
+                <a:solidFill>
+                  <a:schemeClr val="tx1"/>
+                </a:solidFill>
+                <a:effectLst/>
+              </a:rPr>
+            </a:br>
+            <a:endParaRPr lang="it-IT" sz="1400" b="0" i="0" dirty="0">
+              <a:solidFill>
+                <a:schemeClr val="tx1"/>
+              </a:solidFill>
+              <a:effectLst/>
+            </a:endParaRPr>
+          </a:p>
+          <a:p>
+            <a:pPr algn="ctr"/>
+            <a:endParaRPr lang="it-IT" sz="1400" dirty="0">
+              <a:solidFill>
+                <a:schemeClr val="tx1"/>
+              </a:solidFill>
+            </a:endParaRPr>
+          </a:p>
+          <a:p>
+            <a:pPr algn="ctr"/>
+            <a:r>
+              <a:rPr lang="it-IT" sz="1400" b="1" i="1" dirty="0">
+                <a:solidFill>
+                  <a:srgbClr val="FF0000"/>
+                </a:solidFill>
+              </a:rPr>
+              <a:t>L</a:t>
+            </a:r>
+            <a:r>
+              <a:rPr lang="it-IT" sz="1400" b="1" i="1" dirty="0">
+                <a:solidFill>
+                  <a:srgbClr val="FF0000"/>
+                </a:solidFill>
+                <a:effectLst/>
+              </a:rPr>
+              <a:t>abel</a:t>
+            </a:r>
+            <a:r>
+              <a:rPr lang="it-IT" sz="1400" b="0" i="0" dirty="0">
+                <a:solidFill>
+                  <a:schemeClr val="tx1"/>
+                </a:solidFill>
+                <a:effectLst/>
+              </a:rPr>
+              <a:t> : nome della tratta.</a:t>
+            </a:r>
+          </a:p>
+          <a:p>
+            <a:pPr algn="ctr"/>
+            <a:r>
+              <a:rPr lang="it-IT" sz="1400" b="1" i="1" dirty="0" err="1">
+                <a:solidFill>
+                  <a:srgbClr val="FF0000"/>
+                </a:solidFill>
+              </a:rPr>
+              <a:t>N</a:t>
+            </a:r>
+            <a:r>
+              <a:rPr lang="it-IT" sz="1400" b="1" i="1" dirty="0" err="1">
+                <a:solidFill>
+                  <a:srgbClr val="FF0000"/>
+                </a:solidFill>
+                <a:effectLst/>
+              </a:rPr>
+              <a:t>um</a:t>
+            </a:r>
+            <a:r>
+              <a:rPr lang="it-IT" sz="1400" b="1" i="1" dirty="0">
+                <a:solidFill>
+                  <a:srgbClr val="FF0000"/>
+                </a:solidFill>
+                <a:effectLst/>
+              </a:rPr>
+              <a:t> </a:t>
+            </a:r>
+            <a:r>
+              <a:rPr lang="it-IT" sz="1400" b="1" i="1" dirty="0" err="1">
+                <a:solidFill>
+                  <a:srgbClr val="FF0000"/>
+                </a:solidFill>
+                <a:effectLst/>
+              </a:rPr>
+              <a:t>train</a:t>
+            </a:r>
+            <a:r>
+              <a:rPr lang="it-IT" sz="1400" b="1" i="1" dirty="0">
+                <a:solidFill>
+                  <a:srgbClr val="FF0000"/>
+                </a:solidFill>
+                <a:effectLst/>
+              </a:rPr>
+              <a:t> </a:t>
+            </a:r>
+            <a:r>
+              <a:rPr lang="it-IT" sz="1400" b="0" i="0" dirty="0">
+                <a:solidFill>
+                  <a:schemeClr val="tx1"/>
+                </a:solidFill>
+                <a:effectLst/>
+              </a:rPr>
+              <a:t>: numero di treni giornalieri transitanti tra il nodo sorgente e target.</a:t>
+            </a:r>
+          </a:p>
+          <a:p>
+            <a:pPr algn="ctr"/>
+            <a:r>
+              <a:rPr lang="it-IT" sz="1400" b="1" i="1" dirty="0">
+                <a:solidFill>
+                  <a:srgbClr val="FF0000"/>
+                </a:solidFill>
+              </a:rPr>
+              <a:t>T</a:t>
+            </a:r>
+            <a:r>
+              <a:rPr lang="it-IT" sz="1400" b="1" i="1" dirty="0">
+                <a:solidFill>
+                  <a:srgbClr val="FF0000"/>
+                </a:solidFill>
+                <a:effectLst/>
+              </a:rPr>
+              <a:t>ime second</a:t>
+            </a:r>
+            <a:r>
+              <a:rPr lang="it-IT" sz="1400" b="1" i="0" dirty="0">
+                <a:solidFill>
+                  <a:srgbClr val="FF0000"/>
+                </a:solidFill>
+                <a:effectLst/>
+              </a:rPr>
+              <a:t> </a:t>
+            </a:r>
+            <a:r>
+              <a:rPr lang="it-IT" sz="1400" b="0" i="0" dirty="0">
+                <a:solidFill>
+                  <a:schemeClr val="tx1"/>
+                </a:solidFill>
+                <a:effectLst/>
+              </a:rPr>
+              <a:t>: tempo medio giornaliero di percorrenza </a:t>
+            </a:r>
+          </a:p>
+          <a:p>
+            <a:pPr algn="ctr"/>
+            <a:r>
+              <a:rPr lang="it-IT" sz="1400" b="0" i="0" dirty="0">
+                <a:solidFill>
+                  <a:schemeClr val="tx1"/>
+                </a:solidFill>
+                <a:effectLst/>
+              </a:rPr>
+              <a:t>dei treni transitanti sulla tratta in secondi</a:t>
+            </a:r>
+            <a:endParaRPr lang="it-IT" sz="1400" dirty="0">
+              <a:solidFill>
+                <a:schemeClr val="tx1"/>
+              </a:solidFill>
+            </a:endParaRPr>
+          </a:p>
+          <a:p>
+            <a:pPr algn="ctr"/>
+            <a:br>
+              <a:rPr lang="it-IT" sz="1400" dirty="0">
+                <a:solidFill>
+                  <a:schemeClr val="tx1"/>
+                </a:solidFill>
+              </a:rPr>
+            </a:br>
+            <a:br>
+              <a:rPr lang="it-IT" sz="1400" dirty="0">
+                <a:solidFill>
+                  <a:schemeClr val="tx1"/>
+                </a:solidFill>
+              </a:rPr>
+            </a:br>
+            <a:endParaRPr lang="it-IT" sz="1400" dirty="0">
+              <a:solidFill>
+                <a:schemeClr val="tx1"/>
+              </a:solidFill>
+            </a:endParaRPr>
+          </a:p>
+        </p:txBody>
+      </p:sp>
+      <p:sp>
+        <p:nvSpPr>
+          <p:cNvPr id="10" name="Freccia a inversione 9">
+            <a:extLst>
+              <a:ext uri="{FF2B5EF4-FFF2-40B4-BE49-F238E27FC236}">
+                <a16:creationId xmlns:a16="http://schemas.microsoft.com/office/drawing/2014/main" id="{58734324-4A92-407C-1164-766B5A67D535}"/>
+              </a:ext>
+            </a:extLst>
+          </p:cNvPr>
+          <p:cNvSpPr/>
+          <p:nvPr/>
+        </p:nvSpPr>
+        <p:spPr>
+          <a:xfrm rot="10800000">
+            <a:off x="659800" y="5960461"/>
+            <a:ext cx="7081527" cy="625823"/>
+          </a:xfrm>
+          <a:prstGeom prst="uturnArrow">
+            <a:avLst>
+              <a:gd name="adj1" fmla="val 27838"/>
+              <a:gd name="adj2" fmla="val 25000"/>
+              <a:gd name="adj3" fmla="val 25000"/>
+              <a:gd name="adj4" fmla="val 43750"/>
+              <a:gd name="adj5" fmla="val 100000"/>
+            </a:avLst>
+          </a:prstGeom>
+          <a:solidFill>
+            <a:srgbClr val="006464">
+              <a:alpha val="30000"/>
+            </a:srgbClr>
+          </a:solidFill>
+          <a:ln>
+            <a:solidFill>
+              <a:srgbClr val="C00000">
+                <a:alpha val="30000"/>
+              </a:srgbClr>
+            </a:solidFill>
+          </a:ln>
+        </p:spPr>
+        <p:style>
+          <a:lnRef idx="2">
+            <a:schemeClr val="accent1">
+              <a:shade val="50000"/>
+            </a:schemeClr>
+          </a:lnRef>
+          <a:fillRef idx="1">
+            <a:schemeClr val="accent1"/>
+          </a:fillRef>
+          <a:effectRef idx="0">
+            <a:schemeClr val="accent1"/>
+          </a:effectRef>
+          <a:fontRef idx="minor">
+            <a:schemeClr val="lt1"/>
+          </a:fontRef>
+        </p:style>
+        <p:txBody>
+          <a:bodyPr rtlCol="0" anchor="ctr"/>
+          <a:lstStyle/>
+          <a:p>
+            <a:pPr algn="ctr"/>
+            <a:endParaRPr lang="it-IT">
+              <a:solidFill>
+                <a:schemeClr val="tx1"/>
+              </a:solidFill>
+            </a:endParaRPr>
+          </a:p>
+        </p:txBody>
+      </p:sp>
+      <p:sp>
+        <p:nvSpPr>
+          <p:cNvPr id="18" name="CasellaDiTesto 17">
+            <a:extLst>
+              <a:ext uri="{FF2B5EF4-FFF2-40B4-BE49-F238E27FC236}">
+                <a16:creationId xmlns:a16="http://schemas.microsoft.com/office/drawing/2014/main" id="{79C9F64D-A977-ED2D-F6F0-1ED566B9B514}"/>
+              </a:ext>
+            </a:extLst>
+          </p:cNvPr>
+          <p:cNvSpPr txBox="1"/>
+          <p:nvPr/>
+        </p:nvSpPr>
+        <p:spPr>
+          <a:xfrm>
+            <a:off x="8398276" y="4611310"/>
+            <a:ext cx="3722703" cy="1384995"/>
+          </a:xfrm>
+          <a:prstGeom prst="rect">
+            <a:avLst/>
+          </a:prstGeom>
+          <a:noFill/>
+        </p:spPr>
+        <p:txBody>
+          <a:bodyPr wrap="square">
+            <a:spAutoFit/>
+          </a:bodyPr>
+          <a:lstStyle/>
+          <a:p>
+            <a:r>
+              <a:rPr lang="it-IT" sz="1400" b="1" i="1" dirty="0">
+                <a:solidFill>
+                  <a:srgbClr val="FF0000"/>
+                </a:solidFill>
+                <a:latin typeface="Arial" panose="020B0604020202020204" pitchFamily="34" charset="0"/>
+              </a:rPr>
+              <a:t>L</a:t>
+            </a:r>
+            <a:r>
+              <a:rPr lang="it-IT" sz="1400" b="1" i="1" dirty="0">
+                <a:solidFill>
+                  <a:srgbClr val="FF0000"/>
+                </a:solidFill>
+                <a:effectLst/>
+                <a:latin typeface="Arial" panose="020B0604020202020204" pitchFamily="34" charset="0"/>
+              </a:rPr>
+              <a:t>abel</a:t>
+            </a:r>
+            <a:r>
+              <a:rPr lang="it-IT" sz="1400" b="0" i="1" dirty="0">
+                <a:effectLst/>
+                <a:latin typeface="Arial" panose="020B0604020202020204" pitchFamily="34" charset="0"/>
+              </a:rPr>
+              <a:t> </a:t>
+            </a:r>
+            <a:r>
+              <a:rPr lang="it-IT" sz="1400" b="0" i="0" dirty="0">
+                <a:effectLst/>
+                <a:latin typeface="Arial" panose="020B0604020202020204" pitchFamily="34" charset="0"/>
+              </a:rPr>
+              <a:t>: ID della stazione.</a:t>
+            </a:r>
+            <a:br>
+              <a:rPr lang="it-IT" sz="1400" dirty="0"/>
+            </a:br>
+            <a:r>
+              <a:rPr lang="it-IT" sz="1400" b="1" i="1" dirty="0">
+                <a:solidFill>
+                  <a:srgbClr val="FF0000"/>
+                </a:solidFill>
+                <a:effectLst/>
+                <a:latin typeface="Arial" panose="020B0604020202020204" pitchFamily="34" charset="0"/>
+              </a:rPr>
+              <a:t>Name </a:t>
+            </a:r>
+            <a:r>
+              <a:rPr lang="it-IT" sz="1400" b="0" i="0" dirty="0">
+                <a:effectLst/>
+                <a:latin typeface="Arial" panose="020B0604020202020204" pitchFamily="34" charset="0"/>
+              </a:rPr>
+              <a:t>: nome della stazione.</a:t>
+            </a:r>
+          </a:p>
+          <a:p>
+            <a:r>
+              <a:rPr lang="it-IT" sz="1400" b="1" i="1" dirty="0">
+                <a:solidFill>
+                  <a:srgbClr val="FF0000"/>
+                </a:solidFill>
+                <a:latin typeface="Arial" panose="020B0604020202020204" pitchFamily="34" charset="0"/>
+              </a:rPr>
+              <a:t>T</a:t>
+            </a:r>
+            <a:r>
+              <a:rPr lang="it-IT" sz="1400" b="1" i="1" dirty="0">
+                <a:solidFill>
+                  <a:srgbClr val="FF0000"/>
+                </a:solidFill>
+                <a:effectLst/>
+                <a:latin typeface="Arial" panose="020B0604020202020204" pitchFamily="34" charset="0"/>
+              </a:rPr>
+              <a:t>otal </a:t>
+            </a:r>
+            <a:r>
+              <a:rPr lang="it-IT" sz="1400" b="1" i="1" dirty="0" err="1">
+                <a:solidFill>
+                  <a:srgbClr val="FF0000"/>
+                </a:solidFill>
+                <a:effectLst/>
+                <a:latin typeface="Arial" panose="020B0604020202020204" pitchFamily="34" charset="0"/>
+              </a:rPr>
+              <a:t>train</a:t>
+            </a:r>
+            <a:r>
+              <a:rPr lang="it-IT" sz="1400" dirty="0">
+                <a:latin typeface="Arial" panose="020B0604020202020204" pitchFamily="34" charset="0"/>
+              </a:rPr>
+              <a:t> : </a:t>
+            </a:r>
+            <a:r>
+              <a:rPr lang="it-IT" sz="1400" b="0" i="0" dirty="0">
+                <a:effectLst/>
+                <a:latin typeface="Arial" panose="020B0604020202020204" pitchFamily="34" charset="0"/>
+              </a:rPr>
+              <a:t>numero totale di treni giornalieri che eseguono una fermata nella stazione.</a:t>
+            </a:r>
+            <a:endParaRPr lang="it-IT" sz="1400" b="1" i="1" dirty="0">
+              <a:solidFill>
+                <a:srgbClr val="FF0000"/>
+              </a:solidFill>
+              <a:latin typeface="Arial" panose="020B0604020202020204" pitchFamily="34" charset="0"/>
+            </a:endParaRPr>
+          </a:p>
+          <a:p>
+            <a:r>
+              <a:rPr lang="it-IT" sz="1400" b="1" i="1" dirty="0" err="1">
+                <a:solidFill>
+                  <a:srgbClr val="FF0000"/>
+                </a:solidFill>
+                <a:latin typeface="Arial" panose="020B0604020202020204" pitchFamily="34" charset="0"/>
+              </a:rPr>
+              <a:t>L</a:t>
+            </a:r>
+            <a:r>
+              <a:rPr lang="it-IT" sz="1400" b="1" i="1" dirty="0" err="1">
+                <a:solidFill>
+                  <a:srgbClr val="FF0000"/>
+                </a:solidFill>
+                <a:effectLst/>
+                <a:latin typeface="Arial" panose="020B0604020202020204" pitchFamily="34" charset="0"/>
+              </a:rPr>
+              <a:t>at</a:t>
+            </a:r>
+            <a:r>
+              <a:rPr lang="it-IT" sz="1400" b="1" i="1" dirty="0">
+                <a:solidFill>
+                  <a:srgbClr val="FF0000"/>
+                </a:solidFill>
+                <a:effectLst/>
+                <a:latin typeface="Arial" panose="020B0604020202020204" pitchFamily="34" charset="0"/>
+              </a:rPr>
+              <a:t> </a:t>
+            </a:r>
+            <a:r>
+              <a:rPr lang="it-IT" sz="1400" b="0" i="0" dirty="0">
+                <a:effectLst/>
+                <a:latin typeface="Arial" panose="020B0604020202020204" pitchFamily="34" charset="0"/>
+              </a:rPr>
+              <a:t>: latitudine della stazione.</a:t>
+            </a:r>
+          </a:p>
+          <a:p>
+            <a:r>
+              <a:rPr lang="it-IT" sz="1400" b="1" i="1" dirty="0" err="1">
+                <a:solidFill>
+                  <a:srgbClr val="FF0000"/>
+                </a:solidFill>
+                <a:latin typeface="Arial" panose="020B0604020202020204" pitchFamily="34" charset="0"/>
+              </a:rPr>
+              <a:t>Lon</a:t>
+            </a:r>
+            <a:r>
+              <a:rPr lang="it-IT" sz="1400" dirty="0">
+                <a:latin typeface="Arial" panose="020B0604020202020204" pitchFamily="34" charset="0"/>
+              </a:rPr>
+              <a:t> : longitudine della stazione</a:t>
+            </a:r>
+            <a:endParaRPr lang="it-IT" sz="1400" dirty="0"/>
           </a:p>
         </p:txBody>
       </p:sp>
@@ -6503,6 +11509,439 @@
     <p:extLst>
       <p:ext uri="{BB962C8B-B14F-4D97-AF65-F5344CB8AC3E}">
         <p14:creationId xmlns:p14="http://schemas.microsoft.com/office/powerpoint/2010/main" val="1017237807"/>
+      </p:ext>
+    </p:extLst>
+  </p:cSld>
+  <p:clrMapOvr>
+    <a:masterClrMapping/>
+  </p:clrMapOvr>
+</p:sld>
+</file>
+
+<file path=ppt/slides/slide7.xml><?xml version="1.0" encoding="utf-8"?>
+<p:sld xmlns:a="http://schemas.openxmlformats.org/drawingml/2006/main" xmlns:r="http://schemas.openxmlformats.org/officeDocument/2006/relationships" xmlns:p="http://schemas.openxmlformats.org/presentationml/2006/main">
+  <p:cSld>
+    <p:bg>
+      <p:bgPr>
+        <a:blipFill dpi="0" rotWithShape="1">
+          <a:blip r:embed="rId2">
+            <a:lum/>
+          </a:blip>
+          <a:srcRect/>
+          <a:stretch>
+            <a:fillRect/>
+          </a:stretch>
+        </a:blipFill>
+        <a:effectLst/>
+      </p:bgPr>
+    </p:bg>
+    <p:spTree>
+      <p:nvGrpSpPr>
+        <p:cNvPr id="1" name=""/>
+        <p:cNvGrpSpPr/>
+        <p:nvPr/>
+      </p:nvGrpSpPr>
+      <p:grpSpPr>
+        <a:xfrm>
+          <a:off x="0" y="0"/>
+          <a:ext cx="0" cy="0"/>
+          <a:chOff x="0" y="0"/>
+          <a:chExt cx="0" cy="0"/>
+        </a:xfrm>
+      </p:grpSpPr>
+      <p:sp>
+        <p:nvSpPr>
+          <p:cNvPr id="7" name="Titolo 1">
+            <a:extLst>
+              <a:ext uri="{FF2B5EF4-FFF2-40B4-BE49-F238E27FC236}">
+                <a16:creationId xmlns:a16="http://schemas.microsoft.com/office/drawing/2014/main" id="{17B06C31-F6F6-21E4-30FE-502265A0B9F4}"/>
+              </a:ext>
+            </a:extLst>
+          </p:cNvPr>
+          <p:cNvSpPr>
+            <a:spLocks noGrp="1"/>
+          </p:cNvSpPr>
+          <p:nvPr>
+            <p:ph type="title"/>
+          </p:nvPr>
+        </p:nvSpPr>
+        <p:spPr>
+          <a:xfrm>
+            <a:off x="838200" y="143453"/>
+            <a:ext cx="10515600" cy="835602"/>
+          </a:xfrm>
+        </p:spPr>
+        <p:txBody>
+          <a:bodyPr/>
+          <a:lstStyle/>
+          <a:p>
+            <a:pPr algn="ctr"/>
+            <a:r>
+              <a:rPr lang="it-IT" b="1" dirty="0">
+                <a:solidFill>
+                  <a:srgbClr val="FF0000"/>
+                </a:solidFill>
+                <a:cs typeface="Arial" panose="020B0604020202020204" pitchFamily="34" charset="0"/>
+              </a:rPr>
+              <a:t>DISTRIBUZIONE DI GRADO</a:t>
+            </a:r>
+          </a:p>
+        </p:txBody>
+      </p:sp>
+      <p:pic>
+        <p:nvPicPr>
+          <p:cNvPr id="9" name="Immagine 8">
+            <a:extLst>
+              <a:ext uri="{FF2B5EF4-FFF2-40B4-BE49-F238E27FC236}">
+                <a16:creationId xmlns:a16="http://schemas.microsoft.com/office/drawing/2014/main" id="{F5F2A504-7C72-7D4C-6551-2B24A102A9DC}"/>
+              </a:ext>
+            </a:extLst>
+          </p:cNvPr>
+          <p:cNvPicPr>
+            <a:picLocks noChangeAspect="1"/>
+          </p:cNvPicPr>
+          <p:nvPr/>
+        </p:nvPicPr>
+        <p:blipFill>
+          <a:blip r:embed="rId3">
+            <a:extLst>
+              <a:ext uri="{28A0092B-C50C-407E-A947-70E740481C1C}">
+                <a14:useLocalDpi xmlns:a14="http://schemas.microsoft.com/office/drawing/2010/main" val="0"/>
+              </a:ext>
+            </a:extLst>
+          </a:blip>
+          <a:stretch>
+            <a:fillRect/>
+          </a:stretch>
+        </p:blipFill>
+        <p:spPr>
+          <a:xfrm>
+            <a:off x="838200" y="979055"/>
+            <a:ext cx="10425396" cy="4736508"/>
+          </a:xfrm>
+          <a:prstGeom prst="rect">
+            <a:avLst/>
+          </a:prstGeom>
+        </p:spPr>
+      </p:pic>
+      <p:sp>
+        <p:nvSpPr>
+          <p:cNvPr id="10" name="CasellaDiTesto 9">
+            <a:extLst>
+              <a:ext uri="{FF2B5EF4-FFF2-40B4-BE49-F238E27FC236}">
+                <a16:creationId xmlns:a16="http://schemas.microsoft.com/office/drawing/2014/main" id="{84533820-A6BC-73A8-EC8B-103A5A6CF373}"/>
+              </a:ext>
+            </a:extLst>
+          </p:cNvPr>
+          <p:cNvSpPr txBox="1"/>
+          <p:nvPr/>
+        </p:nvSpPr>
+        <p:spPr>
+          <a:xfrm>
+            <a:off x="2074141" y="5971277"/>
+            <a:ext cx="2800350" cy="461665"/>
+          </a:xfrm>
+          <a:prstGeom prst="rect">
+            <a:avLst/>
+          </a:prstGeom>
+          <a:noFill/>
+        </p:spPr>
+        <p:txBody>
+          <a:bodyPr wrap="square" rtlCol="0">
+            <a:spAutoFit/>
+          </a:bodyPr>
+          <a:lstStyle/>
+          <a:p>
+            <a:r>
+              <a:rPr lang="it-IT" sz="2400" b="1" i="1" dirty="0" err="1">
+                <a:solidFill>
+                  <a:srgbClr val="FF0000"/>
+                </a:solidFill>
+              </a:rPr>
+              <a:t>Assortatività</a:t>
+            </a:r>
+            <a:r>
+              <a:rPr lang="it-IT" sz="2400" dirty="0"/>
+              <a:t> = 0.23</a:t>
+            </a:r>
+          </a:p>
+        </p:txBody>
+      </p:sp>
+      <p:sp>
+        <p:nvSpPr>
+          <p:cNvPr id="12" name="CasellaDiTesto 11">
+            <a:extLst>
+              <a:ext uri="{FF2B5EF4-FFF2-40B4-BE49-F238E27FC236}">
+                <a16:creationId xmlns:a16="http://schemas.microsoft.com/office/drawing/2014/main" id="{5C52AC9C-AE26-DA5F-0265-8A858FC85F60}"/>
+              </a:ext>
+            </a:extLst>
+          </p:cNvPr>
+          <p:cNvSpPr txBox="1"/>
+          <p:nvPr/>
+        </p:nvSpPr>
+        <p:spPr>
+          <a:xfrm>
+            <a:off x="6197600" y="5878945"/>
+            <a:ext cx="5911273" cy="646331"/>
+          </a:xfrm>
+          <a:prstGeom prst="rect">
+            <a:avLst/>
+          </a:prstGeom>
+          <a:noFill/>
+        </p:spPr>
+        <p:txBody>
+          <a:bodyPr wrap="square">
+            <a:spAutoFit/>
+          </a:bodyPr>
+          <a:lstStyle/>
+          <a:p>
+            <a:r>
+              <a:rPr lang="it-IT" b="1" i="1" dirty="0">
+                <a:solidFill>
+                  <a:srgbClr val="FF0000"/>
+                </a:solidFill>
+                <a:effectLst/>
+                <a:latin typeface="Arial" panose="020B0604020202020204" pitchFamily="34" charset="0"/>
+              </a:rPr>
+              <a:t>Degree</a:t>
+            </a:r>
+            <a:r>
+              <a:rPr lang="it-IT" b="0" i="0" dirty="0">
+                <a:effectLst/>
+                <a:latin typeface="Arial" panose="020B0604020202020204" pitchFamily="34" charset="0"/>
+              </a:rPr>
+              <a:t>: Milano Lambrate 1, Saronno 1, Monza 1</a:t>
+            </a:r>
+            <a:br>
+              <a:rPr lang="it-IT" dirty="0"/>
+            </a:br>
+            <a:r>
+              <a:rPr lang="it-IT" b="1" i="1" dirty="0" err="1">
+                <a:solidFill>
+                  <a:srgbClr val="FF0000"/>
+                </a:solidFill>
+                <a:effectLst/>
+                <a:latin typeface="Arial" panose="020B0604020202020204" pitchFamily="34" charset="0"/>
+              </a:rPr>
+              <a:t>Weighted</a:t>
+            </a:r>
+            <a:r>
+              <a:rPr lang="it-IT" b="0" i="0" dirty="0">
+                <a:effectLst/>
+                <a:latin typeface="Arial" panose="020B0604020202020204" pitchFamily="34" charset="0"/>
+              </a:rPr>
+              <a:t>: Milano Bovisa 1, Saronno 0.71, Monza 0.47</a:t>
+            </a:r>
+            <a:endParaRPr lang="it-IT" dirty="0"/>
+          </a:p>
+        </p:txBody>
+      </p:sp>
+    </p:spTree>
+    <p:extLst>
+      <p:ext uri="{BB962C8B-B14F-4D97-AF65-F5344CB8AC3E}">
+        <p14:creationId xmlns:p14="http://schemas.microsoft.com/office/powerpoint/2010/main" val="1483591236"/>
+      </p:ext>
+    </p:extLst>
+  </p:cSld>
+  <p:clrMapOvr>
+    <a:masterClrMapping/>
+  </p:clrMapOvr>
+</p:sld>
+</file>
+
+<file path=ppt/slides/slide8.xml><?xml version="1.0" encoding="utf-8"?>
+<p:sld xmlns:a="http://schemas.openxmlformats.org/drawingml/2006/main" xmlns:r="http://schemas.openxmlformats.org/officeDocument/2006/relationships" xmlns:p="http://schemas.openxmlformats.org/presentationml/2006/main">
+  <p:cSld>
+    <p:bg>
+      <p:bgPr>
+        <a:blipFill dpi="0" rotWithShape="1">
+          <a:blip r:embed="rId2">
+            <a:lum/>
+          </a:blip>
+          <a:srcRect/>
+          <a:stretch>
+            <a:fillRect/>
+          </a:stretch>
+        </a:blipFill>
+        <a:effectLst/>
+      </p:bgPr>
+    </p:bg>
+    <p:spTree>
+      <p:nvGrpSpPr>
+        <p:cNvPr id="1" name=""/>
+        <p:cNvGrpSpPr/>
+        <p:nvPr/>
+      </p:nvGrpSpPr>
+      <p:grpSpPr>
+        <a:xfrm>
+          <a:off x="0" y="0"/>
+          <a:ext cx="0" cy="0"/>
+          <a:chOff x="0" y="0"/>
+          <a:chExt cx="0" cy="0"/>
+        </a:xfrm>
+      </p:grpSpPr>
+      <p:sp>
+        <p:nvSpPr>
+          <p:cNvPr id="7" name="Titolo 1">
+            <a:extLst>
+              <a:ext uri="{FF2B5EF4-FFF2-40B4-BE49-F238E27FC236}">
+                <a16:creationId xmlns:a16="http://schemas.microsoft.com/office/drawing/2014/main" id="{17B06C31-F6F6-21E4-30FE-502265A0B9F4}"/>
+              </a:ext>
+            </a:extLst>
+          </p:cNvPr>
+          <p:cNvSpPr>
+            <a:spLocks noGrp="1"/>
+          </p:cNvSpPr>
+          <p:nvPr>
+            <p:ph type="title"/>
+          </p:nvPr>
+        </p:nvSpPr>
+        <p:spPr>
+          <a:xfrm>
+            <a:off x="504825" y="146087"/>
+            <a:ext cx="10515600" cy="835602"/>
+          </a:xfrm>
+        </p:spPr>
+        <p:txBody>
+          <a:bodyPr/>
+          <a:lstStyle/>
+          <a:p>
+            <a:pPr algn="ctr"/>
+            <a:r>
+              <a:rPr lang="it-IT" b="1" dirty="0">
+                <a:solidFill>
+                  <a:srgbClr val="FF0000"/>
+                </a:solidFill>
+                <a:cs typeface="Arial" panose="020B0604020202020204" pitchFamily="34" charset="0"/>
+              </a:rPr>
+              <a:t>COEFFICIENTE DI CLUSTERING</a:t>
+            </a:r>
+          </a:p>
+        </p:txBody>
+      </p:sp>
+      <p:pic>
+        <p:nvPicPr>
+          <p:cNvPr id="5" name="Immagine 4">
+            <a:extLst>
+              <a:ext uri="{FF2B5EF4-FFF2-40B4-BE49-F238E27FC236}">
+                <a16:creationId xmlns:a16="http://schemas.microsoft.com/office/drawing/2014/main" id="{B312834F-4CFD-BAE4-50F2-5A0B3B433B4C}"/>
+              </a:ext>
+            </a:extLst>
+          </p:cNvPr>
+          <p:cNvPicPr>
+            <a:picLocks noChangeAspect="1"/>
+          </p:cNvPicPr>
+          <p:nvPr/>
+        </p:nvPicPr>
+        <p:blipFill>
+          <a:blip r:embed="rId3">
+            <a:extLst>
+              <a:ext uri="{28A0092B-C50C-407E-A947-70E740481C1C}">
+                <a14:useLocalDpi xmlns:a14="http://schemas.microsoft.com/office/drawing/2010/main" val="0"/>
+              </a:ext>
+            </a:extLst>
+          </a:blip>
+          <a:stretch>
+            <a:fillRect/>
+          </a:stretch>
+        </p:blipFill>
+        <p:spPr>
+          <a:xfrm>
+            <a:off x="756317" y="1305232"/>
+            <a:ext cx="10679365" cy="4914286"/>
+          </a:xfrm>
+          <a:prstGeom prst="rect">
+            <a:avLst/>
+          </a:prstGeom>
+        </p:spPr>
+      </p:pic>
+    </p:spTree>
+    <p:extLst>
+      <p:ext uri="{BB962C8B-B14F-4D97-AF65-F5344CB8AC3E}">
+        <p14:creationId xmlns:p14="http://schemas.microsoft.com/office/powerpoint/2010/main" val="3864126930"/>
+      </p:ext>
+    </p:extLst>
+  </p:cSld>
+  <p:clrMapOvr>
+    <a:masterClrMapping/>
+  </p:clrMapOvr>
+</p:sld>
+</file>
+
+<file path=ppt/slides/slide9.xml><?xml version="1.0" encoding="utf-8"?>
+<p:sld xmlns:a="http://schemas.openxmlformats.org/drawingml/2006/main" xmlns:r="http://schemas.openxmlformats.org/officeDocument/2006/relationships" xmlns:p="http://schemas.openxmlformats.org/presentationml/2006/main">
+  <p:cSld>
+    <p:bg>
+      <p:bgPr>
+        <a:blipFill dpi="0" rotWithShape="1">
+          <a:blip r:embed="rId2">
+            <a:lum/>
+          </a:blip>
+          <a:srcRect/>
+          <a:stretch>
+            <a:fillRect/>
+          </a:stretch>
+        </a:blipFill>
+        <a:effectLst/>
+      </p:bgPr>
+    </p:bg>
+    <p:spTree>
+      <p:nvGrpSpPr>
+        <p:cNvPr id="1" name=""/>
+        <p:cNvGrpSpPr/>
+        <p:nvPr/>
+      </p:nvGrpSpPr>
+      <p:grpSpPr>
+        <a:xfrm>
+          <a:off x="0" y="0"/>
+          <a:ext cx="0" cy="0"/>
+          <a:chOff x="0" y="0"/>
+          <a:chExt cx="0" cy="0"/>
+        </a:xfrm>
+      </p:grpSpPr>
+      <p:sp>
+        <p:nvSpPr>
+          <p:cNvPr id="7" name="Titolo 1">
+            <a:extLst>
+              <a:ext uri="{FF2B5EF4-FFF2-40B4-BE49-F238E27FC236}">
+                <a16:creationId xmlns:a16="http://schemas.microsoft.com/office/drawing/2014/main" id="{17B06C31-F6F6-21E4-30FE-502265A0B9F4}"/>
+              </a:ext>
+            </a:extLst>
+          </p:cNvPr>
+          <p:cNvSpPr>
+            <a:spLocks noGrp="1"/>
+          </p:cNvSpPr>
+          <p:nvPr>
+            <p:ph type="title"/>
+          </p:nvPr>
+        </p:nvSpPr>
+        <p:spPr>
+          <a:xfrm>
+            <a:off x="838200" y="263236"/>
+            <a:ext cx="10515600" cy="835602"/>
+          </a:xfrm>
+        </p:spPr>
+        <p:txBody>
+          <a:bodyPr/>
+          <a:lstStyle/>
+          <a:p>
+            <a:pPr algn="ctr"/>
+            <a:r>
+              <a:rPr lang="it-IT" b="1" dirty="0">
+                <a:solidFill>
+                  <a:srgbClr val="FF0000"/>
+                </a:solidFill>
+                <a:cs typeface="Arial" panose="020B0604020202020204" pitchFamily="34" charset="0"/>
+              </a:rPr>
+              <a:t>Quali sono le stazioni più importanti?</a:t>
+            </a:r>
+          </a:p>
+        </p:txBody>
+      </p:sp>
+    </p:spTree>
+    <p:extLst>
+      <p:ext uri="{BB962C8B-B14F-4D97-AF65-F5344CB8AC3E}">
+        <p14:creationId xmlns:p14="http://schemas.microsoft.com/office/powerpoint/2010/main" val="3509954942"/>
       </p:ext>
     </p:extLst>
   </p:cSld>
